--- a/Wastewater Metagenomic Viral Detection Tool Assessment-1218.pptx
+++ b/Wastewater Metagenomic Viral Detection Tool Assessment-1218.pptx
@@ -329,7 +329,7 @@
           <a:p>
             <a:fld id="{5BCAD085-E8A6-8845-BD4E-CB4CCA059FC4}" type="datetimeFigureOut">
               <a:rPr lang="en-US" smtClean="0"/>
-              <a:t>12/12/2025</a:t>
+              <a:t>12/16/2025</a:t>
             </a:fld>
             <a:endParaRPr lang="en-US"/>
           </a:p>
@@ -497,7 +497,7 @@
           <a:p>
             <a:fld id="{5BCAD085-E8A6-8845-BD4E-CB4CCA059FC4}" type="datetimeFigureOut">
               <a:rPr lang="en-US" smtClean="0"/>
-              <a:t>12/12/2025</a:t>
+              <a:t>12/16/2025</a:t>
             </a:fld>
             <a:endParaRPr lang="en-US"/>
           </a:p>
@@ -675,7 +675,7 @@
           <a:p>
             <a:fld id="{5BCAD085-E8A6-8845-BD4E-CB4CCA059FC4}" type="datetimeFigureOut">
               <a:rPr lang="en-US" smtClean="0"/>
-              <a:t>12/12/2025</a:t>
+              <a:t>12/16/2025</a:t>
             </a:fld>
             <a:endParaRPr lang="en-US"/>
           </a:p>
@@ -843,7 +843,7 @@
           <a:p>
             <a:fld id="{5BCAD085-E8A6-8845-BD4E-CB4CCA059FC4}" type="datetimeFigureOut">
               <a:rPr lang="en-US" smtClean="0"/>
-              <a:t>12/12/2025</a:t>
+              <a:t>12/16/2025</a:t>
             </a:fld>
             <a:endParaRPr lang="en-US"/>
           </a:p>
@@ -1088,7 +1088,7 @@
           <a:p>
             <a:fld id="{5BCAD085-E8A6-8845-BD4E-CB4CCA059FC4}" type="datetimeFigureOut">
               <a:rPr lang="en-US" smtClean="0"/>
-              <a:t>12/12/2025</a:t>
+              <a:t>12/16/2025</a:t>
             </a:fld>
             <a:endParaRPr lang="en-US"/>
           </a:p>
@@ -1373,7 +1373,7 @@
           <a:p>
             <a:fld id="{5BCAD085-E8A6-8845-BD4E-CB4CCA059FC4}" type="datetimeFigureOut">
               <a:rPr lang="en-US" smtClean="0"/>
-              <a:t>12/12/2025</a:t>
+              <a:t>12/16/2025</a:t>
             </a:fld>
             <a:endParaRPr lang="en-US"/>
           </a:p>
@@ -1792,7 +1792,7 @@
           <a:p>
             <a:fld id="{5BCAD085-E8A6-8845-BD4E-CB4CCA059FC4}" type="datetimeFigureOut">
               <a:rPr lang="en-US" smtClean="0"/>
-              <a:t>12/12/2025</a:t>
+              <a:t>12/16/2025</a:t>
             </a:fld>
             <a:endParaRPr lang="en-US"/>
           </a:p>
@@ -1909,7 +1909,7 @@
           <a:p>
             <a:fld id="{5BCAD085-E8A6-8845-BD4E-CB4CCA059FC4}" type="datetimeFigureOut">
               <a:rPr lang="en-US" smtClean="0"/>
-              <a:t>12/12/2025</a:t>
+              <a:t>12/16/2025</a:t>
             </a:fld>
             <a:endParaRPr lang="en-US"/>
           </a:p>
@@ -2004,7 +2004,7 @@
           <a:p>
             <a:fld id="{5BCAD085-E8A6-8845-BD4E-CB4CCA059FC4}" type="datetimeFigureOut">
               <a:rPr lang="en-US" smtClean="0"/>
-              <a:t>12/12/2025</a:t>
+              <a:t>12/16/2025</a:t>
             </a:fld>
             <a:endParaRPr lang="en-US"/>
           </a:p>
@@ -2279,7 +2279,7 @@
           <a:p>
             <a:fld id="{5BCAD085-E8A6-8845-BD4E-CB4CCA059FC4}" type="datetimeFigureOut">
               <a:rPr lang="en-US" smtClean="0"/>
-              <a:t>12/12/2025</a:t>
+              <a:t>12/16/2025</a:t>
             </a:fld>
             <a:endParaRPr lang="en-US"/>
           </a:p>
@@ -2531,7 +2531,7 @@
           <a:p>
             <a:fld id="{5BCAD085-E8A6-8845-BD4E-CB4CCA059FC4}" type="datetimeFigureOut">
               <a:rPr lang="en-US" smtClean="0"/>
-              <a:t>12/12/2025</a:t>
+              <a:t>12/16/2025</a:t>
             </a:fld>
             <a:endParaRPr lang="en-US"/>
           </a:p>
@@ -2742,7 +2742,7 @@
           <a:p>
             <a:fld id="{5BCAD085-E8A6-8845-BD4E-CB4CCA059FC4}" type="datetimeFigureOut">
               <a:rPr lang="en-US" smtClean="0"/>
-              <a:t>12/12/2025</a:t>
+              <a:t>12/16/2025</a:t>
             </a:fld>
             <a:endParaRPr lang="en-US"/>
           </a:p>
@@ -3383,7 +3383,8 @@
                 <a:solidFill>
                   <a:srgbClr val="1F2328"/>
                 </a:solidFill>
-                <a:latin typeface="-apple-system"/>
+                <a:latin typeface="Times New Roman" panose="02020603050405020304" pitchFamily="18" charset="0"/>
+                <a:cs typeface="Times New Roman" panose="02020603050405020304" pitchFamily="18" charset="0"/>
               </a:rPr>
               <a:t>Positioning</a:t>
             </a:r>
@@ -3392,7 +3393,8 @@
                 <a:solidFill>
                   <a:srgbClr val="1F2328"/>
                 </a:solidFill>
-                <a:latin typeface="-apple-system"/>
+                <a:latin typeface="Times New Roman" panose="02020603050405020304" pitchFamily="18" charset="0"/>
+                <a:cs typeface="Times New Roman" panose="02020603050405020304" pitchFamily="18" charset="0"/>
               </a:rPr>
               <a:t>: Rapid similarity/containment judgment</a:t>
             </a:r>
@@ -3402,7 +3404,8 @@
               <a:solidFill>
                 <a:srgbClr val="1F2328"/>
               </a:solidFill>
-              <a:latin typeface="-apple-system"/>
+              <a:latin typeface="Times New Roman" panose="02020603050405020304" pitchFamily="18" charset="0"/>
+              <a:cs typeface="Times New Roman" panose="02020603050405020304" pitchFamily="18" charset="0"/>
             </a:endParaRPr>
           </a:p>
           <a:p>
@@ -3411,7 +3414,8 @@
                 <a:solidFill>
                   <a:srgbClr val="1F2328"/>
                 </a:solidFill>
-                <a:latin typeface="-apple-system"/>
+                <a:latin typeface="Times New Roman" panose="02020603050405020304" pitchFamily="18" charset="0"/>
+                <a:cs typeface="Times New Roman" panose="02020603050405020304" pitchFamily="18" charset="0"/>
               </a:rPr>
               <a:t>Advantages</a:t>
             </a:r>
@@ -3420,7 +3424,8 @@
                 <a:solidFill>
                   <a:srgbClr val="1F2328"/>
                 </a:solidFill>
-                <a:latin typeface="-apple-system"/>
+                <a:latin typeface="Times New Roman" panose="02020603050405020304" pitchFamily="18" charset="0"/>
+                <a:cs typeface="Times New Roman" panose="02020603050405020304" pitchFamily="18" charset="0"/>
               </a:rPr>
               <a:t>:</a:t>
             </a:r>
@@ -3435,7 +3440,8 @@
                 <a:solidFill>
                   <a:srgbClr val="1F2328"/>
                 </a:solidFill>
-                <a:latin typeface="-apple-system"/>
+                <a:latin typeface="Times New Roman" panose="02020603050405020304" pitchFamily="18" charset="0"/>
+                <a:cs typeface="Times New Roman" panose="02020603050405020304" pitchFamily="18" charset="0"/>
               </a:rPr>
               <a:t>Extremely fast, resource-light</a:t>
             </a:r>
@@ -3450,7 +3456,8 @@
                 <a:solidFill>
                   <a:srgbClr val="1F2328"/>
                 </a:solidFill>
-                <a:latin typeface="-apple-system"/>
+                <a:latin typeface="Times New Roman" panose="02020603050405020304" pitchFamily="18" charset="0"/>
+                <a:cs typeface="Times New Roman" panose="02020603050405020304" pitchFamily="18" charset="0"/>
               </a:rPr>
               <a:t>Suitable for large-scale retrieval</a:t>
             </a:r>
@@ -3460,7 +3467,8 @@
               <a:solidFill>
                 <a:srgbClr val="1F2328"/>
               </a:solidFill>
-              <a:latin typeface="-apple-system"/>
+              <a:latin typeface="Times New Roman" panose="02020603050405020304" pitchFamily="18" charset="0"/>
+              <a:cs typeface="Times New Roman" panose="02020603050405020304" pitchFamily="18" charset="0"/>
             </a:endParaRPr>
           </a:p>
           <a:p>
@@ -3469,7 +3477,8 @@
                 <a:solidFill>
                   <a:srgbClr val="1F2328"/>
                 </a:solidFill>
-                <a:latin typeface="-apple-system"/>
+                <a:latin typeface="Times New Roman" panose="02020603050405020304" pitchFamily="18" charset="0"/>
+                <a:cs typeface="Times New Roman" panose="02020603050405020304" pitchFamily="18" charset="0"/>
               </a:rPr>
               <a:t>Read Compatibility</a:t>
             </a:r>
@@ -3478,7 +3487,8 @@
                 <a:solidFill>
                   <a:srgbClr val="1F2328"/>
                 </a:solidFill>
-                <a:latin typeface="-apple-system"/>
+                <a:latin typeface="Times New Roman" panose="02020603050405020304" pitchFamily="18" charset="0"/>
+                <a:cs typeface="Times New Roman" panose="02020603050405020304" pitchFamily="18" charset="0"/>
               </a:rPr>
               <a:t>: ✅ Compatible (but error rates affect k-</a:t>
             </a:r>
@@ -3487,7 +3497,8 @@
                 <a:solidFill>
                   <a:srgbClr val="1F2328"/>
                 </a:solidFill>
-                <a:latin typeface="-apple-system"/>
+                <a:latin typeface="Times New Roman" panose="02020603050405020304" pitchFamily="18" charset="0"/>
+                <a:cs typeface="Times New Roman" panose="02020603050405020304" pitchFamily="18" charset="0"/>
               </a:rPr>
               <a:t>mer</a:t>
             </a:r>
@@ -3496,7 +3507,8 @@
                 <a:solidFill>
                   <a:srgbClr val="1F2328"/>
                 </a:solidFill>
-                <a:latin typeface="-apple-system"/>
+                <a:latin typeface="Times New Roman" panose="02020603050405020304" pitchFamily="18" charset="0"/>
+                <a:cs typeface="Times New Roman" panose="02020603050405020304" pitchFamily="18" charset="0"/>
               </a:rPr>
               <a:t> matching)</a:t>
             </a:r>
@@ -3506,7 +3518,8 @@
               <a:solidFill>
                 <a:srgbClr val="1F2328"/>
               </a:solidFill>
-              <a:latin typeface="-apple-system"/>
+              <a:latin typeface="Times New Roman" panose="02020603050405020304" pitchFamily="18" charset="0"/>
+              <a:cs typeface="Times New Roman" panose="02020603050405020304" pitchFamily="18" charset="0"/>
             </a:endParaRPr>
           </a:p>
           <a:p>
@@ -3515,7 +3528,8 @@
                 <a:solidFill>
                   <a:srgbClr val="1F2328"/>
                 </a:solidFill>
-                <a:latin typeface="-apple-system"/>
+                <a:latin typeface="Times New Roman" panose="02020603050405020304" pitchFamily="18" charset="0"/>
+                <a:cs typeface="Times New Roman" panose="02020603050405020304" pitchFamily="18" charset="0"/>
               </a:rPr>
               <a:t>Usage Recommendations</a:t>
             </a:r>
@@ -3524,7 +3538,8 @@
                 <a:solidFill>
                   <a:srgbClr val="1F2328"/>
                 </a:solidFill>
-                <a:latin typeface="-apple-system"/>
+                <a:latin typeface="Times New Roman" panose="02020603050405020304" pitchFamily="18" charset="0"/>
+                <a:cs typeface="Times New Roman" panose="02020603050405020304" pitchFamily="18" charset="0"/>
               </a:rPr>
               <a:t>:</a:t>
             </a:r>
@@ -3539,7 +3554,8 @@
                 <a:solidFill>
                   <a:srgbClr val="1F2328"/>
                 </a:solidFill>
-                <a:latin typeface="-apple-system"/>
+                <a:latin typeface="Times New Roman" panose="02020603050405020304" pitchFamily="18" charset="0"/>
+                <a:cs typeface="Times New Roman" panose="02020603050405020304" pitchFamily="18" charset="0"/>
               </a:rPr>
               <a:t>Coverage/consistency validation</a:t>
             </a:r>
@@ -3554,7 +3570,8 @@
                 <a:solidFill>
                   <a:srgbClr val="1F2328"/>
                 </a:solidFill>
-                <a:latin typeface="-apple-system"/>
+                <a:latin typeface="Times New Roman" panose="02020603050405020304" pitchFamily="18" charset="0"/>
+                <a:cs typeface="Times New Roman" panose="02020603050405020304" pitchFamily="18" charset="0"/>
               </a:rPr>
               <a:t>Long reads need error correction or use as "coarse validation"</a:t>
             </a:r>
@@ -3563,7 +3580,8 @@
                 <a:srgbClr val="1F2328"/>
               </a:solidFill>
               <a:effectLst/>
-              <a:latin typeface="-apple-system"/>
+              <a:latin typeface="Times New Roman" panose="02020603050405020304" pitchFamily="18" charset="0"/>
+              <a:cs typeface="Times New Roman" panose="02020603050405020304" pitchFamily="18" charset="0"/>
             </a:endParaRPr>
           </a:p>
         </p:txBody>
@@ -3644,7 +3662,7 @@
         <p:spPr>
           <a:xfrm>
             <a:off x="622382" y="1304800"/>
-            <a:ext cx="8229600" cy="4555093"/>
+            <a:ext cx="8229600" cy="4862870"/>
           </a:xfrm>
           <a:prstGeom prst="rect">
             <a:avLst/>
@@ -3698,7 +3716,8 @@
                 <a:solidFill>
                   <a:srgbClr val="1F2328"/>
                 </a:solidFill>
-                <a:latin typeface="-apple-system"/>
+                <a:latin typeface="Times New Roman" panose="02020603050405020304" pitchFamily="18" charset="0"/>
+                <a:cs typeface="Times New Roman" panose="02020603050405020304" pitchFamily="18" charset="0"/>
               </a:rPr>
               <a:t>Positioning</a:t>
             </a:r>
@@ -3707,7 +3726,8 @@
                 <a:solidFill>
                   <a:srgbClr val="1F2328"/>
                 </a:solidFill>
-                <a:latin typeface="-apple-system"/>
+                <a:latin typeface="Times New Roman" panose="02020603050405020304" pitchFamily="18" charset="0"/>
+                <a:cs typeface="Times New Roman" panose="02020603050405020304" pitchFamily="18" charset="0"/>
               </a:rPr>
               <a:t>: Uses only k-</a:t>
             </a:r>
@@ -3716,7 +3736,8 @@
                 <a:solidFill>
                   <a:srgbClr val="1F2328"/>
                 </a:solidFill>
-                <a:latin typeface="-apple-system"/>
+                <a:latin typeface="Times New Roman" panose="02020603050405020304" pitchFamily="18" charset="0"/>
+                <a:cs typeface="Times New Roman" panose="02020603050405020304" pitchFamily="18" charset="0"/>
               </a:rPr>
               <a:t>mers</a:t>
             </a:r>
@@ -3725,7 +3746,8 @@
                 <a:solidFill>
                   <a:srgbClr val="1F2328"/>
                 </a:solidFill>
-                <a:latin typeface="-apple-system"/>
+                <a:latin typeface="Times New Roman" panose="02020603050405020304" pitchFamily="18" charset="0"/>
+                <a:cs typeface="Times New Roman" panose="02020603050405020304" pitchFamily="18" charset="0"/>
               </a:rPr>
               <a:t> that uniquely distinguish species</a:t>
             </a:r>
@@ -3735,7 +3757,8 @@
               <a:solidFill>
                 <a:srgbClr val="1F2328"/>
               </a:solidFill>
-              <a:latin typeface="-apple-system"/>
+              <a:latin typeface="Times New Roman" panose="02020603050405020304" pitchFamily="18" charset="0"/>
+              <a:cs typeface="Times New Roman" panose="02020603050405020304" pitchFamily="18" charset="0"/>
             </a:endParaRPr>
           </a:p>
           <a:p>
@@ -3744,7 +3767,8 @@
                 <a:solidFill>
                   <a:srgbClr val="1F2328"/>
                 </a:solidFill>
-                <a:latin typeface="-apple-system"/>
+                <a:latin typeface="Times New Roman" panose="02020603050405020304" pitchFamily="18" charset="0"/>
+                <a:cs typeface="Times New Roman" panose="02020603050405020304" pitchFamily="18" charset="0"/>
               </a:rPr>
               <a:t>Variants</a:t>
             </a:r>
@@ -3753,7 +3777,8 @@
                 <a:solidFill>
                   <a:srgbClr val="1F2328"/>
                 </a:solidFill>
-                <a:latin typeface="-apple-system"/>
+                <a:latin typeface="Times New Roman" panose="02020603050405020304" pitchFamily="18" charset="0"/>
+                <a:cs typeface="Times New Roman" panose="02020603050405020304" pitchFamily="18" charset="0"/>
               </a:rPr>
               <a:t>: CLARK (standard), CLARK-S (spaced seeds), CLARK-l (lightweight)</a:t>
             </a:r>
@@ -3763,7 +3788,8 @@
               <a:solidFill>
                 <a:srgbClr val="1F2328"/>
               </a:solidFill>
-              <a:latin typeface="-apple-system"/>
+              <a:latin typeface="Times New Roman" panose="02020603050405020304" pitchFamily="18" charset="0"/>
+              <a:cs typeface="Times New Roman" panose="02020603050405020304" pitchFamily="18" charset="0"/>
             </a:endParaRPr>
           </a:p>
           <a:p>
@@ -3772,7 +3798,8 @@
                 <a:solidFill>
                   <a:srgbClr val="1F2328"/>
                 </a:solidFill>
-                <a:latin typeface="-apple-system"/>
+                <a:latin typeface="Times New Roman" panose="02020603050405020304" pitchFamily="18" charset="0"/>
+                <a:cs typeface="Times New Roman" panose="02020603050405020304" pitchFamily="18" charset="0"/>
               </a:rPr>
               <a:t>Advantages</a:t>
             </a:r>
@@ -3781,7 +3808,8 @@
                 <a:solidFill>
                   <a:srgbClr val="1F2328"/>
                 </a:solidFill>
-                <a:latin typeface="-apple-system"/>
+                <a:latin typeface="Times New Roman" panose="02020603050405020304" pitchFamily="18" charset="0"/>
+                <a:cs typeface="Times New Roman" panose="02020603050405020304" pitchFamily="18" charset="0"/>
               </a:rPr>
               <a:t>: Fast speed, good specificity</a:t>
             </a:r>
@@ -3791,7 +3819,8 @@
               <a:solidFill>
                 <a:srgbClr val="1F2328"/>
               </a:solidFill>
-              <a:latin typeface="-apple-system"/>
+              <a:latin typeface="Times New Roman" panose="02020603050405020304" pitchFamily="18" charset="0"/>
+              <a:cs typeface="Times New Roman" panose="02020603050405020304" pitchFamily="18" charset="0"/>
             </a:endParaRPr>
           </a:p>
           <a:p>
@@ -3800,7 +3829,8 @@
                 <a:solidFill>
                   <a:srgbClr val="1F2328"/>
                 </a:solidFill>
-                <a:latin typeface="-apple-system"/>
+                <a:latin typeface="Times New Roman" panose="02020603050405020304" pitchFamily="18" charset="0"/>
+                <a:cs typeface="Times New Roman" panose="02020603050405020304" pitchFamily="18" charset="0"/>
               </a:rPr>
               <a:t>Risks</a:t>
             </a:r>
@@ -3809,7 +3839,8 @@
                 <a:solidFill>
                   <a:srgbClr val="1F2328"/>
                 </a:solidFill>
-                <a:latin typeface="-apple-system"/>
+                <a:latin typeface="Times New Roman" panose="02020603050405020304" pitchFamily="18" charset="0"/>
+                <a:cs typeface="Times New Roman" panose="02020603050405020304" pitchFamily="18" charset="0"/>
               </a:rPr>
               <a:t>:</a:t>
             </a:r>
@@ -3824,7 +3855,8 @@
                 <a:solidFill>
                   <a:srgbClr val="1F2328"/>
                 </a:solidFill>
-                <a:latin typeface="-apple-system"/>
+                <a:latin typeface="Times New Roman" panose="02020603050405020304" pitchFamily="18" charset="0"/>
+                <a:cs typeface="Times New Roman" panose="02020603050405020304" pitchFamily="18" charset="0"/>
               </a:rPr>
               <a:t>Strong dependency on database coverage</a:t>
             </a:r>
@@ -3839,7 +3871,8 @@
                 <a:solidFill>
                   <a:srgbClr val="1F2328"/>
                 </a:solidFill>
-                <a:latin typeface="-apple-system"/>
+                <a:latin typeface="Times New Roman" panose="02020603050405020304" pitchFamily="18" charset="0"/>
+                <a:cs typeface="Times New Roman" panose="02020603050405020304" pitchFamily="18" charset="0"/>
               </a:rPr>
               <a:t>Long read errors affect exact k-</a:t>
             </a:r>
@@ -3848,7 +3881,8 @@
                 <a:solidFill>
                   <a:srgbClr val="1F2328"/>
                 </a:solidFill>
-                <a:latin typeface="-apple-system"/>
+                <a:latin typeface="Times New Roman" panose="02020603050405020304" pitchFamily="18" charset="0"/>
+                <a:cs typeface="Times New Roman" panose="02020603050405020304" pitchFamily="18" charset="0"/>
               </a:rPr>
               <a:t>mer</a:t>
             </a:r>
@@ -3857,7 +3891,8 @@
                 <a:solidFill>
                   <a:srgbClr val="1F2328"/>
                 </a:solidFill>
-                <a:latin typeface="-apple-system"/>
+                <a:latin typeface="Times New Roman" panose="02020603050405020304" pitchFamily="18" charset="0"/>
+                <a:cs typeface="Times New Roman" panose="02020603050405020304" pitchFamily="18" charset="0"/>
               </a:rPr>
               <a:t> matching</a:t>
             </a:r>
@@ -3867,7 +3902,8 @@
               <a:solidFill>
                 <a:srgbClr val="1F2328"/>
               </a:solidFill>
-              <a:latin typeface="-apple-system"/>
+              <a:latin typeface="Times New Roman" panose="02020603050405020304" pitchFamily="18" charset="0"/>
+              <a:cs typeface="Times New Roman" panose="02020603050405020304" pitchFamily="18" charset="0"/>
             </a:endParaRPr>
           </a:p>
           <a:p>
@@ -3876,7 +3912,8 @@
                 <a:solidFill>
                   <a:srgbClr val="1F2328"/>
                 </a:solidFill>
-                <a:latin typeface="-apple-system"/>
+                <a:latin typeface="Times New Roman" panose="02020603050405020304" pitchFamily="18" charset="0"/>
+                <a:cs typeface="Times New Roman" panose="02020603050405020304" pitchFamily="18" charset="0"/>
               </a:rPr>
               <a:t>Usage Recommendation</a:t>
             </a:r>
@@ -3885,7 +3922,8 @@
                 <a:solidFill>
                   <a:srgbClr val="1F2328"/>
                 </a:solidFill>
-                <a:latin typeface="-apple-system"/>
+                <a:latin typeface="Times New Roman" panose="02020603050405020304" pitchFamily="18" charset="0"/>
+                <a:cs typeface="Times New Roman" panose="02020603050405020304" pitchFamily="18" charset="0"/>
               </a:rPr>
               <a:t>: Recommend CLARK-S for long reads, requires sufficient memory</a:t>
             </a:r>
@@ -3894,7 +3932,8 @@
                 <a:srgbClr val="1F2328"/>
               </a:solidFill>
               <a:effectLst/>
-              <a:latin typeface="-apple-system"/>
+              <a:latin typeface="Times New Roman" panose="02020603050405020304" pitchFamily="18" charset="0"/>
+              <a:cs typeface="Times New Roman" panose="02020603050405020304" pitchFamily="18" charset="0"/>
             </a:endParaRPr>
           </a:p>
         </p:txBody>
@@ -4015,7 +4054,8 @@
                 <a:solidFill>
                   <a:srgbClr val="1F2328"/>
                 </a:solidFill>
-                <a:latin typeface="-apple-system"/>
+                <a:latin typeface="Times New Roman" panose="02020603050405020304" pitchFamily="18" charset="0"/>
+                <a:cs typeface="Times New Roman" panose="02020603050405020304" pitchFamily="18" charset="0"/>
               </a:rPr>
               <a:t>Positioning</a:t>
             </a:r>
@@ -4024,7 +4064,8 @@
                 <a:solidFill>
                   <a:srgbClr val="1F2328"/>
                 </a:solidFill>
-                <a:latin typeface="-apple-system"/>
+                <a:latin typeface="Times New Roman" panose="02020603050405020304" pitchFamily="18" charset="0"/>
+                <a:cs typeface="Times New Roman" panose="02020603050405020304" pitchFamily="18" charset="0"/>
               </a:rPr>
               <a:t>: Genome reconstruction (not targeting detection)</a:t>
             </a:r>
@@ -4034,7 +4075,8 @@
               <a:solidFill>
                 <a:srgbClr val="1F2328"/>
               </a:solidFill>
-              <a:latin typeface="-apple-system"/>
+              <a:latin typeface="Times New Roman" panose="02020603050405020304" pitchFamily="18" charset="0"/>
+              <a:cs typeface="Times New Roman" panose="02020603050405020304" pitchFamily="18" charset="0"/>
             </a:endParaRPr>
           </a:p>
           <a:p>
@@ -4043,7 +4085,8 @@
                 <a:solidFill>
                   <a:srgbClr val="1F2328"/>
                 </a:solidFill>
-                <a:latin typeface="-apple-system"/>
+                <a:latin typeface="Times New Roman" panose="02020603050405020304" pitchFamily="18" charset="0"/>
+                <a:cs typeface="Times New Roman" panose="02020603050405020304" pitchFamily="18" charset="0"/>
               </a:rPr>
               <a:t>Core Value</a:t>
             </a:r>
@@ -4052,7 +4095,8 @@
                 <a:solidFill>
                   <a:srgbClr val="1F2328"/>
                 </a:solidFill>
-                <a:latin typeface="-apple-system"/>
+                <a:latin typeface="Times New Roman" panose="02020603050405020304" pitchFamily="18" charset="0"/>
+                <a:cs typeface="Times New Roman" panose="02020603050405020304" pitchFamily="18" charset="0"/>
               </a:rPr>
               <a:t>: Produces contigs, bins, MAGs usable for evolutionary/functional analysis</a:t>
             </a:r>
@@ -4062,7 +4106,8 @@
               <a:solidFill>
                 <a:srgbClr val="1F2328"/>
               </a:solidFill>
-              <a:latin typeface="-apple-system"/>
+              <a:latin typeface="Times New Roman" panose="02020603050405020304" pitchFamily="18" charset="0"/>
+              <a:cs typeface="Times New Roman" panose="02020603050405020304" pitchFamily="18" charset="0"/>
             </a:endParaRPr>
           </a:p>
           <a:p>
@@ -4071,7 +4116,8 @@
                 <a:solidFill>
                   <a:srgbClr val="1F2328"/>
                 </a:solidFill>
-                <a:latin typeface="-apple-system"/>
+                <a:latin typeface="Times New Roman" panose="02020603050405020304" pitchFamily="18" charset="0"/>
+                <a:cs typeface="Times New Roman" panose="02020603050405020304" pitchFamily="18" charset="0"/>
               </a:rPr>
               <a:t>Read Compatibility</a:t>
             </a:r>
@@ -4080,7 +4126,8 @@
                 <a:solidFill>
                   <a:srgbClr val="1F2328"/>
                 </a:solidFill>
-                <a:latin typeface="-apple-system"/>
+                <a:latin typeface="Times New Roman" panose="02020603050405020304" pitchFamily="18" charset="0"/>
+                <a:cs typeface="Times New Roman" panose="02020603050405020304" pitchFamily="18" charset="0"/>
               </a:rPr>
               <a:t>:</a:t>
             </a:r>
@@ -4095,7 +4142,8 @@
                 <a:solidFill>
                   <a:srgbClr val="00B050"/>
                 </a:solidFill>
-                <a:latin typeface="-apple-system"/>
+                <a:latin typeface="Times New Roman" panose="02020603050405020304" pitchFamily="18" charset="0"/>
+                <a:cs typeface="Times New Roman" panose="02020603050405020304" pitchFamily="18" charset="0"/>
               </a:rPr>
               <a:t>✅</a:t>
             </a:r>
@@ -4104,7 +4152,8 @@
                 <a:solidFill>
                   <a:srgbClr val="1F2328"/>
                 </a:solidFill>
-                <a:latin typeface="-apple-system"/>
+                <a:latin typeface="Times New Roman" panose="02020603050405020304" pitchFamily="18" charset="0"/>
+                <a:cs typeface="Times New Roman" panose="02020603050405020304" pitchFamily="18" charset="0"/>
               </a:rPr>
               <a:t> Short reads fully compatible</a:t>
             </a:r>
@@ -4119,7 +4168,8 @@
                 <a:solidFill>
                   <a:srgbClr val="00B050"/>
                 </a:solidFill>
-                <a:latin typeface="-apple-system"/>
+                <a:latin typeface="Times New Roman" panose="02020603050405020304" pitchFamily="18" charset="0"/>
+                <a:cs typeface="Times New Roman" panose="02020603050405020304" pitchFamily="18" charset="0"/>
               </a:rPr>
               <a:t>✅ </a:t>
             </a:r>
@@ -4128,7 +4178,8 @@
                 <a:solidFill>
                   <a:srgbClr val="1F2328"/>
                 </a:solidFill>
-                <a:latin typeface="-apple-system"/>
+                <a:latin typeface="Times New Roman" panose="02020603050405020304" pitchFamily="18" charset="0"/>
+                <a:cs typeface="Times New Roman" panose="02020603050405020304" pitchFamily="18" charset="0"/>
               </a:rPr>
               <a:t>Hybrid assembly friendly</a:t>
             </a:r>
@@ -4143,7 +4194,8 @@
                 <a:solidFill>
                   <a:srgbClr val="FFC000"/>
                 </a:solidFill>
-                <a:latin typeface="-apple-system"/>
+                <a:latin typeface="Times New Roman" panose="02020603050405020304" pitchFamily="18" charset="0"/>
+                <a:cs typeface="Times New Roman" panose="02020603050405020304" pitchFamily="18" charset="0"/>
               </a:rPr>
               <a:t>⚠️</a:t>
             </a:r>
@@ -4152,7 +4204,8 @@
                 <a:solidFill>
                   <a:srgbClr val="1F2328"/>
                 </a:solidFill>
-                <a:latin typeface="-apple-system"/>
+                <a:latin typeface="Times New Roman" panose="02020603050405020304" pitchFamily="18" charset="0"/>
+                <a:cs typeface="Times New Roman" panose="02020603050405020304" pitchFamily="18" charset="0"/>
               </a:rPr>
               <a:t> Pure long read assembly strategy not optimal</a:t>
             </a:r>
@@ -4162,7 +4215,8 @@
               <a:solidFill>
                 <a:srgbClr val="1F2328"/>
               </a:solidFill>
-              <a:latin typeface="-apple-system"/>
+              <a:latin typeface="Times New Roman" panose="02020603050405020304" pitchFamily="18" charset="0"/>
+              <a:cs typeface="Times New Roman" panose="02020603050405020304" pitchFamily="18" charset="0"/>
             </a:endParaRPr>
           </a:p>
           <a:p>
@@ -4171,7 +4225,8 @@
                 <a:solidFill>
                   <a:srgbClr val="1F2328"/>
                 </a:solidFill>
-                <a:latin typeface="-apple-system"/>
+                <a:latin typeface="Times New Roman" panose="02020603050405020304" pitchFamily="18" charset="0"/>
+                <a:cs typeface="Times New Roman" panose="02020603050405020304" pitchFamily="18" charset="0"/>
               </a:rPr>
               <a:t>Applicable Scenarios</a:t>
             </a:r>
@@ -4180,7 +4235,8 @@
                 <a:solidFill>
                   <a:srgbClr val="1F2328"/>
                 </a:solidFill>
-                <a:latin typeface="-apple-system"/>
+                <a:latin typeface="Times New Roman" panose="02020603050405020304" pitchFamily="18" charset="0"/>
+                <a:cs typeface="Times New Roman" panose="02020603050405020304" pitchFamily="18" charset="0"/>
               </a:rPr>
               <a:t>: Analyses requiring high-quality genome reconstruction</a:t>
             </a:r>
@@ -4189,7 +4245,8 @@
                 <a:srgbClr val="1F2328"/>
               </a:solidFill>
               <a:effectLst/>
-              <a:latin typeface="-apple-system"/>
+              <a:latin typeface="Times New Roman" panose="02020603050405020304" pitchFamily="18" charset="0"/>
+              <a:cs typeface="Times New Roman" panose="02020603050405020304" pitchFamily="18" charset="0"/>
             </a:endParaRPr>
           </a:p>
         </p:txBody>
@@ -4314,7 +4371,8 @@
                 <a:solidFill>
                   <a:srgbClr val="1F2328"/>
                 </a:solidFill>
-                <a:latin typeface="-apple-system"/>
+                <a:latin typeface="Times New Roman" panose="02020603050405020304" pitchFamily="18" charset="0"/>
+                <a:cs typeface="Times New Roman" panose="02020603050405020304" pitchFamily="18" charset="0"/>
               </a:rPr>
               <a:t>Positioning</a:t>
             </a:r>
@@ -4323,7 +4381,8 @@
                 <a:solidFill>
                   <a:srgbClr val="1F2328"/>
                 </a:solidFill>
-                <a:latin typeface="-apple-system"/>
+                <a:latin typeface="Times New Roman" panose="02020603050405020304" pitchFamily="18" charset="0"/>
+                <a:cs typeface="Times New Roman" panose="02020603050405020304" pitchFamily="18" charset="0"/>
               </a:rPr>
               <a:t>: Assembly + RVDB homology search + viral feature validation</a:t>
             </a:r>
@@ -4333,7 +4392,8 @@
               <a:solidFill>
                 <a:srgbClr val="1F2328"/>
               </a:solidFill>
-              <a:latin typeface="-apple-system"/>
+              <a:latin typeface="Times New Roman" panose="02020603050405020304" pitchFamily="18" charset="0"/>
+              <a:cs typeface="Times New Roman" panose="02020603050405020304" pitchFamily="18" charset="0"/>
             </a:endParaRPr>
           </a:p>
           <a:p>
@@ -4342,7 +4402,8 @@
                 <a:solidFill>
                   <a:srgbClr val="1F2328"/>
                 </a:solidFill>
-                <a:latin typeface="-apple-system"/>
+                <a:latin typeface="Times New Roman" panose="02020603050405020304" pitchFamily="18" charset="0"/>
+                <a:cs typeface="Times New Roman" panose="02020603050405020304" pitchFamily="18" charset="0"/>
               </a:rPr>
               <a:t>Core Objective</a:t>
             </a:r>
@@ -4351,7 +4412,8 @@
                 <a:solidFill>
                   <a:srgbClr val="1F2328"/>
                 </a:solidFill>
-                <a:latin typeface="-apple-system"/>
+                <a:latin typeface="Times New Roman" panose="02020603050405020304" pitchFamily="18" charset="0"/>
+                <a:cs typeface="Times New Roman" panose="02020603050405020304" pitchFamily="18" charset="0"/>
               </a:rPr>
               <a:t>: Improve discovery capability for environmental/distant viruses</a:t>
             </a:r>
@@ -4361,7 +4423,8 @@
               <a:solidFill>
                 <a:srgbClr val="1F2328"/>
               </a:solidFill>
-              <a:latin typeface="-apple-system"/>
+              <a:latin typeface="Times New Roman" panose="02020603050405020304" pitchFamily="18" charset="0"/>
+              <a:cs typeface="Times New Roman" panose="02020603050405020304" pitchFamily="18" charset="0"/>
             </a:endParaRPr>
           </a:p>
           <a:p>
@@ -4370,7 +4433,8 @@
                 <a:solidFill>
                   <a:srgbClr val="1F2328"/>
                 </a:solidFill>
-                <a:latin typeface="-apple-system"/>
+                <a:latin typeface="Times New Roman" panose="02020603050405020304" pitchFamily="18" charset="0"/>
+                <a:cs typeface="Times New Roman" panose="02020603050405020304" pitchFamily="18" charset="0"/>
               </a:rPr>
               <a:t>Advantages</a:t>
             </a:r>
@@ -4379,7 +4443,8 @@
                 <a:solidFill>
                   <a:srgbClr val="1F2328"/>
                 </a:solidFill>
-                <a:latin typeface="-apple-system"/>
+                <a:latin typeface="Times New Roman" panose="02020603050405020304" pitchFamily="18" charset="0"/>
+                <a:cs typeface="Times New Roman" panose="02020603050405020304" pitchFamily="18" charset="0"/>
               </a:rPr>
               <a:t>:</a:t>
             </a:r>
@@ -4394,7 +4459,8 @@
                 <a:solidFill>
                   <a:srgbClr val="1F2328"/>
                 </a:solidFill>
-                <a:latin typeface="-apple-system"/>
+                <a:latin typeface="Times New Roman" panose="02020603050405020304" pitchFamily="18" charset="0"/>
+                <a:cs typeface="Times New Roman" panose="02020603050405020304" pitchFamily="18" charset="0"/>
               </a:rPr>
               <a:t>RVDB database optimized for viruses</a:t>
             </a:r>
@@ -4409,7 +4475,8 @@
                 <a:solidFill>
                   <a:srgbClr val="1F2328"/>
                 </a:solidFill>
-                <a:latin typeface="-apple-system"/>
+                <a:latin typeface="Times New Roman" panose="02020603050405020304" pitchFamily="18" charset="0"/>
+                <a:cs typeface="Times New Roman" panose="02020603050405020304" pitchFamily="18" charset="0"/>
               </a:rPr>
               <a:t>Protein-level search discovers distant sequences</a:t>
             </a:r>
@@ -4424,7 +4491,8 @@
                 <a:solidFill>
                   <a:srgbClr val="1F2328"/>
                 </a:solidFill>
-                <a:latin typeface="-apple-system"/>
+                <a:latin typeface="Times New Roman" panose="02020603050405020304" pitchFamily="18" charset="0"/>
+                <a:cs typeface="Times New Roman" panose="02020603050405020304" pitchFamily="18" charset="0"/>
               </a:rPr>
               <a:t>Particularly suitable for large viruses like NCLDV</a:t>
             </a:r>
@@ -4434,7 +4502,8 @@
               <a:solidFill>
                 <a:srgbClr val="1F2328"/>
               </a:solidFill>
-              <a:latin typeface="-apple-system"/>
+              <a:latin typeface="Times New Roman" panose="02020603050405020304" pitchFamily="18" charset="0"/>
+              <a:cs typeface="Times New Roman" panose="02020603050405020304" pitchFamily="18" charset="0"/>
             </a:endParaRPr>
           </a:p>
           <a:p>
@@ -4443,7 +4512,8 @@
                 <a:solidFill>
                   <a:srgbClr val="1F2328"/>
                 </a:solidFill>
-                <a:latin typeface="-apple-system"/>
+                <a:latin typeface="Times New Roman" panose="02020603050405020304" pitchFamily="18" charset="0"/>
+                <a:cs typeface="Times New Roman" panose="02020603050405020304" pitchFamily="18" charset="0"/>
               </a:rPr>
               <a:t>Read Compatibility</a:t>
             </a:r>
@@ -4452,7 +4522,8 @@
                 <a:solidFill>
                   <a:srgbClr val="1F2328"/>
                 </a:solidFill>
-                <a:latin typeface="-apple-system"/>
+                <a:latin typeface="Times New Roman" panose="02020603050405020304" pitchFamily="18" charset="0"/>
+                <a:cs typeface="Times New Roman" panose="02020603050405020304" pitchFamily="18" charset="0"/>
               </a:rPr>
               <a:t>: ✅ Compatible (long reads more beneficial for large virus reconstruction)</a:t>
             </a:r>
@@ -4575,11 +4646,17 @@
           </a:p>
           <a:p>
             <a:r>
-              <a:rPr lang="en-US" sz="2400" b="1" dirty="0"/>
+              <a:rPr lang="en-US" sz="2400" b="1" dirty="0">
+                <a:latin typeface="Times New Roman" panose="02020603050405020304" pitchFamily="18" charset="0"/>
+                <a:cs typeface="Times New Roman" panose="02020603050405020304" pitchFamily="18" charset="0"/>
+              </a:rPr>
               <a:t>Positioning</a:t>
             </a:r>
             <a:r>
-              <a:rPr lang="en-US" sz="2400" dirty="0"/>
+              <a:rPr lang="en-US" sz="2400" dirty="0">
+                <a:latin typeface="Times New Roman" panose="02020603050405020304" pitchFamily="18" charset="0"/>
+                <a:cs typeface="Times New Roman" panose="02020603050405020304" pitchFamily="18" charset="0"/>
+              </a:rPr>
               <a:t>: Strict filter (trades sensitivity for specificity)</a:t>
             </a:r>
           </a:p>
@@ -4587,31 +4664,52 @@
             <a:pPr marL="0" indent="0">
               <a:buNone/>
             </a:pPr>
-            <a:endParaRPr lang="en-US" sz="2400" dirty="0"/>
-          </a:p>
-          <a:p>
-            <a:r>
-              <a:rPr lang="en-US" sz="2400" b="1" dirty="0"/>
+            <a:endParaRPr lang="en-US" sz="2400" dirty="0">
+              <a:latin typeface="Times New Roman" panose="02020603050405020304" pitchFamily="18" charset="0"/>
+              <a:cs typeface="Times New Roman" panose="02020603050405020304" pitchFamily="18" charset="0"/>
+            </a:endParaRPr>
+          </a:p>
+          <a:p>
+            <a:r>
+              <a:rPr lang="en-US" sz="2400" b="1" dirty="0">
+                <a:latin typeface="Times New Roman" panose="02020603050405020304" pitchFamily="18" charset="0"/>
+                <a:cs typeface="Times New Roman" panose="02020603050405020304" pitchFamily="18" charset="0"/>
+              </a:rPr>
               <a:t>Strategy</a:t>
             </a:r>
             <a:r>
-              <a:rPr lang="en-US" sz="2400" dirty="0"/>
+              <a:rPr lang="en-US" sz="2400" dirty="0">
+                <a:latin typeface="Times New Roman" panose="02020603050405020304" pitchFamily="18" charset="0"/>
+                <a:cs typeface="Times New Roman" panose="02020603050405020304" pitchFamily="18" charset="0"/>
+              </a:rPr>
               <a:t>: VirSorter2 + </a:t>
             </a:r>
             <a:r>
-              <a:rPr lang="en-US" sz="2400" dirty="0" err="1"/>
+              <a:rPr lang="en-US" sz="2400" dirty="0" err="1">
+                <a:latin typeface="Times New Roman" panose="02020603050405020304" pitchFamily="18" charset="0"/>
+                <a:cs typeface="Times New Roman" panose="02020603050405020304" pitchFamily="18" charset="0"/>
+              </a:rPr>
               <a:t>DeepVirFinder</a:t>
             </a:r>
             <a:r>
-              <a:rPr lang="en-US" sz="2400" dirty="0"/>
+              <a:rPr lang="en-US" sz="2400" dirty="0">
+                <a:latin typeface="Times New Roman" panose="02020603050405020304" pitchFamily="18" charset="0"/>
+                <a:cs typeface="Times New Roman" panose="02020603050405020304" pitchFamily="18" charset="0"/>
+              </a:rPr>
               <a:t> + </a:t>
             </a:r>
             <a:r>
-              <a:rPr lang="en-US" sz="2400" dirty="0" err="1"/>
+              <a:rPr lang="en-US" sz="2400" dirty="0" err="1">
+                <a:latin typeface="Times New Roman" panose="02020603050405020304" pitchFamily="18" charset="0"/>
+                <a:cs typeface="Times New Roman" panose="02020603050405020304" pitchFamily="18" charset="0"/>
+              </a:rPr>
               <a:t>viralFlye</a:t>
             </a:r>
             <a:r>
-              <a:rPr lang="en-US" sz="2400" dirty="0"/>
+              <a:rPr lang="en-US" sz="2400" dirty="0">
+                <a:latin typeface="Times New Roman" panose="02020603050405020304" pitchFamily="18" charset="0"/>
+                <a:cs typeface="Times New Roman" panose="02020603050405020304" pitchFamily="18" charset="0"/>
+              </a:rPr>
               <a:t> voting</a:t>
             </a:r>
           </a:p>
@@ -4619,15 +4717,24 @@
             <a:pPr marL="0" indent="0">
               <a:buNone/>
             </a:pPr>
-            <a:endParaRPr lang="en-US" sz="2400" dirty="0"/>
-          </a:p>
-          <a:p>
-            <a:r>
-              <a:rPr lang="en-US" sz="2400" b="1" dirty="0"/>
+            <a:endParaRPr lang="en-US" sz="2400" dirty="0">
+              <a:latin typeface="Times New Roman" panose="02020603050405020304" pitchFamily="18" charset="0"/>
+              <a:cs typeface="Times New Roman" panose="02020603050405020304" pitchFamily="18" charset="0"/>
+            </a:endParaRPr>
+          </a:p>
+          <a:p>
+            <a:r>
+              <a:rPr lang="en-US" sz="2400" b="1" dirty="0">
+                <a:latin typeface="Times New Roman" panose="02020603050405020304" pitchFamily="18" charset="0"/>
+                <a:cs typeface="Times New Roman" panose="02020603050405020304" pitchFamily="18" charset="0"/>
+              </a:rPr>
               <a:t>Output</a:t>
             </a:r>
             <a:r>
-              <a:rPr lang="en-US" sz="2400" dirty="0"/>
+              <a:rPr lang="en-US" sz="2400" dirty="0">
+                <a:latin typeface="Times New Roman" panose="02020603050405020304" pitchFamily="18" charset="0"/>
+                <a:cs typeface="Times New Roman" panose="02020603050405020304" pitchFamily="18" charset="0"/>
+              </a:rPr>
               <a:t>: Smaller but more reliable candidate set</a:t>
             </a:r>
           </a:p>
@@ -4735,31 +4842,49 @@
           </a:p>
           <a:p>
             <a:r>
-              <a:rPr lang="en-US" sz="2400" b="1" dirty="0"/>
+              <a:rPr lang="en-US" sz="2400" b="1" dirty="0">
+                <a:latin typeface="Times New Roman" panose="02020603050405020304" pitchFamily="18" charset="0"/>
+                <a:cs typeface="Times New Roman" panose="02020603050405020304" pitchFamily="18" charset="0"/>
+              </a:rPr>
               <a:t>Positioning</a:t>
             </a:r>
             <a:r>
-              <a:rPr lang="en-US" sz="2400" dirty="0"/>
+              <a:rPr lang="en-US" sz="2400" dirty="0">
+                <a:latin typeface="Times New Roman" panose="02020603050405020304" pitchFamily="18" charset="0"/>
+                <a:cs typeface="Times New Roman" panose="02020603050405020304" pitchFamily="18" charset="0"/>
+              </a:rPr>
               <a:t>: Uses long contigs to reduce classification ambiguity</a:t>
             </a:r>
           </a:p>
           <a:p>
             <a:r>
-              <a:rPr lang="en-US" sz="2400" b="1" dirty="0"/>
+              <a:rPr lang="en-US" sz="2400" b="1" dirty="0">
+                <a:latin typeface="Times New Roman" panose="02020603050405020304" pitchFamily="18" charset="0"/>
+                <a:cs typeface="Times New Roman" panose="02020603050405020304" pitchFamily="18" charset="0"/>
+              </a:rPr>
               <a:t>Advantage</a:t>
             </a:r>
             <a:r>
-              <a:rPr lang="en-US" sz="2400" dirty="0"/>
+              <a:rPr lang="en-US" sz="2400" dirty="0">
+                <a:latin typeface="Times New Roman" panose="02020603050405020304" pitchFamily="18" charset="0"/>
+                <a:cs typeface="Times New Roman" panose="02020603050405020304" pitchFamily="18" charset="0"/>
+              </a:rPr>
               <a:t>: Particularly suitable for giant viruses/large genome fragment positioning</a:t>
             </a:r>
           </a:p>
           <a:p>
             <a:r>
-              <a:rPr lang="en-US" sz="2400" b="1" dirty="0"/>
+              <a:rPr lang="en-US" sz="2400" b="1" dirty="0">
+                <a:latin typeface="Times New Roman" panose="02020603050405020304" pitchFamily="18" charset="0"/>
+                <a:cs typeface="Times New Roman" panose="02020603050405020304" pitchFamily="18" charset="0"/>
+              </a:rPr>
               <a:t>Risk</a:t>
             </a:r>
             <a:r>
-              <a:rPr lang="en-US" sz="2400" dirty="0"/>
+              <a:rPr lang="en-US" sz="2400" dirty="0">
+                <a:latin typeface="Times New Roman" panose="02020603050405020304" pitchFamily="18" charset="0"/>
+                <a:cs typeface="Times New Roman" panose="02020603050405020304" pitchFamily="18" charset="0"/>
+              </a:rPr>
               <a:t>: Low-abundance taxa may be lost during assembly stage</a:t>
             </a:r>
           </a:p>
@@ -4872,23 +4997,35 @@
               <a:buNone/>
             </a:pPr>
             <a:r>
-              <a:rPr lang="en-US" b="1" dirty="0"/>
+              <a:rPr lang="en-US" b="1" dirty="0">
+                <a:latin typeface="Times New Roman" panose="02020603050405020304" pitchFamily="18" charset="0"/>
+                <a:cs typeface="Times New Roman" panose="02020603050405020304" pitchFamily="18" charset="0"/>
+              </a:rPr>
               <a:t>Advantages</a:t>
             </a:r>
             <a:r>
-              <a:rPr lang="en-US" dirty="0"/>
+              <a:rPr lang="en-US" dirty="0">
+                <a:latin typeface="Times New Roman" panose="02020603050405020304" pitchFamily="18" charset="0"/>
+                <a:cs typeface="Times New Roman" panose="02020603050405020304" pitchFamily="18" charset="0"/>
+              </a:rPr>
               <a:t>:</a:t>
             </a:r>
           </a:p>
           <a:p>
             <a:r>
-              <a:rPr lang="en-US" dirty="0"/>
+              <a:rPr lang="en-US" dirty="0">
+                <a:latin typeface="Times New Roman" panose="02020603050405020304" pitchFamily="18" charset="0"/>
+                <a:cs typeface="Times New Roman" panose="02020603050405020304" pitchFamily="18" charset="0"/>
+              </a:rPr>
               <a:t>Broad-spectrum detection, forms "long-tail distribution"</a:t>
             </a:r>
           </a:p>
           <a:p>
             <a:r>
-              <a:rPr lang="en-US" dirty="0"/>
+              <a:rPr lang="en-US" dirty="0">
+                <a:latin typeface="Times New Roman" panose="02020603050405020304" pitchFamily="18" charset="0"/>
+                <a:cs typeface="Times New Roman" panose="02020603050405020304" pitchFamily="18" charset="0"/>
+              </a:rPr>
               <a:t>Can capture large numbers of low-abundance signals</a:t>
             </a:r>
           </a:p>
@@ -4896,30 +5033,45 @@
             <a:pPr marL="0" indent="0">
               <a:buNone/>
             </a:pPr>
-            <a:endParaRPr lang="en-US" b="1" dirty="0"/>
+            <a:endParaRPr lang="en-US" b="1" dirty="0">
+              <a:latin typeface="Times New Roman" panose="02020603050405020304" pitchFamily="18" charset="0"/>
+              <a:cs typeface="Times New Roman" panose="02020603050405020304" pitchFamily="18" charset="0"/>
+            </a:endParaRPr>
           </a:p>
           <a:p>
             <a:pPr marL="0" indent="0">
               <a:buNone/>
             </a:pPr>
             <a:r>
-              <a:rPr lang="en-US" b="1" dirty="0"/>
+              <a:rPr lang="en-US" b="1" dirty="0">
+                <a:latin typeface="Times New Roman" panose="02020603050405020304" pitchFamily="18" charset="0"/>
+                <a:cs typeface="Times New Roman" panose="02020603050405020304" pitchFamily="18" charset="0"/>
+              </a:rPr>
               <a:t>Risk Points</a:t>
             </a:r>
             <a:r>
-              <a:rPr lang="en-US" dirty="0"/>
+              <a:rPr lang="en-US" dirty="0">
+                <a:latin typeface="Times New Roman" panose="02020603050405020304" pitchFamily="18" charset="0"/>
+                <a:cs typeface="Times New Roman" panose="02020603050405020304" pitchFamily="18" charset="0"/>
+              </a:rPr>
               <a:t>:</a:t>
             </a:r>
           </a:p>
           <a:p>
             <a:r>
-              <a:rPr lang="en-US" dirty="0"/>
+              <a:rPr lang="en-US" dirty="0">
+                <a:latin typeface="Times New Roman" panose="02020603050405020304" pitchFamily="18" charset="0"/>
+                <a:cs typeface="Times New Roman" panose="02020603050405020304" pitchFamily="18" charset="0"/>
+              </a:rPr>
               <a:t>Taxa with "reads &lt; 10" heavily affected by database bias and contamination</a:t>
             </a:r>
           </a:p>
           <a:p>
             <a:r>
-              <a:rPr lang="en-US" dirty="0"/>
+              <a:rPr lang="en-US" dirty="0">
+                <a:latin typeface="Times New Roman" panose="02020603050405020304" pitchFamily="18" charset="0"/>
+                <a:cs typeface="Times New Roman" panose="02020603050405020304" pitchFamily="18" charset="0"/>
+              </a:rPr>
               <a:t>Must be combined with thresholds and coverage evidence</a:t>
             </a:r>
           </a:p>
@@ -4927,18 +5079,27 @@
             <a:pPr marL="0" indent="0">
               <a:buNone/>
             </a:pPr>
-            <a:endParaRPr lang="en-US" b="1" dirty="0"/>
+            <a:endParaRPr lang="en-US" b="1" dirty="0">
+              <a:latin typeface="Times New Roman" panose="02020603050405020304" pitchFamily="18" charset="0"/>
+              <a:cs typeface="Times New Roman" panose="02020603050405020304" pitchFamily="18" charset="0"/>
+            </a:endParaRPr>
           </a:p>
           <a:p>
             <a:pPr marL="0" indent="0">
               <a:buNone/>
             </a:pPr>
             <a:r>
-              <a:rPr lang="en-US" b="1" dirty="0"/>
+              <a:rPr lang="en-US" b="1" dirty="0">
+                <a:latin typeface="Times New Roman" panose="02020603050405020304" pitchFamily="18" charset="0"/>
+                <a:cs typeface="Times New Roman" panose="02020603050405020304" pitchFamily="18" charset="0"/>
+              </a:rPr>
               <a:t>Conclusion</a:t>
             </a:r>
             <a:r>
-              <a:rPr lang="en-US" dirty="0"/>
+              <a:rPr lang="en-US" dirty="0">
+                <a:latin typeface="Times New Roman" panose="02020603050405020304" pitchFamily="18" charset="0"/>
+                <a:cs typeface="Times New Roman" panose="02020603050405020304" pitchFamily="18" charset="0"/>
+              </a:rPr>
               <a:t>: Suitable for initial screening, requires subsequent validation</a:t>
             </a:r>
           </a:p>
@@ -5052,27 +5213,42 @@
               <a:buNone/>
             </a:pPr>
             <a:r>
-              <a:rPr lang="en-US" b="1" dirty="0" err="1"/>
+              <a:rPr lang="en-US" b="1" dirty="0" err="1">
+                <a:latin typeface="Times New Roman" panose="02020603050405020304" pitchFamily="18" charset="0"/>
+                <a:cs typeface="Times New Roman" panose="02020603050405020304" pitchFamily="18" charset="0"/>
+              </a:rPr>
               <a:t>SPAdes</a:t>
             </a:r>
             <a:r>
-              <a:rPr lang="en-US" b="1" dirty="0"/>
+              <a:rPr lang="en-US" b="1" dirty="0">
+                <a:latin typeface="Times New Roman" panose="02020603050405020304" pitchFamily="18" charset="0"/>
+                <a:cs typeface="Times New Roman" panose="02020603050405020304" pitchFamily="18" charset="0"/>
+              </a:rPr>
               <a:t> Advantages</a:t>
             </a:r>
             <a:r>
-              <a:rPr lang="en-US" dirty="0"/>
+              <a:rPr lang="en-US" dirty="0">
+                <a:latin typeface="Times New Roman" panose="02020603050405020304" pitchFamily="18" charset="0"/>
+                <a:cs typeface="Times New Roman" panose="02020603050405020304" pitchFamily="18" charset="0"/>
+              </a:rPr>
               <a:t>:</a:t>
             </a:r>
           </a:p>
           <a:p>
             <a:r>
-              <a:rPr lang="en-US" dirty="0"/>
+              <a:rPr lang="en-US" dirty="0">
+                <a:latin typeface="Times New Roman" panose="02020603050405020304" pitchFamily="18" charset="0"/>
+                <a:cs typeface="Times New Roman" panose="02020603050405020304" pitchFamily="18" charset="0"/>
+              </a:rPr>
               <a:t>Produces more continuous viral contigs</a:t>
             </a:r>
           </a:p>
           <a:p>
             <a:r>
-              <a:rPr lang="en-US" dirty="0"/>
+              <a:rPr lang="en-US" dirty="0">
+                <a:latin typeface="Times New Roman" panose="02020603050405020304" pitchFamily="18" charset="0"/>
+                <a:cs typeface="Times New Roman" panose="02020603050405020304" pitchFamily="18" charset="0"/>
+              </a:rPr>
               <a:t>Beneficial for subsequent evidence chain construction</a:t>
             </a:r>
           </a:p>
@@ -5080,24 +5256,36 @@
             <a:pPr marL="0" indent="0">
               <a:buNone/>
             </a:pPr>
-            <a:endParaRPr lang="en-US" b="1" dirty="0"/>
+            <a:endParaRPr lang="en-US" b="1" dirty="0">
+              <a:latin typeface="Times New Roman" panose="02020603050405020304" pitchFamily="18" charset="0"/>
+              <a:cs typeface="Times New Roman" panose="02020603050405020304" pitchFamily="18" charset="0"/>
+            </a:endParaRPr>
           </a:p>
           <a:p>
             <a:pPr marL="0" indent="0">
               <a:buNone/>
             </a:pPr>
             <a:r>
-              <a:rPr lang="en-US" b="1" dirty="0"/>
+              <a:rPr lang="en-US" b="1" dirty="0">
+                <a:latin typeface="Times New Roman" panose="02020603050405020304" pitchFamily="18" charset="0"/>
+                <a:cs typeface="Times New Roman" panose="02020603050405020304" pitchFamily="18" charset="0"/>
+              </a:rPr>
               <a:t>MEGAHIT Advantages</a:t>
             </a:r>
             <a:r>
-              <a:rPr lang="en-US" dirty="0"/>
+              <a:rPr lang="en-US" dirty="0">
+                <a:latin typeface="Times New Roman" panose="02020603050405020304" pitchFamily="18" charset="0"/>
+                <a:cs typeface="Times New Roman" panose="02020603050405020304" pitchFamily="18" charset="0"/>
+              </a:rPr>
               <a:t>:</a:t>
             </a:r>
           </a:p>
           <a:p>
             <a:r>
-              <a:rPr lang="en-US" dirty="0"/>
+              <a:rPr lang="en-US" dirty="0">
+                <a:latin typeface="Times New Roman" panose="02020603050405020304" pitchFamily="18" charset="0"/>
+                <a:cs typeface="Times New Roman" panose="02020603050405020304" pitchFamily="18" charset="0"/>
+              </a:rPr>
               <a:t>More "comprehensive", retains more low-abundance fragments</a:t>
             </a:r>
           </a:p>
@@ -5105,18 +5293,27 @@
             <a:pPr marL="0" indent="0">
               <a:buNone/>
             </a:pPr>
-            <a:endParaRPr lang="en-US" b="1" dirty="0"/>
+            <a:endParaRPr lang="en-US" b="1" dirty="0">
+              <a:latin typeface="Times New Roman" panose="02020603050405020304" pitchFamily="18" charset="0"/>
+              <a:cs typeface="Times New Roman" panose="02020603050405020304" pitchFamily="18" charset="0"/>
+            </a:endParaRPr>
           </a:p>
           <a:p>
             <a:pPr marL="0" indent="0">
               <a:buNone/>
             </a:pPr>
             <a:r>
-              <a:rPr lang="en-US" b="1" dirty="0"/>
+              <a:rPr lang="en-US" b="1" dirty="0">
+                <a:latin typeface="Times New Roman" panose="02020603050405020304" pitchFamily="18" charset="0"/>
+                <a:cs typeface="Times New Roman" panose="02020603050405020304" pitchFamily="18" charset="0"/>
+              </a:rPr>
               <a:t>Consensus Strategy</a:t>
             </a:r>
             <a:r>
-              <a:rPr lang="en-US" dirty="0"/>
+              <a:rPr lang="en-US" dirty="0">
+                <a:latin typeface="Times New Roman" panose="02020603050405020304" pitchFamily="18" charset="0"/>
+                <a:cs typeface="Times New Roman" panose="02020603050405020304" pitchFamily="18" charset="0"/>
+              </a:rPr>
               <a:t>: Contig sets overlapping between the two assemblers are more robust</a:t>
             </a:r>
           </a:p>
@@ -5124,38 +5321,59 @@
             <a:pPr marL="0" indent="0">
               <a:buNone/>
             </a:pPr>
-            <a:endParaRPr lang="en-US" sz="4000" b="1" dirty="0"/>
+            <a:endParaRPr lang="en-US" sz="4000" b="1" dirty="0">
+              <a:latin typeface="Times New Roman" panose="02020603050405020304" pitchFamily="18" charset="0"/>
+              <a:cs typeface="Times New Roman" panose="02020603050405020304" pitchFamily="18" charset="0"/>
+            </a:endParaRPr>
           </a:p>
           <a:p>
             <a:pPr marL="0" indent="0">
               <a:buNone/>
             </a:pPr>
             <a:r>
-              <a:rPr lang="en-US" sz="4000" b="1" dirty="0"/>
+              <a:rPr lang="en-US" sz="4000" b="1" dirty="0">
+                <a:latin typeface="Times New Roman" panose="02020603050405020304" pitchFamily="18" charset="0"/>
+                <a:cs typeface="Times New Roman" panose="02020603050405020304" pitchFamily="18" charset="0"/>
+              </a:rPr>
               <a:t>Long Read Assembly Advantages</a:t>
             </a:r>
           </a:p>
           <a:p>
             <a:r>
-              <a:rPr lang="en-US" dirty="0" err="1"/>
+              <a:rPr lang="en-US" dirty="0" err="1">
+                <a:latin typeface="Times New Roman" panose="02020603050405020304" pitchFamily="18" charset="0"/>
+                <a:cs typeface="Times New Roman" panose="02020603050405020304" pitchFamily="18" charset="0"/>
+              </a:rPr>
               <a:t>Flye</a:t>
             </a:r>
             <a:r>
-              <a:rPr lang="en-US" dirty="0"/>
+              <a:rPr lang="en-US" dirty="0">
+                <a:latin typeface="Times New Roman" panose="02020603050405020304" pitchFamily="18" charset="0"/>
+                <a:cs typeface="Times New Roman" panose="02020603050405020304" pitchFamily="18" charset="0"/>
+              </a:rPr>
               <a:t>/</a:t>
             </a:r>
             <a:r>
-              <a:rPr lang="en-US" dirty="0" err="1"/>
+              <a:rPr lang="en-US" dirty="0" err="1">
+                <a:latin typeface="Times New Roman" panose="02020603050405020304" pitchFamily="18" charset="0"/>
+                <a:cs typeface="Times New Roman" panose="02020603050405020304" pitchFamily="18" charset="0"/>
+              </a:rPr>
               <a:t>viralFlye</a:t>
             </a:r>
             <a:r>
-              <a:rPr lang="en-US" dirty="0"/>
+              <a:rPr lang="en-US" dirty="0">
+                <a:latin typeface="Times New Roman" panose="02020603050405020304" pitchFamily="18" charset="0"/>
+                <a:cs typeface="Times New Roman" panose="02020603050405020304" pitchFamily="18" charset="0"/>
+              </a:rPr>
               <a:t> can produce contigs from tens of kb to hundreds of kb</a:t>
             </a:r>
           </a:p>
           <a:p>
             <a:r>
-              <a:rPr lang="en-US" dirty="0"/>
+              <a:rPr lang="en-US" dirty="0">
+                <a:latin typeface="Times New Roman" panose="02020603050405020304" pitchFamily="18" charset="0"/>
+                <a:cs typeface="Times New Roman" panose="02020603050405020304" pitchFamily="18" charset="0"/>
+              </a:rPr>
               <a:t>Provides strong evidence chains for large viruses like NCLDV</a:t>
             </a:r>
           </a:p>
@@ -5249,21 +5467,33 @@
               <a:buNone/>
             </a:pPr>
             <a:r>
-              <a:rPr lang="en-US" sz="4000" b="1" dirty="0" err="1"/>
+              <a:rPr lang="en-US" sz="4000" b="1" dirty="0" err="1">
+                <a:latin typeface="Times New Roman" panose="02020603050405020304" pitchFamily="18" charset="0"/>
+                <a:cs typeface="Times New Roman" panose="02020603050405020304" pitchFamily="18" charset="0"/>
+              </a:rPr>
               <a:t>rvdb</a:t>
             </a:r>
             <a:r>
-              <a:rPr lang="en-US" sz="4000" b="1" dirty="0"/>
+              <a:rPr lang="en-US" sz="4000" b="1" dirty="0">
+                <a:latin typeface="Times New Roman" panose="02020603050405020304" pitchFamily="18" charset="0"/>
+                <a:cs typeface="Times New Roman" panose="02020603050405020304" pitchFamily="18" charset="0"/>
+              </a:rPr>
               <a:t>-viral Key Observations</a:t>
             </a:r>
           </a:p>
           <a:p>
             <a:r>
-              <a:rPr lang="en-US" b="1" dirty="0"/>
+              <a:rPr lang="en-US" b="1" dirty="0">
+                <a:latin typeface="Times New Roman" panose="02020603050405020304" pitchFamily="18" charset="0"/>
+                <a:cs typeface="Times New Roman" panose="02020603050405020304" pitchFamily="18" charset="0"/>
+              </a:rPr>
               <a:t>Consensus Set</a:t>
             </a:r>
             <a:r>
-              <a:rPr lang="en-US" dirty="0"/>
+              <a:rPr lang="en-US" dirty="0">
+                <a:latin typeface="Times New Roman" panose="02020603050405020304" pitchFamily="18" charset="0"/>
+                <a:cs typeface="Times New Roman" panose="02020603050405020304" pitchFamily="18" charset="0"/>
+              </a:rPr>
               <a:t>: Dual-track (assembly/features/homology) overlap more reliable</a:t>
             </a:r>
           </a:p>
@@ -5271,46 +5501,73 @@
             <a:pPr marL="0" indent="0">
               <a:buNone/>
             </a:pPr>
-            <a:endParaRPr lang="en-US" b="1" dirty="0"/>
+            <a:endParaRPr lang="en-US" b="1" dirty="0">
+              <a:latin typeface="Times New Roman" panose="02020603050405020304" pitchFamily="18" charset="0"/>
+              <a:cs typeface="Times New Roman" panose="02020603050405020304" pitchFamily="18" charset="0"/>
+            </a:endParaRPr>
           </a:p>
           <a:p>
             <a:pPr marL="0" indent="0">
               <a:buNone/>
             </a:pPr>
             <a:r>
-              <a:rPr lang="en-US" sz="4500" b="1" dirty="0"/>
+              <a:rPr lang="en-US" sz="4500" b="1" dirty="0">
+                <a:latin typeface="Times New Roman" panose="02020603050405020304" pitchFamily="18" charset="0"/>
+                <a:cs typeface="Times New Roman" panose="02020603050405020304" pitchFamily="18" charset="0"/>
+              </a:rPr>
               <a:t>NCLDV Clues</a:t>
             </a:r>
             <a:r>
-              <a:rPr lang="en-US" sz="4500" dirty="0"/>
+              <a:rPr lang="en-US" sz="4500" dirty="0">
+                <a:latin typeface="Times New Roman" panose="02020603050405020304" pitchFamily="18" charset="0"/>
+                <a:cs typeface="Times New Roman" panose="02020603050405020304" pitchFamily="18" charset="0"/>
+              </a:rPr>
               <a:t>:</a:t>
             </a:r>
           </a:p>
           <a:p>
             <a:r>
-              <a:rPr lang="en-US" dirty="0"/>
+              <a:rPr lang="en-US" dirty="0">
+                <a:latin typeface="Times New Roman" panose="02020603050405020304" pitchFamily="18" charset="0"/>
+                <a:cs typeface="Times New Roman" panose="02020603050405020304" pitchFamily="18" charset="0"/>
+              </a:rPr>
               <a:t>Large numbers of </a:t>
             </a:r>
             <a:r>
-              <a:rPr lang="en-US" dirty="0" err="1"/>
+              <a:rPr lang="en-US" dirty="0" err="1">
+                <a:latin typeface="Times New Roman" panose="02020603050405020304" pitchFamily="18" charset="0"/>
+                <a:cs typeface="Times New Roman" panose="02020603050405020304" pitchFamily="18" charset="0"/>
+              </a:rPr>
               <a:t>Mimiviridae</a:t>
             </a:r>
             <a:r>
-              <a:rPr lang="en-US" dirty="0"/>
+              <a:rPr lang="en-US" dirty="0">
+                <a:latin typeface="Times New Roman" panose="02020603050405020304" pitchFamily="18" charset="0"/>
+                <a:cs typeface="Times New Roman" panose="02020603050405020304" pitchFamily="18" charset="0"/>
+              </a:rPr>
               <a:t>/</a:t>
             </a:r>
             <a:r>
-              <a:rPr lang="en-US" dirty="0" err="1"/>
+              <a:rPr lang="en-US" dirty="0" err="1">
+                <a:latin typeface="Times New Roman" panose="02020603050405020304" pitchFamily="18" charset="0"/>
+                <a:cs typeface="Times New Roman" panose="02020603050405020304" pitchFamily="18" charset="0"/>
+              </a:rPr>
               <a:t>Phycodnaviridae</a:t>
             </a:r>
             <a:r>
-              <a:rPr lang="en-US" dirty="0"/>
+              <a:rPr lang="en-US" dirty="0">
+                <a:latin typeface="Times New Roman" panose="02020603050405020304" pitchFamily="18" charset="0"/>
+                <a:cs typeface="Times New Roman" panose="02020603050405020304" pitchFamily="18" charset="0"/>
+              </a:rPr>
               <a:t>-related hits in long read samples</a:t>
             </a:r>
           </a:p>
           <a:p>
             <a:r>
-              <a:rPr lang="en-US" dirty="0"/>
+              <a:rPr lang="en-US" dirty="0">
+                <a:latin typeface="Times New Roman" panose="02020603050405020304" pitchFamily="18" charset="0"/>
+                <a:cs typeface="Times New Roman" panose="02020603050405020304" pitchFamily="18" charset="0"/>
+              </a:rPr>
               <a:t>Combined with long contigs forms strong evidence chain</a:t>
             </a:r>
           </a:p>
@@ -5318,42 +5575,66 @@
             <a:pPr marL="0" indent="0">
               <a:buNone/>
             </a:pPr>
-            <a:endParaRPr lang="en-US" b="1" dirty="0"/>
+            <a:endParaRPr lang="en-US" b="1" dirty="0">
+              <a:latin typeface="Times New Roman" panose="02020603050405020304" pitchFamily="18" charset="0"/>
+              <a:cs typeface="Times New Roman" panose="02020603050405020304" pitchFamily="18" charset="0"/>
+            </a:endParaRPr>
           </a:p>
           <a:p>
             <a:pPr marL="0" indent="0">
               <a:buNone/>
             </a:pPr>
             <a:r>
-              <a:rPr lang="en-US" sz="4500" b="1" dirty="0"/>
+              <a:rPr lang="en-US" sz="4500" b="1" dirty="0">
+                <a:latin typeface="Times New Roman" panose="02020603050405020304" pitchFamily="18" charset="0"/>
+                <a:cs typeface="Times New Roman" panose="02020603050405020304" pitchFamily="18" charset="0"/>
+              </a:rPr>
               <a:t>MLMVD-</a:t>
             </a:r>
             <a:r>
-              <a:rPr lang="en-US" sz="4500" b="1" dirty="0" err="1"/>
+              <a:rPr lang="en-US" sz="4500" b="1" dirty="0" err="1">
+                <a:latin typeface="Times New Roman" panose="02020603050405020304" pitchFamily="18" charset="0"/>
+                <a:cs typeface="Times New Roman" panose="02020603050405020304" pitchFamily="18" charset="0"/>
+              </a:rPr>
               <a:t>nf</a:t>
             </a:r>
             <a:r>
-              <a:rPr lang="en-US" sz="4500" b="1" dirty="0"/>
+              <a:rPr lang="en-US" sz="4500" b="1" dirty="0">
+                <a:latin typeface="Times New Roman" panose="02020603050405020304" pitchFamily="18" charset="0"/>
+                <a:cs typeface="Times New Roman" panose="02020603050405020304" pitchFamily="18" charset="0"/>
+              </a:rPr>
               <a:t> Key Observations</a:t>
             </a:r>
           </a:p>
           <a:p>
             <a:r>
-              <a:rPr lang="en-US" b="1" dirty="0"/>
+              <a:rPr lang="en-US" b="1" dirty="0">
+                <a:latin typeface="Times New Roman" panose="02020603050405020304" pitchFamily="18" charset="0"/>
+                <a:cs typeface="Times New Roman" panose="02020603050405020304" pitchFamily="18" charset="0"/>
+              </a:rPr>
               <a:t>3-tool consensus</a:t>
             </a:r>
             <a:r>
-              <a:rPr lang="en-US" dirty="0"/>
+              <a:rPr lang="en-US" dirty="0">
+                <a:latin typeface="Times New Roman" panose="02020603050405020304" pitchFamily="18" charset="0"/>
+                <a:cs typeface="Times New Roman" panose="02020603050405020304" pitchFamily="18" charset="0"/>
+              </a:rPr>
               <a:t>: Strict consensus converges to small number of high-confidence contigs</a:t>
             </a:r>
           </a:p>
           <a:p>
             <a:r>
-              <a:rPr lang="en-US" b="1" dirty="0"/>
+              <a:rPr lang="en-US" b="1" dirty="0">
+                <a:latin typeface="Times New Roman" panose="02020603050405020304" pitchFamily="18" charset="0"/>
+                <a:cs typeface="Times New Roman" panose="02020603050405020304" pitchFamily="18" charset="0"/>
+              </a:rPr>
               <a:t>Recommendation</a:t>
             </a:r>
             <a:r>
-              <a:rPr lang="en-US" dirty="0"/>
+              <a:rPr lang="en-US" dirty="0">
+                <a:latin typeface="Times New Roman" panose="02020603050405020304" pitchFamily="18" charset="0"/>
+                <a:cs typeface="Times New Roman" panose="02020603050405020304" pitchFamily="18" charset="0"/>
+              </a:rPr>
               <a:t>: Treat as "confirmation candidate set generator", not "broad-spectrum detector"</a:t>
             </a:r>
           </a:p>
@@ -5472,67 +5753,106 @@
               <a:buNone/>
             </a:pPr>
             <a:r>
-              <a:rPr lang="en-US" sz="4200" b="1" dirty="0"/>
+              <a:rPr lang="en-US" sz="4200" b="1" dirty="0">
+                <a:latin typeface="Times New Roman" panose="02020603050405020304" pitchFamily="18" charset="0"/>
+                <a:cs typeface="Times New Roman" panose="02020603050405020304" pitchFamily="18" charset="0"/>
+              </a:rPr>
               <a:t>CPU/Time Intensive</a:t>
             </a:r>
             <a:r>
-              <a:rPr lang="en-US" sz="4200" dirty="0"/>
+              <a:rPr lang="en-US" sz="4200" dirty="0">
+                <a:latin typeface="Times New Roman" panose="02020603050405020304" pitchFamily="18" charset="0"/>
+                <a:cs typeface="Times New Roman" panose="02020603050405020304" pitchFamily="18" charset="0"/>
+              </a:rPr>
               <a:t>:</a:t>
             </a:r>
           </a:p>
           <a:p>
             <a:r>
-              <a:rPr lang="en-US" sz="4200" dirty="0" err="1"/>
+              <a:rPr lang="en-US" sz="4200" dirty="0" err="1">
+                <a:latin typeface="Times New Roman" panose="02020603050405020304" pitchFamily="18" charset="0"/>
+                <a:cs typeface="Times New Roman" panose="02020603050405020304" pitchFamily="18" charset="0"/>
+              </a:rPr>
               <a:t>nf</a:t>
             </a:r>
             <a:r>
-              <a:rPr lang="en-US" sz="4200" dirty="0"/>
+              <a:rPr lang="en-US" sz="4200" dirty="0">
+                <a:latin typeface="Times New Roman" panose="02020603050405020304" pitchFamily="18" charset="0"/>
+                <a:cs typeface="Times New Roman" panose="02020603050405020304" pitchFamily="18" charset="0"/>
+              </a:rPr>
               <a:t>-core/mag</a:t>
             </a:r>
           </a:p>
           <a:p>
             <a:r>
-              <a:rPr lang="en-US" sz="4200" dirty="0" err="1"/>
+              <a:rPr lang="en-US" sz="4200" dirty="0" err="1">
+                <a:latin typeface="Times New Roman" panose="02020603050405020304" pitchFamily="18" charset="0"/>
+                <a:cs typeface="Times New Roman" panose="02020603050405020304" pitchFamily="18" charset="0"/>
+              </a:rPr>
               <a:t>rvdb</a:t>
             </a:r>
             <a:r>
-              <a:rPr lang="en-US" sz="4200" dirty="0"/>
+              <a:rPr lang="en-US" sz="4200" dirty="0">
+                <a:latin typeface="Times New Roman" panose="02020603050405020304" pitchFamily="18" charset="0"/>
+                <a:cs typeface="Times New Roman" panose="02020603050405020304" pitchFamily="18" charset="0"/>
+              </a:rPr>
               <a:t>-viral</a:t>
             </a:r>
           </a:p>
           <a:p>
             <a:r>
-              <a:rPr lang="en-US" sz="4200" dirty="0"/>
+              <a:rPr lang="en-US" sz="4200" dirty="0">
+                <a:latin typeface="Times New Roman" panose="02020603050405020304" pitchFamily="18" charset="0"/>
+                <a:cs typeface="Times New Roman" panose="02020603050405020304" pitchFamily="18" charset="0"/>
+              </a:rPr>
               <a:t>MLMVD-</a:t>
             </a:r>
             <a:r>
-              <a:rPr lang="en-US" sz="4200" dirty="0" err="1"/>
+              <a:rPr lang="en-US" sz="4200" dirty="0" err="1">
+                <a:latin typeface="Times New Roman" panose="02020603050405020304" pitchFamily="18" charset="0"/>
+                <a:cs typeface="Times New Roman" panose="02020603050405020304" pitchFamily="18" charset="0"/>
+              </a:rPr>
               <a:t>nf</a:t>
             </a:r>
-            <a:endParaRPr lang="en-US" sz="4200" dirty="0"/>
+            <a:endParaRPr lang="en-US" sz="4200" dirty="0">
+              <a:latin typeface="Times New Roman" panose="02020603050405020304" pitchFamily="18" charset="0"/>
+              <a:cs typeface="Times New Roman" panose="02020603050405020304" pitchFamily="18" charset="0"/>
+            </a:endParaRPr>
           </a:p>
           <a:p>
             <a:pPr marL="0" indent="0">
               <a:buNone/>
             </a:pPr>
-            <a:endParaRPr lang="en-US" sz="4200" b="1" dirty="0"/>
+            <a:endParaRPr lang="en-US" sz="4200" b="1" dirty="0">
+              <a:latin typeface="Times New Roman" panose="02020603050405020304" pitchFamily="18" charset="0"/>
+              <a:cs typeface="Times New Roman" panose="02020603050405020304" pitchFamily="18" charset="0"/>
+            </a:endParaRPr>
           </a:p>
           <a:p>
             <a:pPr marL="0" indent="0">
               <a:buNone/>
             </a:pPr>
             <a:r>
-              <a:rPr lang="en-US" sz="4200" b="1" dirty="0"/>
+              <a:rPr lang="en-US" sz="4200" b="1" dirty="0">
+                <a:latin typeface="Times New Roman" panose="02020603050405020304" pitchFamily="18" charset="0"/>
+                <a:cs typeface="Times New Roman" panose="02020603050405020304" pitchFamily="18" charset="0"/>
+              </a:rPr>
               <a:t>Memory Intensive</a:t>
             </a:r>
             <a:r>
-              <a:rPr lang="en-US" sz="4200" dirty="0"/>
+              <a:rPr lang="en-US" sz="4200" dirty="0">
+                <a:latin typeface="Times New Roman" panose="02020603050405020304" pitchFamily="18" charset="0"/>
+                <a:cs typeface="Times New Roman" panose="02020603050405020304" pitchFamily="18" charset="0"/>
+              </a:rPr>
               <a:t>:</a:t>
             </a:r>
           </a:p>
           <a:p>
             <a:r>
-              <a:rPr lang="en-US" sz="4200" dirty="0"/>
+              <a:rPr lang="en-US" sz="4200" dirty="0">
+                <a:latin typeface="Times New Roman" panose="02020603050405020304" pitchFamily="18" charset="0"/>
+                <a:cs typeface="Times New Roman" panose="02020603050405020304" pitchFamily="18" charset="0"/>
+              </a:rPr>
               <a:t>Kraken2/CLARK (database indices)</a:t>
             </a:r>
           </a:p>
@@ -5540,28 +5860,43 @@
             <a:pPr marL="0" indent="0">
               <a:buNone/>
             </a:pPr>
-            <a:endParaRPr lang="en-US" sz="4200" b="1" dirty="0"/>
+            <a:endParaRPr lang="en-US" sz="4200" b="1" dirty="0">
+              <a:latin typeface="Times New Roman" panose="02020603050405020304" pitchFamily="18" charset="0"/>
+              <a:cs typeface="Times New Roman" panose="02020603050405020304" pitchFamily="18" charset="0"/>
+            </a:endParaRPr>
           </a:p>
           <a:p>
             <a:pPr marL="0" indent="0">
               <a:buNone/>
             </a:pPr>
             <a:r>
-              <a:rPr lang="en-US" sz="4200" b="1" dirty="0"/>
+              <a:rPr lang="en-US" sz="4200" b="1" dirty="0">
+                <a:latin typeface="Times New Roman" panose="02020603050405020304" pitchFamily="18" charset="0"/>
+                <a:cs typeface="Times New Roman" panose="02020603050405020304" pitchFamily="18" charset="0"/>
+              </a:rPr>
               <a:t>Lightweight</a:t>
             </a:r>
             <a:r>
-              <a:rPr lang="en-US" sz="4200" dirty="0"/>
+              <a:rPr lang="en-US" sz="4200" dirty="0">
+                <a:latin typeface="Times New Roman" panose="02020603050405020304" pitchFamily="18" charset="0"/>
+                <a:cs typeface="Times New Roman" panose="02020603050405020304" pitchFamily="18" charset="0"/>
+              </a:rPr>
               <a:t>:</a:t>
             </a:r>
           </a:p>
           <a:p>
             <a:r>
-              <a:rPr lang="en-US" sz="4200" dirty="0" err="1"/>
+              <a:rPr lang="en-US" sz="4200" dirty="0" err="1">
+                <a:latin typeface="Times New Roman" panose="02020603050405020304" pitchFamily="18" charset="0"/>
+                <a:cs typeface="Times New Roman" panose="02020603050405020304" pitchFamily="18" charset="0"/>
+              </a:rPr>
               <a:t>sourmash</a:t>
             </a:r>
             <a:r>
-              <a:rPr lang="en-US" sz="4200" dirty="0"/>
+              <a:rPr lang="en-US" sz="4200" dirty="0">
+                <a:latin typeface="Times New Roman" panose="02020603050405020304" pitchFamily="18" charset="0"/>
+                <a:cs typeface="Times New Roman" panose="02020603050405020304" pitchFamily="18" charset="0"/>
+              </a:rPr>
               <a:t> (extremely small sketch)</a:t>
             </a:r>
           </a:p>
@@ -5569,55 +5904,91 @@
             <a:pPr marL="0" indent="0">
               <a:buNone/>
             </a:pPr>
-            <a:endParaRPr lang="en-US" sz="4200" dirty="0"/>
+            <a:endParaRPr lang="en-US" sz="4200" dirty="0">
+              <a:latin typeface="Times New Roman" panose="02020603050405020304" pitchFamily="18" charset="0"/>
+              <a:cs typeface="Times New Roman" panose="02020603050405020304" pitchFamily="18" charset="0"/>
+            </a:endParaRPr>
           </a:p>
           <a:p>
             <a:pPr marL="0" indent="0">
               <a:buNone/>
             </a:pPr>
             <a:r>
-              <a:rPr lang="en-US" sz="4200" b="1" dirty="0"/>
+              <a:rPr lang="en-US" sz="4200" b="1" dirty="0">
+                <a:latin typeface="Times New Roman" panose="02020603050405020304" pitchFamily="18" charset="0"/>
+                <a:cs typeface="Times New Roman" panose="02020603050405020304" pitchFamily="18" charset="0"/>
+              </a:rPr>
               <a:t>Engineering Maturity</a:t>
             </a:r>
             <a:r>
-              <a:rPr lang="zh-CN" altLang="en-US" sz="4200" b="1" dirty="0"/>
+              <a:rPr lang="zh-CN" altLang="en-US" sz="4200" b="1" dirty="0">
+                <a:latin typeface="Times New Roman" panose="02020603050405020304" pitchFamily="18" charset="0"/>
+                <a:cs typeface="Times New Roman" panose="02020603050405020304" pitchFamily="18" charset="0"/>
+              </a:rPr>
               <a:t>：</a:t>
             </a:r>
-            <a:endParaRPr lang="en-US" sz="4200" b="1" dirty="0"/>
-          </a:p>
-          <a:p>
-            <a:r>
-              <a:rPr lang="en-US" sz="4200" b="1" dirty="0"/>
+            <a:endParaRPr lang="en-US" sz="4200" b="1" dirty="0">
+              <a:latin typeface="Times New Roman" panose="02020603050405020304" pitchFamily="18" charset="0"/>
+              <a:cs typeface="Times New Roman" panose="02020603050405020304" pitchFamily="18" charset="0"/>
+            </a:endParaRPr>
+          </a:p>
+          <a:p>
+            <a:r>
+              <a:rPr lang="en-US" sz="4200" b="1" dirty="0">
+                <a:latin typeface="Times New Roman" panose="02020603050405020304" pitchFamily="18" charset="0"/>
+                <a:cs typeface="Times New Roman" panose="02020603050405020304" pitchFamily="18" charset="0"/>
+              </a:rPr>
               <a:t>High</a:t>
             </a:r>
             <a:r>
-              <a:rPr lang="en-US" sz="4200" dirty="0"/>
+              <a:rPr lang="en-US" sz="4200" dirty="0">
+                <a:latin typeface="Times New Roman" panose="02020603050405020304" pitchFamily="18" charset="0"/>
+                <a:cs typeface="Times New Roman" panose="02020603050405020304" pitchFamily="18" charset="0"/>
+              </a:rPr>
               <a:t>: </a:t>
             </a:r>
             <a:r>
-              <a:rPr lang="en-US" sz="4200" dirty="0" err="1"/>
+              <a:rPr lang="en-US" sz="4200" dirty="0" err="1">
+                <a:latin typeface="Times New Roman" panose="02020603050405020304" pitchFamily="18" charset="0"/>
+                <a:cs typeface="Times New Roman" panose="02020603050405020304" pitchFamily="18" charset="0"/>
+              </a:rPr>
               <a:t>nf</a:t>
             </a:r>
             <a:r>
-              <a:rPr lang="en-US" sz="4200" dirty="0"/>
+              <a:rPr lang="en-US" sz="4200" dirty="0">
+                <a:latin typeface="Times New Roman" panose="02020603050405020304" pitchFamily="18" charset="0"/>
+                <a:cs typeface="Times New Roman" panose="02020603050405020304" pitchFamily="18" charset="0"/>
+              </a:rPr>
               <a:t>-core series, </a:t>
             </a:r>
             <a:r>
-              <a:rPr lang="en-US" sz="4200" dirty="0" err="1"/>
+              <a:rPr lang="en-US" sz="4200" dirty="0" err="1">
+                <a:latin typeface="Times New Roman" panose="02020603050405020304" pitchFamily="18" charset="0"/>
+                <a:cs typeface="Times New Roman" panose="02020603050405020304" pitchFamily="18" charset="0"/>
+              </a:rPr>
               <a:t>Nextflow</a:t>
             </a:r>
             <a:r>
-              <a:rPr lang="en-US" sz="4200" dirty="0"/>
+              <a:rPr lang="en-US" sz="4200" dirty="0">
+                <a:latin typeface="Times New Roman" panose="02020603050405020304" pitchFamily="18" charset="0"/>
+                <a:cs typeface="Times New Roman" panose="02020603050405020304" pitchFamily="18" charset="0"/>
+              </a:rPr>
               <a:t> workflows (batch processing, logging, checkpoint resumption)</a:t>
             </a:r>
           </a:p>
           <a:p>
             <a:r>
-              <a:rPr lang="en-US" sz="4200" b="1" dirty="0"/>
+              <a:rPr lang="en-US" sz="4200" b="1" dirty="0">
+                <a:latin typeface="Times New Roman" panose="02020603050405020304" pitchFamily="18" charset="0"/>
+                <a:cs typeface="Times New Roman" panose="02020603050405020304" pitchFamily="18" charset="0"/>
+              </a:rPr>
               <a:t>Medium</a:t>
             </a:r>
             <a:r>
-              <a:rPr lang="en-US" sz="4200" dirty="0"/>
+              <a:rPr lang="en-US" sz="4200" dirty="0">
+                <a:latin typeface="Times New Roman" panose="02020603050405020304" pitchFamily="18" charset="0"/>
+                <a:cs typeface="Times New Roman" panose="02020603050405020304" pitchFamily="18" charset="0"/>
+              </a:rPr>
               <a:t>: Standalone tools (suitable for point-to-point validation)</a:t>
             </a:r>
           </a:p>
@@ -5716,14 +6087,23 @@
               <a:buNone/>
             </a:pPr>
             <a:r>
-              <a:rPr lang="en-US" sz="4600" b="1" dirty="0"/>
+              <a:rPr lang="en-US" sz="4600" b="1" dirty="0">
+                <a:latin typeface="Times New Roman" panose="02020603050405020304" pitchFamily="18" charset="0"/>
+                <a:cs typeface="Times New Roman" panose="02020603050405020304" pitchFamily="18" charset="0"/>
+              </a:rPr>
               <a:t>Assessment Task</a:t>
             </a:r>
             <a:r>
-              <a:rPr lang="zh-CN" altLang="en-US" sz="4600" b="1" dirty="0"/>
+              <a:rPr lang="zh-CN" altLang="en-US" sz="4600" b="1" dirty="0">
+                <a:latin typeface="Times New Roman" panose="02020603050405020304" pitchFamily="18" charset="0"/>
+                <a:cs typeface="Times New Roman" panose="02020603050405020304" pitchFamily="18" charset="0"/>
+              </a:rPr>
               <a:t>：</a:t>
             </a:r>
-            <a:endParaRPr lang="en-US" sz="4600" b="1" dirty="0"/>
+            <a:endParaRPr lang="en-US" sz="4600" b="1" dirty="0">
+              <a:latin typeface="Times New Roman" panose="02020603050405020304" pitchFamily="18" charset="0"/>
+              <a:cs typeface="Times New Roman" panose="02020603050405020304" pitchFamily="18" charset="0"/>
+            </a:endParaRPr>
           </a:p>
           <a:p>
             <a:pPr marL="0" indent="0">
@@ -5736,11 +6116,17 @@
               <a:buNone/>
             </a:pPr>
             <a:r>
-              <a:rPr lang="en-US" b="1" dirty="0"/>
+              <a:rPr lang="en-US" b="1" dirty="0">
+                <a:latin typeface="Times New Roman" panose="02020603050405020304" pitchFamily="18" charset="0"/>
+                <a:cs typeface="Times New Roman" panose="02020603050405020304" pitchFamily="18" charset="0"/>
+              </a:rPr>
               <a:t>Assessment List</a:t>
             </a:r>
             <a:r>
-              <a:rPr lang="en-US" dirty="0"/>
+              <a:rPr lang="en-US" dirty="0">
+                <a:latin typeface="Times New Roman" panose="02020603050405020304" pitchFamily="18" charset="0"/>
+                <a:cs typeface="Times New Roman" panose="02020603050405020304" pitchFamily="18" charset="0"/>
+              </a:rPr>
               <a:t>: 10 software/platforms</a:t>
             </a:r>
           </a:p>
@@ -5748,18 +6134,27 @@
             <a:pPr marL="0" indent="0">
               <a:buNone/>
             </a:pPr>
-            <a:endParaRPr lang="en-US" b="1" dirty="0"/>
+            <a:endParaRPr lang="en-US" b="1" dirty="0">
+              <a:latin typeface="Times New Roman" panose="02020603050405020304" pitchFamily="18" charset="0"/>
+              <a:cs typeface="Times New Roman" panose="02020603050405020304" pitchFamily="18" charset="0"/>
+            </a:endParaRPr>
           </a:p>
           <a:p>
             <a:pPr marL="0" indent="0">
               <a:buNone/>
             </a:pPr>
             <a:r>
-              <a:rPr lang="en-US" b="1" dirty="0"/>
+              <a:rPr lang="en-US" b="1" dirty="0">
+                <a:latin typeface="Times New Roman" panose="02020603050405020304" pitchFamily="18" charset="0"/>
+                <a:cs typeface="Times New Roman" panose="02020603050405020304" pitchFamily="18" charset="0"/>
+              </a:rPr>
               <a:t>Assessment Focus</a:t>
             </a:r>
             <a:r>
-              <a:rPr lang="en-US" dirty="0"/>
+              <a:rPr lang="en-US" dirty="0">
+                <a:latin typeface="Times New Roman" panose="02020603050405020304" pitchFamily="18" charset="0"/>
+                <a:cs typeface="Times New Roman" panose="02020603050405020304" pitchFamily="18" charset="0"/>
+              </a:rPr>
               <a:t>:</a:t>
             </a:r>
           </a:p>
@@ -5772,31 +6167,51 @@
                 <a:solidFill>
                   <a:srgbClr val="00B050"/>
                 </a:solidFill>
+                <a:latin typeface="Times New Roman" panose="02020603050405020304" pitchFamily="18" charset="0"/>
+                <a:cs typeface="Times New Roman" panose="02020603050405020304" pitchFamily="18" charset="0"/>
               </a:rPr>
               <a:t>✅</a:t>
             </a:r>
             <a:r>
-              <a:rPr lang="en-US" dirty="0"/>
+              <a:rPr lang="en-US" dirty="0">
+                <a:latin typeface="Times New Roman" panose="02020603050405020304" pitchFamily="18" charset="0"/>
+                <a:cs typeface="Times New Roman" panose="02020603050405020304" pitchFamily="18" charset="0"/>
+              </a:rPr>
               <a:t> </a:t>
             </a:r>
             <a:r>
-              <a:rPr lang="en-US" b="1" dirty="0" err="1"/>
+              <a:rPr lang="en-US" b="1" dirty="0" err="1">
+                <a:latin typeface="Times New Roman" panose="02020603050405020304" pitchFamily="18" charset="0"/>
+                <a:cs typeface="Times New Roman" panose="02020603050405020304" pitchFamily="18" charset="0"/>
+              </a:rPr>
               <a:t>Deployability</a:t>
             </a:r>
             <a:r>
-              <a:rPr lang="en-US" b="1" dirty="0"/>
+              <a:rPr lang="en-US" b="1" dirty="0">
+                <a:latin typeface="Times New Roman" panose="02020603050405020304" pitchFamily="18" charset="0"/>
+                <a:cs typeface="Times New Roman" panose="02020603050405020304" pitchFamily="18" charset="0"/>
+              </a:rPr>
               <a:t> and Reproducibility</a:t>
             </a:r>
             <a:r>
-              <a:rPr lang="en-US" dirty="0"/>
+              <a:rPr lang="en-US" dirty="0">
+                <a:latin typeface="Times New Roman" panose="02020603050405020304" pitchFamily="18" charset="0"/>
+                <a:cs typeface="Times New Roman" panose="02020603050405020304" pitchFamily="18" charset="0"/>
+              </a:rPr>
               <a:t> (cluster deployment without </a:t>
             </a:r>
             <a:r>
-              <a:rPr lang="en-US" dirty="0" err="1"/>
+              <a:rPr lang="en-US" dirty="0" err="1">
+                <a:latin typeface="Times New Roman" panose="02020603050405020304" pitchFamily="18" charset="0"/>
+                <a:cs typeface="Times New Roman" panose="02020603050405020304" pitchFamily="18" charset="0"/>
+              </a:rPr>
               <a:t>sudo</a:t>
             </a:r>
             <a:r>
-              <a:rPr lang="en-US" dirty="0"/>
+              <a:rPr lang="en-US" dirty="0">
+                <a:latin typeface="Times New Roman" panose="02020603050405020304" pitchFamily="18" charset="0"/>
+                <a:cs typeface="Times New Roman" panose="02020603050405020304" pitchFamily="18" charset="0"/>
+              </a:rPr>
               <a:t>)</a:t>
             </a:r>
           </a:p>
@@ -5809,18 +6224,29 @@
                 <a:solidFill>
                   <a:srgbClr val="00B050"/>
                 </a:solidFill>
+                <a:latin typeface="Times New Roman" panose="02020603050405020304" pitchFamily="18" charset="0"/>
+                <a:cs typeface="Times New Roman" panose="02020603050405020304" pitchFamily="18" charset="0"/>
               </a:rPr>
               <a:t>✅</a:t>
             </a:r>
             <a:r>
-              <a:rPr lang="en-US" dirty="0"/>
+              <a:rPr lang="en-US" dirty="0">
+                <a:latin typeface="Times New Roman" panose="02020603050405020304" pitchFamily="18" charset="0"/>
+                <a:cs typeface="Times New Roman" panose="02020603050405020304" pitchFamily="18" charset="0"/>
+              </a:rPr>
               <a:t> </a:t>
             </a:r>
             <a:r>
-              <a:rPr lang="en-US" b="1" dirty="0"/>
+              <a:rPr lang="en-US" b="1" dirty="0">
+                <a:latin typeface="Times New Roman" panose="02020603050405020304" pitchFamily="18" charset="0"/>
+                <a:cs typeface="Times New Roman" panose="02020603050405020304" pitchFamily="18" charset="0"/>
+              </a:rPr>
               <a:t>Core Algorithms and Dependency Ecosystem</a:t>
             </a:r>
-            <a:endParaRPr lang="en-US" dirty="0"/>
+            <a:endParaRPr lang="en-US" dirty="0">
+              <a:latin typeface="Times New Roman" panose="02020603050405020304" pitchFamily="18" charset="0"/>
+              <a:cs typeface="Times New Roman" panose="02020603050405020304" pitchFamily="18" charset="0"/>
+            </a:endParaRPr>
           </a:p>
           <a:p>
             <a:pPr marL="0" indent="0">
@@ -5831,18 +6257,29 @@
                 <a:solidFill>
                   <a:srgbClr val="00B050"/>
                 </a:solidFill>
+                <a:latin typeface="Times New Roman" panose="02020603050405020304" pitchFamily="18" charset="0"/>
+                <a:cs typeface="Times New Roman" panose="02020603050405020304" pitchFamily="18" charset="0"/>
               </a:rPr>
               <a:t>✅</a:t>
             </a:r>
             <a:r>
-              <a:rPr lang="en-US" dirty="0"/>
+              <a:rPr lang="en-US" dirty="0">
+                <a:latin typeface="Times New Roman" panose="02020603050405020304" pitchFamily="18" charset="0"/>
+                <a:cs typeface="Times New Roman" panose="02020603050405020304" pitchFamily="18" charset="0"/>
+              </a:rPr>
               <a:t> </a:t>
             </a:r>
             <a:r>
-              <a:rPr lang="en-US" b="1" dirty="0"/>
+              <a:rPr lang="en-US" b="1" dirty="0">
+                <a:latin typeface="Times New Roman" panose="02020603050405020304" pitchFamily="18" charset="0"/>
+                <a:cs typeface="Times New Roman" panose="02020603050405020304" pitchFamily="18" charset="0"/>
+              </a:rPr>
               <a:t>Short/Long Read Compatibility</a:t>
             </a:r>
-            <a:endParaRPr lang="en-US" dirty="0"/>
+            <a:endParaRPr lang="en-US" dirty="0">
+              <a:latin typeface="Times New Roman" panose="02020603050405020304" pitchFamily="18" charset="0"/>
+              <a:cs typeface="Times New Roman" panose="02020603050405020304" pitchFamily="18" charset="0"/>
+            </a:endParaRPr>
           </a:p>
           <a:p>
             <a:pPr marL="0" indent="0">
@@ -5853,47 +6290,73 @@
                 <a:solidFill>
                   <a:srgbClr val="00B050"/>
                 </a:solidFill>
+                <a:latin typeface="Times New Roman" panose="02020603050405020304" pitchFamily="18" charset="0"/>
+                <a:cs typeface="Times New Roman" panose="02020603050405020304" pitchFamily="18" charset="0"/>
               </a:rPr>
               <a:t>✅</a:t>
             </a:r>
             <a:r>
-              <a:rPr lang="en-US" dirty="0"/>
+              <a:rPr lang="en-US" dirty="0">
+                <a:latin typeface="Times New Roman" panose="02020603050405020304" pitchFamily="18" charset="0"/>
+                <a:cs typeface="Times New Roman" panose="02020603050405020304" pitchFamily="18" charset="0"/>
+              </a:rPr>
               <a:t> </a:t>
             </a:r>
             <a:r>
-              <a:rPr lang="en-US" b="1" dirty="0"/>
+              <a:rPr lang="en-US" b="1" dirty="0">
+                <a:latin typeface="Times New Roman" panose="02020603050405020304" pitchFamily="18" charset="0"/>
+                <a:cs typeface="Times New Roman" panose="02020603050405020304" pitchFamily="18" charset="0"/>
+              </a:rPr>
               <a:t>Result Interpretation and False Positive Risk</a:t>
             </a:r>
-            <a:endParaRPr lang="en-US" dirty="0"/>
+            <a:endParaRPr lang="en-US" dirty="0">
+              <a:latin typeface="Times New Roman" panose="02020603050405020304" pitchFamily="18" charset="0"/>
+              <a:cs typeface="Times New Roman" panose="02020603050405020304" pitchFamily="18" charset="0"/>
+            </a:endParaRPr>
           </a:p>
           <a:p>
             <a:pPr marL="0" indent="0">
               <a:buNone/>
             </a:pPr>
-            <a:endParaRPr lang="en-US" b="1" dirty="0"/>
+            <a:endParaRPr lang="en-US" b="1" dirty="0">
+              <a:latin typeface="Times New Roman" panose="02020603050405020304" pitchFamily="18" charset="0"/>
+              <a:cs typeface="Times New Roman" panose="02020603050405020304" pitchFamily="18" charset="0"/>
+            </a:endParaRPr>
           </a:p>
           <a:p>
             <a:pPr marL="0" indent="0">
               <a:buNone/>
             </a:pPr>
             <a:r>
-              <a:rPr lang="en-US" b="1" dirty="0"/>
+              <a:rPr lang="en-US" b="1" dirty="0">
+                <a:latin typeface="Times New Roman" panose="02020603050405020304" pitchFamily="18" charset="0"/>
+                <a:cs typeface="Times New Roman" panose="02020603050405020304" pitchFamily="18" charset="0"/>
+              </a:rPr>
               <a:t>Assessment Principles</a:t>
             </a:r>
             <a:r>
-              <a:rPr lang="en-US" dirty="0"/>
+              <a:rPr lang="en-US" dirty="0">
+                <a:latin typeface="Times New Roman" panose="02020603050405020304" pitchFamily="18" charset="0"/>
+                <a:cs typeface="Times New Roman" panose="02020603050405020304" pitchFamily="18" charset="0"/>
+              </a:rPr>
               <a:t>:</a:t>
             </a:r>
           </a:p>
           <a:p>
             <a:r>
-              <a:rPr lang="en-US" dirty="0"/>
+              <a:rPr lang="en-US" dirty="0">
+                <a:latin typeface="Times New Roman" panose="02020603050405020304" pitchFamily="18" charset="0"/>
+                <a:cs typeface="Times New Roman" panose="02020603050405020304" pitchFamily="18" charset="0"/>
+              </a:rPr>
               <a:t>Default output vs. Consensus/Threshold output</a:t>
             </a:r>
           </a:p>
           <a:p>
             <a:r>
-              <a:rPr lang="en-US" dirty="0"/>
+              <a:rPr lang="en-US" dirty="0">
+                <a:latin typeface="Times New Roman" panose="02020603050405020304" pitchFamily="18" charset="0"/>
+                <a:cs typeface="Times New Roman" panose="02020603050405020304" pitchFamily="18" charset="0"/>
+              </a:rPr>
               <a:t>Avoid contradictory conclusions like "both most sensitive and most specific"</a:t>
             </a:r>
           </a:p>
@@ -6002,15 +6465,24 @@
               <a:buNone/>
             </a:pPr>
             <a:r>
-              <a:rPr lang="en-US" b="1" dirty="0" err="1"/>
+              <a:rPr lang="en-US" b="1" dirty="0" err="1">
+                <a:latin typeface="Times New Roman" panose="02020603050405020304" pitchFamily="18" charset="0"/>
+                <a:cs typeface="Times New Roman" panose="02020603050405020304" pitchFamily="18" charset="0"/>
+              </a:rPr>
               <a:t>RefSeq</a:t>
             </a:r>
             <a:r>
-              <a:rPr lang="en-US" b="1" dirty="0"/>
+              <a:rPr lang="en-US" b="1" dirty="0">
+                <a:latin typeface="Times New Roman" panose="02020603050405020304" pitchFamily="18" charset="0"/>
+                <a:cs typeface="Times New Roman" panose="02020603050405020304" pitchFamily="18" charset="0"/>
+              </a:rPr>
               <a:t>/Standard Libraries</a:t>
             </a:r>
             <a:r>
-              <a:rPr lang="en-US" dirty="0"/>
+              <a:rPr lang="en-US" dirty="0">
+                <a:latin typeface="Times New Roman" panose="02020603050405020304" pitchFamily="18" charset="0"/>
+                <a:cs typeface="Times New Roman" panose="02020603050405020304" pitchFamily="18" charset="0"/>
+              </a:rPr>
               <a:t>:</a:t>
             </a:r>
           </a:p>
@@ -6020,11 +6492,16 @@
                 <a:solidFill>
                   <a:srgbClr val="FF0000"/>
                 </a:solidFill>
+                <a:latin typeface="Times New Roman" panose="02020603050405020304" pitchFamily="18" charset="0"/>
+                <a:cs typeface="Times New Roman" panose="02020603050405020304" pitchFamily="18" charset="0"/>
               </a:rPr>
               <a:t>❌</a:t>
             </a:r>
             <a:r>
-              <a:rPr lang="en-US" dirty="0"/>
+              <a:rPr lang="en-US" dirty="0">
+                <a:latin typeface="Times New Roman" panose="02020603050405020304" pitchFamily="18" charset="0"/>
+                <a:cs typeface="Times New Roman" panose="02020603050405020304" pitchFamily="18" charset="0"/>
+              </a:rPr>
               <a:t> Often underestimate environmental virus and phage diversity</a:t>
             </a:r>
           </a:p>
@@ -6032,18 +6509,27 @@
             <a:pPr marL="0" indent="0">
               <a:buNone/>
             </a:pPr>
-            <a:endParaRPr lang="en-US" b="1" dirty="0"/>
+            <a:endParaRPr lang="en-US" b="1" dirty="0">
+              <a:latin typeface="Times New Roman" panose="02020603050405020304" pitchFamily="18" charset="0"/>
+              <a:cs typeface="Times New Roman" panose="02020603050405020304" pitchFamily="18" charset="0"/>
+            </a:endParaRPr>
           </a:p>
           <a:p>
             <a:pPr marL="0" indent="0">
               <a:buNone/>
             </a:pPr>
             <a:r>
-              <a:rPr lang="en-US" b="1" dirty="0"/>
+              <a:rPr lang="en-US" b="1" dirty="0">
+                <a:latin typeface="Times New Roman" panose="02020603050405020304" pitchFamily="18" charset="0"/>
+                <a:cs typeface="Times New Roman" panose="02020603050405020304" pitchFamily="18" charset="0"/>
+              </a:rPr>
               <a:t>RVDB</a:t>
             </a:r>
             <a:r>
-              <a:rPr lang="en-US" dirty="0"/>
+              <a:rPr lang="en-US" dirty="0">
+                <a:latin typeface="Times New Roman" panose="02020603050405020304" pitchFamily="18" charset="0"/>
+                <a:cs typeface="Times New Roman" panose="02020603050405020304" pitchFamily="18" charset="0"/>
+              </a:rPr>
               <a:t>:</a:t>
             </a:r>
           </a:p>
@@ -6053,11 +6539,16 @@
                 <a:solidFill>
                   <a:srgbClr val="00B050"/>
                 </a:solidFill>
+                <a:latin typeface="Times New Roman" panose="02020603050405020304" pitchFamily="18" charset="0"/>
+                <a:cs typeface="Times New Roman" panose="02020603050405020304" pitchFamily="18" charset="0"/>
               </a:rPr>
               <a:t>✅</a:t>
             </a:r>
             <a:r>
-              <a:rPr lang="en-US" dirty="0"/>
+              <a:rPr lang="en-US" dirty="0">
+                <a:latin typeface="Times New Roman" panose="02020603050405020304" pitchFamily="18" charset="0"/>
+                <a:cs typeface="Times New Roman" panose="02020603050405020304" pitchFamily="18" charset="0"/>
+              </a:rPr>
               <a:t> More friendly to viruses (especially environmental viruses and distant sequences)</a:t>
             </a:r>
           </a:p>
@@ -6067,11 +6558,16 @@
                 <a:solidFill>
                   <a:srgbClr val="FFC000"/>
                 </a:solidFill>
+                <a:latin typeface="Times New Roman" panose="02020603050405020304" pitchFamily="18" charset="0"/>
+                <a:cs typeface="Times New Roman" panose="02020603050405020304" pitchFamily="18" charset="0"/>
               </a:rPr>
               <a:t>⚠️</a:t>
             </a:r>
             <a:r>
-              <a:rPr lang="en-US" dirty="0"/>
+              <a:rPr lang="en-US" dirty="0">
+                <a:latin typeface="Times New Roman" panose="02020603050405020304" pitchFamily="18" charset="0"/>
+                <a:cs typeface="Times New Roman" panose="02020603050405020304" pitchFamily="18" charset="0"/>
+              </a:rPr>
               <a:t> Need to guard against database annotation bias</a:t>
             </a:r>
           </a:p>
@@ -6079,18 +6575,27 @@
             <a:pPr marL="0" indent="0">
               <a:buNone/>
             </a:pPr>
-            <a:endParaRPr lang="en-US" b="1" dirty="0"/>
+            <a:endParaRPr lang="en-US" b="1" dirty="0">
+              <a:latin typeface="Times New Roman" panose="02020603050405020304" pitchFamily="18" charset="0"/>
+              <a:cs typeface="Times New Roman" panose="02020603050405020304" pitchFamily="18" charset="0"/>
+            </a:endParaRPr>
           </a:p>
           <a:p>
             <a:pPr marL="0" indent="0">
               <a:buNone/>
             </a:pPr>
             <a:r>
-              <a:rPr lang="en-US" b="1" dirty="0"/>
+              <a:rPr lang="en-US" b="1" dirty="0">
+                <a:latin typeface="Times New Roman" panose="02020603050405020304" pitchFamily="18" charset="0"/>
+                <a:cs typeface="Times New Roman" panose="02020603050405020304" pitchFamily="18" charset="0"/>
+              </a:rPr>
               <a:t>Conclusion</a:t>
             </a:r>
             <a:r>
-              <a:rPr lang="en-US" dirty="0"/>
+              <a:rPr lang="en-US" dirty="0">
+                <a:latin typeface="Times New Roman" panose="02020603050405020304" pitchFamily="18" charset="0"/>
+                <a:cs typeface="Times New Roman" panose="02020603050405020304" pitchFamily="18" charset="0"/>
+              </a:rPr>
               <a:t>: Database selection directly affects discovery capability</a:t>
             </a:r>
           </a:p>
@@ -6201,36 +6706,57 @@
           </a:p>
           <a:p>
             <a:r>
-              <a:rPr lang="en-US" b="1" dirty="0"/>
+              <a:rPr lang="en-US" b="1" dirty="0">
+                <a:latin typeface="Times New Roman" panose="02020603050405020304" pitchFamily="18" charset="0"/>
+                <a:cs typeface="Times New Roman" panose="02020603050405020304" pitchFamily="18" charset="0"/>
+              </a:rPr>
               <a:t>Host Removal</a:t>
             </a:r>
-            <a:endParaRPr lang="en-US" dirty="0"/>
+            <a:endParaRPr lang="en-US" dirty="0">
+              <a:latin typeface="Times New Roman" panose="02020603050405020304" pitchFamily="18" charset="0"/>
+              <a:cs typeface="Times New Roman" panose="02020603050405020304" pitchFamily="18" charset="0"/>
+            </a:endParaRPr>
           </a:p>
           <a:p>
             <a:pPr lvl="1"/>
             <a:r>
-              <a:rPr lang="en-US" dirty="0"/>
+              <a:rPr lang="en-US" dirty="0">
+                <a:latin typeface="Times New Roman" panose="02020603050405020304" pitchFamily="18" charset="0"/>
+                <a:cs typeface="Times New Roman" panose="02020603050405020304" pitchFamily="18" charset="0"/>
+              </a:rPr>
               <a:t>Short reads: Bowtie2</a:t>
             </a:r>
           </a:p>
           <a:p>
             <a:pPr lvl="1"/>
             <a:r>
-              <a:rPr lang="en-US" dirty="0"/>
+              <a:rPr lang="en-US" dirty="0">
+                <a:latin typeface="Times New Roman" panose="02020603050405020304" pitchFamily="18" charset="0"/>
+                <a:cs typeface="Times New Roman" panose="02020603050405020304" pitchFamily="18" charset="0"/>
+              </a:rPr>
               <a:t>Long reads: Minimap2</a:t>
             </a:r>
           </a:p>
           <a:p>
             <a:r>
-              <a:rPr lang="en-US" b="1" dirty="0"/>
+              <a:rPr lang="en-US" b="1" dirty="0">
+                <a:latin typeface="Times New Roman" panose="02020603050405020304" pitchFamily="18" charset="0"/>
+                <a:cs typeface="Times New Roman" panose="02020603050405020304" pitchFamily="18" charset="0"/>
+              </a:rPr>
               <a:t>Threshold Filtering</a:t>
             </a:r>
-            <a:endParaRPr lang="en-US" dirty="0"/>
+            <a:endParaRPr lang="en-US" dirty="0">
+              <a:latin typeface="Times New Roman" panose="02020603050405020304" pitchFamily="18" charset="0"/>
+              <a:cs typeface="Times New Roman" panose="02020603050405020304" pitchFamily="18" charset="0"/>
+            </a:endParaRPr>
           </a:p>
           <a:p>
             <a:pPr lvl="1"/>
             <a:r>
-              <a:rPr lang="en-US" dirty="0"/>
+              <a:rPr lang="en-US" dirty="0">
+                <a:latin typeface="Times New Roman" panose="02020603050405020304" pitchFamily="18" charset="0"/>
+                <a:cs typeface="Times New Roman" panose="02020603050405020304" pitchFamily="18" charset="0"/>
+              </a:rPr>
               <a:t>Set minimum read count/relative abundance thresholds</a:t>
             </a:r>
           </a:p>
@@ -6238,24 +6764,36 @@
             <a:pPr marL="0" indent="0">
               <a:buNone/>
             </a:pPr>
-            <a:endParaRPr lang="en-US" b="1" dirty="0"/>
+            <a:endParaRPr lang="en-US" b="1" dirty="0">
+              <a:latin typeface="Times New Roman" panose="02020603050405020304" pitchFamily="18" charset="0"/>
+              <a:cs typeface="Times New Roman" panose="02020603050405020304" pitchFamily="18" charset="0"/>
+            </a:endParaRPr>
           </a:p>
           <a:p>
             <a:pPr marL="0" indent="0">
               <a:buNone/>
             </a:pPr>
             <a:r>
-              <a:rPr lang="en-US" b="1" dirty="0"/>
+              <a:rPr lang="en-US" b="1" dirty="0">
+                <a:latin typeface="Times New Roman" panose="02020603050405020304" pitchFamily="18" charset="0"/>
+                <a:cs typeface="Times New Roman" panose="02020603050405020304" pitchFamily="18" charset="0"/>
+              </a:rPr>
               <a:t>Multi-Evidence Chain Consensus</a:t>
             </a:r>
           </a:p>
           <a:p>
             <a:r>
-              <a:rPr lang="en-US" b="1" dirty="0"/>
+              <a:rPr lang="en-US" b="1" dirty="0">
+                <a:latin typeface="Times New Roman" panose="02020603050405020304" pitchFamily="18" charset="0"/>
+                <a:cs typeface="Times New Roman" panose="02020603050405020304" pitchFamily="18" charset="0"/>
+              </a:rPr>
               <a:t>Strategy A</a:t>
             </a:r>
             <a:r>
-              <a:rPr lang="en-US" dirty="0"/>
+              <a:rPr lang="en-US" dirty="0">
+                <a:latin typeface="Times New Roman" panose="02020603050405020304" pitchFamily="18" charset="0"/>
+                <a:cs typeface="Times New Roman" panose="02020603050405020304" pitchFamily="18" charset="0"/>
+              </a:rPr>
               <a:t>: Multi-tool consensus (≥2 tools support)</a:t>
             </a:r>
           </a:p>
@@ -6263,15 +6801,24 @@
             <a:pPr marL="0" indent="0">
               <a:buNone/>
             </a:pPr>
-            <a:endParaRPr lang="en-US" dirty="0"/>
-          </a:p>
-          <a:p>
-            <a:r>
-              <a:rPr lang="en-US" b="1" dirty="0"/>
+            <a:endParaRPr lang="en-US" dirty="0">
+              <a:latin typeface="Times New Roman" panose="02020603050405020304" pitchFamily="18" charset="0"/>
+              <a:cs typeface="Times New Roman" panose="02020603050405020304" pitchFamily="18" charset="0"/>
+            </a:endParaRPr>
+          </a:p>
+          <a:p>
+            <a:r>
+              <a:rPr lang="en-US" b="1" dirty="0">
+                <a:latin typeface="Times New Roman" panose="02020603050405020304" pitchFamily="18" charset="0"/>
+                <a:cs typeface="Times New Roman" panose="02020603050405020304" pitchFamily="18" charset="0"/>
+              </a:rPr>
               <a:t>Strategy B</a:t>
             </a:r>
             <a:r>
-              <a:rPr lang="en-US" dirty="0"/>
+              <a:rPr lang="en-US" dirty="0">
+                <a:latin typeface="Times New Roman" panose="02020603050405020304" pitchFamily="18" charset="0"/>
+                <a:cs typeface="Times New Roman" panose="02020603050405020304" pitchFamily="18" charset="0"/>
+              </a:rPr>
               <a:t>: Assembly evidence priority</a:t>
             </a:r>
           </a:p>
@@ -6280,7 +6827,10 @@
               <a:buNone/>
             </a:pPr>
             <a:r>
-              <a:rPr lang="en-US" sz="2900" dirty="0"/>
+              <a:rPr lang="en-US" sz="2900" dirty="0">
+                <a:latin typeface="Times New Roman" panose="02020603050405020304" pitchFamily="18" charset="0"/>
+                <a:cs typeface="Times New Roman" panose="02020603050405020304" pitchFamily="18" charset="0"/>
+              </a:rPr>
               <a:t>      - Require medium-to-long contigs (&gt;5-10kb)</a:t>
             </a:r>
           </a:p>
@@ -6289,7 +6839,10 @@
               <a:buNone/>
             </a:pPr>
             <a:r>
-              <a:rPr lang="en-US" sz="2900" dirty="0"/>
+              <a:rPr lang="en-US" sz="2900" dirty="0">
+                <a:latin typeface="Times New Roman" panose="02020603050405020304" pitchFamily="18" charset="0"/>
+                <a:cs typeface="Times New Roman" panose="02020603050405020304" pitchFamily="18" charset="0"/>
+              </a:rPr>
               <a:t>     - Viral hallmark genes</a:t>
             </a:r>
           </a:p>
@@ -6298,15 +6851,24 @@
               <a:buNone/>
             </a:pPr>
             <a:r>
-              <a:rPr lang="en-US" sz="2900" dirty="0"/>
+              <a:rPr lang="en-US" sz="2900" dirty="0">
+                <a:latin typeface="Times New Roman" panose="02020603050405020304" pitchFamily="18" charset="0"/>
+                <a:cs typeface="Times New Roman" panose="02020603050405020304" pitchFamily="18" charset="0"/>
+              </a:rPr>
               <a:t>    - DIAMOND/RVDB or VirSorter2/</a:t>
             </a:r>
             <a:r>
-              <a:rPr lang="en-US" sz="2900" dirty="0" err="1"/>
+              <a:rPr lang="en-US" sz="2900" dirty="0" err="1">
+                <a:latin typeface="Times New Roman" panose="02020603050405020304" pitchFamily="18" charset="0"/>
+                <a:cs typeface="Times New Roman" panose="02020603050405020304" pitchFamily="18" charset="0"/>
+              </a:rPr>
               <a:t>CheckV</a:t>
             </a:r>
             <a:r>
-              <a:rPr lang="en-US" sz="2900" dirty="0"/>
+              <a:rPr lang="en-US" sz="2900" dirty="0">
+                <a:latin typeface="Times New Roman" panose="02020603050405020304" pitchFamily="18" charset="0"/>
+                <a:cs typeface="Times New Roman" panose="02020603050405020304" pitchFamily="18" charset="0"/>
+              </a:rPr>
               <a:t> support</a:t>
             </a:r>
           </a:p>
@@ -11125,7 +11687,8 @@
                 <a:solidFill>
                   <a:srgbClr val="1F2328"/>
                 </a:solidFill>
-                <a:latin typeface="-apple-system"/>
+                <a:latin typeface="Times New Roman" panose="02020603050405020304" pitchFamily="18" charset="0"/>
+                <a:cs typeface="Times New Roman" panose="02020603050405020304" pitchFamily="18" charset="0"/>
               </a:rPr>
               <a:t>* </a:t>
             </a:r>
@@ -11134,7 +11697,8 @@
                 <a:solidFill>
                   <a:srgbClr val="1F2328"/>
                 </a:solidFill>
-                <a:latin typeface="-apple-system"/>
+                <a:latin typeface="Times New Roman" panose="02020603050405020304" pitchFamily="18" charset="0"/>
+                <a:cs typeface="Times New Roman" panose="02020603050405020304" pitchFamily="18" charset="0"/>
               </a:rPr>
               <a:t>nf</a:t>
             </a:r>
@@ -11143,7 +11707,8 @@
                 <a:solidFill>
                   <a:srgbClr val="1F2328"/>
                 </a:solidFill>
-                <a:latin typeface="-apple-system"/>
+                <a:latin typeface="Times New Roman" panose="02020603050405020304" pitchFamily="18" charset="0"/>
+                <a:cs typeface="Times New Roman" panose="02020603050405020304" pitchFamily="18" charset="0"/>
               </a:rPr>
               <a:t>-core/mag scores are </a:t>
             </a:r>
@@ -11152,7 +11717,8 @@
                 <a:solidFill>
                   <a:srgbClr val="1F2328"/>
                 </a:solidFill>
-                <a:latin typeface="-apple-system"/>
+                <a:latin typeface="Times New Roman" panose="02020603050405020304" pitchFamily="18" charset="0"/>
+                <a:cs typeface="Times New Roman" panose="02020603050405020304" pitchFamily="18" charset="0"/>
               </a:rPr>
               <a:t>indirect assessments</a:t>
             </a:r>
@@ -11161,7 +11727,8 @@
                 <a:solidFill>
                   <a:srgbClr val="1F2328"/>
                 </a:solidFill>
-                <a:latin typeface="-apple-system"/>
+                <a:latin typeface="Times New Roman" panose="02020603050405020304" pitchFamily="18" charset="0"/>
+                <a:cs typeface="Times New Roman" panose="02020603050405020304" pitchFamily="18" charset="0"/>
               </a:rPr>
               <a:t> via MAG reconstruction and classification, not direct read-level detection. High specificity comes from MAG QC evidence chain (</a:t>
             </a:r>
@@ -11170,7 +11737,8 @@
                 <a:solidFill>
                   <a:srgbClr val="1F2328"/>
                 </a:solidFill>
-                <a:latin typeface="-apple-system"/>
+                <a:latin typeface="Times New Roman" panose="02020603050405020304" pitchFamily="18" charset="0"/>
+                <a:cs typeface="Times New Roman" panose="02020603050405020304" pitchFamily="18" charset="0"/>
               </a:rPr>
               <a:t>CheckM</a:t>
             </a:r>
@@ -11179,11 +11747,15 @@
                 <a:solidFill>
                   <a:srgbClr val="1F2328"/>
                 </a:solidFill>
-                <a:latin typeface="-apple-system"/>
+                <a:latin typeface="Times New Roman" panose="02020603050405020304" pitchFamily="18" charset="0"/>
+                <a:cs typeface="Times New Roman" panose="02020603050405020304" pitchFamily="18" charset="0"/>
               </a:rPr>
               <a:t>/GUNC/coverage), not read-level classification.</a:t>
             </a:r>
-            <a:endParaRPr lang="en-US" dirty="0"/>
+            <a:endParaRPr lang="en-US" dirty="0">
+              <a:latin typeface="Times New Roman" panose="02020603050405020304" pitchFamily="18" charset="0"/>
+              <a:cs typeface="Times New Roman" panose="02020603050405020304" pitchFamily="18" charset="0"/>
+            </a:endParaRPr>
           </a:p>
         </p:txBody>
       </p:sp>
@@ -11290,11 +11862,17 @@
               <a:buNone/>
             </a:pPr>
             <a:r>
-              <a:rPr lang="en-US" b="1" dirty="0"/>
+              <a:rPr lang="en-US" b="1" dirty="0">
+                <a:latin typeface="Times New Roman" panose="02020603050405020304" pitchFamily="18" charset="0"/>
+                <a:cs typeface="Times New Roman" panose="02020603050405020304" pitchFamily="18" charset="0"/>
+              </a:rPr>
               <a:t>Tool Combination</a:t>
             </a:r>
             <a:r>
-              <a:rPr lang="en-US" dirty="0"/>
+              <a:rPr lang="en-US" dirty="0">
+                <a:latin typeface="Times New Roman" panose="02020603050405020304" pitchFamily="18" charset="0"/>
+                <a:cs typeface="Times New Roman" panose="02020603050405020304" pitchFamily="18" charset="0"/>
+              </a:rPr>
               <a:t>:</a:t>
             </a:r>
           </a:p>
@@ -11304,11 +11882,17 @@
               <a:buChar char="•"/>
             </a:pPr>
             <a:r>
-              <a:rPr lang="en-US" dirty="0" err="1"/>
+              <a:rPr lang="en-US" dirty="0" err="1">
+                <a:latin typeface="Times New Roman" panose="02020603050405020304" pitchFamily="18" charset="0"/>
+                <a:cs typeface="Times New Roman" panose="02020603050405020304" pitchFamily="18" charset="0"/>
+              </a:rPr>
               <a:t>taxprofiler</a:t>
             </a:r>
             <a:r>
-              <a:rPr lang="en-US" dirty="0"/>
+              <a:rPr lang="en-US" dirty="0">
+                <a:latin typeface="Times New Roman" panose="02020603050405020304" pitchFamily="18" charset="0"/>
+                <a:cs typeface="Times New Roman" panose="02020603050405020304" pitchFamily="18" charset="0"/>
+              </a:rPr>
               <a:t> (primary screening)</a:t>
             </a:r>
           </a:p>
@@ -11318,15 +11902,24 @@
               <a:buChar char="•"/>
             </a:pPr>
             <a:r>
-              <a:rPr lang="en-US" dirty="0"/>
+              <a:rPr lang="en-US" dirty="0">
+                <a:latin typeface="Times New Roman" panose="02020603050405020304" pitchFamily="18" charset="0"/>
+                <a:cs typeface="Times New Roman" panose="02020603050405020304" pitchFamily="18" charset="0"/>
+              </a:rPr>
               <a:t>GOTTCHA2 / </a:t>
             </a:r>
             <a:r>
-              <a:rPr lang="en-US" dirty="0" err="1"/>
+              <a:rPr lang="en-US" dirty="0" err="1">
+                <a:latin typeface="Times New Roman" panose="02020603050405020304" pitchFamily="18" charset="0"/>
+                <a:cs typeface="Times New Roman" panose="02020603050405020304" pitchFamily="18" charset="0"/>
+              </a:rPr>
               <a:t>sourmash</a:t>
             </a:r>
             <a:r>
-              <a:rPr lang="en-US" dirty="0"/>
+              <a:rPr lang="en-US" dirty="0">
+                <a:latin typeface="Times New Roman" panose="02020603050405020304" pitchFamily="18" charset="0"/>
+                <a:cs typeface="Times New Roman" panose="02020603050405020304" pitchFamily="18" charset="0"/>
+              </a:rPr>
               <a:t> / assembly evidence (key target confirmation)</a:t>
             </a:r>
           </a:p>
@@ -11334,40 +11927,61 @@
             <a:pPr marL="0" indent="0">
               <a:buNone/>
             </a:pPr>
-            <a:endParaRPr lang="en-US" b="1" dirty="0"/>
+            <a:endParaRPr lang="en-US" b="1" dirty="0">
+              <a:latin typeface="Times New Roman" panose="02020603050405020304" pitchFamily="18" charset="0"/>
+              <a:cs typeface="Times New Roman" panose="02020603050405020304" pitchFamily="18" charset="0"/>
+            </a:endParaRPr>
           </a:p>
           <a:p>
             <a:pPr marL="0" indent="0">
               <a:buNone/>
             </a:pPr>
             <a:r>
-              <a:rPr lang="en-US" b="1" dirty="0"/>
+              <a:rPr lang="en-US" b="1" dirty="0">
+                <a:latin typeface="Times New Roman" panose="02020603050405020304" pitchFamily="18" charset="0"/>
+                <a:cs typeface="Times New Roman" panose="02020603050405020304" pitchFamily="18" charset="0"/>
+              </a:rPr>
               <a:t>Workflow</a:t>
             </a:r>
             <a:r>
-              <a:rPr lang="en-US" dirty="0"/>
+              <a:rPr lang="en-US" dirty="0">
+                <a:latin typeface="Times New Roman" panose="02020603050405020304" pitchFamily="18" charset="0"/>
+                <a:cs typeface="Times New Roman" panose="02020603050405020304" pitchFamily="18" charset="0"/>
+              </a:rPr>
               <a:t>:</a:t>
             </a:r>
           </a:p>
           <a:p>
             <a:r>
-              <a:rPr lang="en-US" dirty="0" err="1"/>
+              <a:rPr lang="en-US" dirty="0" err="1">
+                <a:latin typeface="Times New Roman" panose="02020603050405020304" pitchFamily="18" charset="0"/>
+                <a:cs typeface="Times New Roman" panose="02020603050405020304" pitchFamily="18" charset="0"/>
+              </a:rPr>
               <a:t>taxprofiler</a:t>
             </a:r>
             <a:r>
-              <a:rPr lang="en-US" dirty="0"/>
+              <a:rPr lang="en-US" dirty="0">
+                <a:latin typeface="Times New Roman" panose="02020603050405020304" pitchFamily="18" charset="0"/>
+                <a:cs typeface="Times New Roman" panose="02020603050405020304" pitchFamily="18" charset="0"/>
+              </a:rPr>
               <a:t> broad-spectrum detection + rapid overview</a:t>
             </a:r>
           </a:p>
           <a:p>
             <a:r>
-              <a:rPr lang="en-US" dirty="0"/>
+              <a:rPr lang="en-US" dirty="0">
+                <a:latin typeface="Times New Roman" panose="02020603050405020304" pitchFamily="18" charset="0"/>
+                <a:cs typeface="Times New Roman" panose="02020603050405020304" pitchFamily="18" charset="0"/>
+              </a:rPr>
               <a:t>Host removal + thresholds + coverage validation</a:t>
             </a:r>
           </a:p>
           <a:p>
             <a:r>
-              <a:rPr lang="en-US" dirty="0"/>
+              <a:rPr lang="en-US" dirty="0">
+                <a:latin typeface="Times New Roman" panose="02020603050405020304" pitchFamily="18" charset="0"/>
+                <a:cs typeface="Times New Roman" panose="02020603050405020304" pitchFamily="18" charset="0"/>
+              </a:rPr>
               <a:t>GOTTCHA2 signature coverage confirmation</a:t>
             </a:r>
           </a:p>
@@ -11375,30 +11989,45 @@
             <a:pPr marL="0" indent="0">
               <a:buNone/>
             </a:pPr>
-            <a:endParaRPr lang="en-US" b="1" dirty="0"/>
+            <a:endParaRPr lang="en-US" b="1" dirty="0">
+              <a:latin typeface="Times New Roman" panose="02020603050405020304" pitchFamily="18" charset="0"/>
+              <a:cs typeface="Times New Roman" panose="02020603050405020304" pitchFamily="18" charset="0"/>
+            </a:endParaRPr>
           </a:p>
           <a:p>
             <a:pPr marL="0" indent="0">
               <a:buNone/>
             </a:pPr>
             <a:r>
-              <a:rPr lang="en-US" b="1" dirty="0"/>
+              <a:rPr lang="en-US" b="1" dirty="0">
+                <a:latin typeface="Times New Roman" panose="02020603050405020304" pitchFamily="18" charset="0"/>
+                <a:cs typeface="Times New Roman" panose="02020603050405020304" pitchFamily="18" charset="0"/>
+              </a:rPr>
               <a:t>Applicable Scenarios</a:t>
             </a:r>
             <a:r>
-              <a:rPr lang="en-US" dirty="0"/>
+              <a:rPr lang="en-US" dirty="0">
+                <a:latin typeface="Times New Roman" panose="02020603050405020304" pitchFamily="18" charset="0"/>
+                <a:cs typeface="Times New Roman" panose="02020603050405020304" pitchFamily="18" charset="0"/>
+              </a:rPr>
               <a:t>:</a:t>
             </a:r>
           </a:p>
           <a:p>
             <a:r>
-              <a:rPr lang="en-US" dirty="0"/>
+              <a:rPr lang="en-US" dirty="0">
+                <a:latin typeface="Times New Roman" panose="02020603050405020304" pitchFamily="18" charset="0"/>
+                <a:cs typeface="Times New Roman" panose="02020603050405020304" pitchFamily="18" charset="0"/>
+              </a:rPr>
               <a:t>Wastewater environmental virus monitoring</a:t>
             </a:r>
           </a:p>
           <a:p>
             <a:r>
-              <a:rPr lang="en-US" dirty="0"/>
+              <a:rPr lang="en-US" dirty="0">
+                <a:latin typeface="Times New Roman" panose="02020603050405020304" pitchFamily="18" charset="0"/>
+                <a:cs typeface="Times New Roman" panose="02020603050405020304" pitchFamily="18" charset="0"/>
+              </a:rPr>
               <a:t>Pre-clinical screening projects</a:t>
             </a:r>
           </a:p>
@@ -11512,45 +12141,75 @@
           </a:p>
           <a:p>
             <a:r>
-              <a:rPr lang="en-US" b="1" dirty="0"/>
+              <a:rPr lang="en-US" b="1" dirty="0">
+                <a:latin typeface="Times New Roman" panose="02020603050405020304" pitchFamily="18" charset="0"/>
+                <a:cs typeface="Times New Roman" panose="02020603050405020304" pitchFamily="18" charset="0"/>
+              </a:rPr>
               <a:t>Tool Combination</a:t>
             </a:r>
             <a:r>
-              <a:rPr lang="en-US" dirty="0"/>
+              <a:rPr lang="en-US" dirty="0">
+                <a:latin typeface="Times New Roman" panose="02020603050405020304" pitchFamily="18" charset="0"/>
+                <a:cs typeface="Times New Roman" panose="02020603050405020304" pitchFamily="18" charset="0"/>
+              </a:rPr>
               <a:t>: </a:t>
             </a:r>
             <a:r>
-              <a:rPr lang="en-US" dirty="0" err="1"/>
+              <a:rPr lang="en-US" dirty="0" err="1">
+                <a:latin typeface="Times New Roman" panose="02020603050405020304" pitchFamily="18" charset="0"/>
+                <a:cs typeface="Times New Roman" panose="02020603050405020304" pitchFamily="18" charset="0"/>
+              </a:rPr>
               <a:t>rvdb</a:t>
             </a:r>
             <a:r>
-              <a:rPr lang="en-US" dirty="0"/>
+              <a:rPr lang="en-US" dirty="0">
+                <a:latin typeface="Times New Roman" panose="02020603050405020304" pitchFamily="18" charset="0"/>
+                <a:cs typeface="Times New Roman" panose="02020603050405020304" pitchFamily="18" charset="0"/>
+              </a:rPr>
               <a:t>-viral (discovery) → MLMVD-</a:t>
             </a:r>
             <a:r>
-              <a:rPr lang="en-US" dirty="0" err="1"/>
+              <a:rPr lang="en-US" dirty="0" err="1">
+                <a:latin typeface="Times New Roman" panose="02020603050405020304" pitchFamily="18" charset="0"/>
+                <a:cs typeface="Times New Roman" panose="02020603050405020304" pitchFamily="18" charset="0"/>
+              </a:rPr>
               <a:t>nf</a:t>
             </a:r>
             <a:r>
-              <a:rPr lang="en-US" dirty="0"/>
+              <a:rPr lang="en-US" dirty="0">
+                <a:latin typeface="Times New Roman" panose="02020603050405020304" pitchFamily="18" charset="0"/>
+                <a:cs typeface="Times New Roman" panose="02020603050405020304" pitchFamily="18" charset="0"/>
+              </a:rPr>
               <a:t> (strict screening) → </a:t>
             </a:r>
             <a:r>
-              <a:rPr lang="en-US" dirty="0" err="1"/>
+              <a:rPr lang="en-US" dirty="0" err="1">
+                <a:latin typeface="Times New Roman" panose="02020603050405020304" pitchFamily="18" charset="0"/>
+                <a:cs typeface="Times New Roman" panose="02020603050405020304" pitchFamily="18" charset="0"/>
+              </a:rPr>
               <a:t>nf</a:t>
             </a:r>
             <a:r>
-              <a:rPr lang="en-US" dirty="0"/>
+              <a:rPr lang="en-US" dirty="0">
+                <a:latin typeface="Times New Roman" panose="02020603050405020304" pitchFamily="18" charset="0"/>
+                <a:cs typeface="Times New Roman" panose="02020603050405020304" pitchFamily="18" charset="0"/>
+              </a:rPr>
               <a:t>-core/mag (deep reconstruction)</a:t>
             </a:r>
           </a:p>
           <a:p>
             <a:r>
-              <a:rPr lang="en-US" b="1" dirty="0"/>
+              <a:rPr lang="en-US" b="1" dirty="0">
+                <a:latin typeface="Times New Roman" panose="02020603050405020304" pitchFamily="18" charset="0"/>
+                <a:cs typeface="Times New Roman" panose="02020603050405020304" pitchFamily="18" charset="0"/>
+              </a:rPr>
               <a:t>Applicable</a:t>
             </a:r>
             <a:r>
-              <a:rPr lang="en-US" dirty="0"/>
+              <a:rPr lang="en-US" dirty="0">
+                <a:latin typeface="Times New Roman" panose="02020603050405020304" pitchFamily="18" charset="0"/>
+                <a:cs typeface="Times New Roman" panose="02020603050405020304" pitchFamily="18" charset="0"/>
+              </a:rPr>
               <a:t>: Environmental unknown virus surveys, outbreak tracing</a:t>
             </a:r>
           </a:p>
@@ -11661,55 +12320,91 @@
           </a:p>
           <a:p>
             <a:r>
-              <a:rPr lang="en-US" b="1" dirty="0"/>
+              <a:rPr lang="en-US" b="1" dirty="0">
+                <a:latin typeface="Times New Roman" panose="02020603050405020304" pitchFamily="18" charset="0"/>
+                <a:cs typeface="Times New Roman" panose="02020603050405020304" pitchFamily="18" charset="0"/>
+              </a:rPr>
               <a:t>Tool Combination</a:t>
             </a:r>
             <a:r>
-              <a:rPr lang="en-US" dirty="0"/>
+              <a:rPr lang="en-US" dirty="0">
+                <a:latin typeface="Times New Roman" panose="02020603050405020304" pitchFamily="18" charset="0"/>
+                <a:cs typeface="Times New Roman" panose="02020603050405020304" pitchFamily="18" charset="0"/>
+              </a:rPr>
               <a:t>: </a:t>
             </a:r>
             <a:r>
-              <a:rPr lang="en-US" dirty="0" err="1"/>
+              <a:rPr lang="en-US" dirty="0" err="1">
+                <a:latin typeface="Times New Roman" panose="02020603050405020304" pitchFamily="18" charset="0"/>
+                <a:cs typeface="Times New Roman" panose="02020603050405020304" pitchFamily="18" charset="0"/>
+              </a:rPr>
               <a:t>taxprofiler</a:t>
             </a:r>
             <a:r>
-              <a:rPr lang="en-US" dirty="0"/>
+              <a:rPr lang="en-US" dirty="0">
+                <a:latin typeface="Times New Roman" panose="02020603050405020304" pitchFamily="18" charset="0"/>
+                <a:cs typeface="Times New Roman" panose="02020603050405020304" pitchFamily="18" charset="0"/>
+              </a:rPr>
               <a:t> (batch screening) → GOTTCHA2 (confirmation) → </a:t>
             </a:r>
             <a:r>
-              <a:rPr lang="en-US" dirty="0" err="1"/>
+              <a:rPr lang="en-US" dirty="0" err="1">
+                <a:latin typeface="Times New Roman" panose="02020603050405020304" pitchFamily="18" charset="0"/>
+                <a:cs typeface="Times New Roman" panose="02020603050405020304" pitchFamily="18" charset="0"/>
+              </a:rPr>
               <a:t>KrakenMetaReads-nf</a:t>
             </a:r>
             <a:r>
-              <a:rPr lang="en-US" dirty="0"/>
+              <a:rPr lang="en-US" dirty="0">
+                <a:latin typeface="Times New Roman" panose="02020603050405020304" pitchFamily="18" charset="0"/>
+                <a:cs typeface="Times New Roman" panose="02020603050405020304" pitchFamily="18" charset="0"/>
+              </a:rPr>
               <a:t>/</a:t>
             </a:r>
             <a:r>
-              <a:rPr lang="en-US" dirty="0" err="1"/>
+              <a:rPr lang="en-US" dirty="0" err="1">
+                <a:latin typeface="Times New Roman" panose="02020603050405020304" pitchFamily="18" charset="0"/>
+                <a:cs typeface="Times New Roman" panose="02020603050405020304" pitchFamily="18" charset="0"/>
+              </a:rPr>
               <a:t>rvdb</a:t>
             </a:r>
             <a:r>
-              <a:rPr lang="en-US" dirty="0"/>
+              <a:rPr lang="en-US" dirty="0">
+                <a:latin typeface="Times New Roman" panose="02020603050405020304" pitchFamily="18" charset="0"/>
+                <a:cs typeface="Times New Roman" panose="02020603050405020304" pitchFamily="18" charset="0"/>
+              </a:rPr>
               <a:t>-viral (assembly validation)</a:t>
             </a:r>
           </a:p>
           <a:p>
             <a:r>
-              <a:rPr lang="en-US" b="1" dirty="0"/>
+              <a:rPr lang="en-US" b="1" dirty="0">
+                <a:latin typeface="Times New Roman" panose="02020603050405020304" pitchFamily="18" charset="0"/>
+                <a:cs typeface="Times New Roman" panose="02020603050405020304" pitchFamily="18" charset="0"/>
+              </a:rPr>
               <a:t>Key Points</a:t>
             </a:r>
             <a:r>
-              <a:rPr lang="en-US" dirty="0"/>
+              <a:rPr lang="en-US" dirty="0">
+                <a:latin typeface="Times New Roman" panose="02020603050405020304" pitchFamily="18" charset="0"/>
+                <a:cs typeface="Times New Roman" panose="02020603050405020304" pitchFamily="18" charset="0"/>
+              </a:rPr>
               <a:t>: Multi-evidence chains + coverage thresholds + secondary confirmation</a:t>
             </a:r>
           </a:p>
           <a:p>
             <a:r>
-              <a:rPr lang="en-US" b="1" dirty="0"/>
+              <a:rPr lang="en-US" b="1" dirty="0">
+                <a:latin typeface="Times New Roman" panose="02020603050405020304" pitchFamily="18" charset="0"/>
+                <a:cs typeface="Times New Roman" panose="02020603050405020304" pitchFamily="18" charset="0"/>
+              </a:rPr>
               <a:t>Output</a:t>
             </a:r>
             <a:r>
-              <a:rPr lang="en-US" dirty="0"/>
+              <a:rPr lang="en-US" dirty="0">
+                <a:latin typeface="Times New Roman" panose="02020603050405020304" pitchFamily="18" charset="0"/>
+                <a:cs typeface="Times New Roman" panose="02020603050405020304" pitchFamily="18" charset="0"/>
+              </a:rPr>
               <a:t>: Distinguish "screen-positive" from "confirm-positive"</a:t>
             </a:r>
           </a:p>
@@ -11833,7 +12528,8 @@
               <a:solidFill>
                 <a:srgbClr val="1F2328"/>
               </a:solidFill>
-              <a:latin typeface="-apple-system"/>
+              <a:latin typeface="Times New Roman" panose="02020603050405020304" pitchFamily="18" charset="0"/>
+              <a:cs typeface="Times New Roman" panose="02020603050405020304" pitchFamily="18" charset="0"/>
             </a:endParaRPr>
           </a:p>
           <a:p>
@@ -11846,7 +12542,8 @@
                 <a:solidFill>
                   <a:srgbClr val="1F2328"/>
                 </a:solidFill>
-                <a:latin typeface="-apple-system"/>
+                <a:latin typeface="Times New Roman" panose="02020603050405020304" pitchFamily="18" charset="0"/>
+                <a:cs typeface="Times New Roman" panose="02020603050405020304" pitchFamily="18" charset="0"/>
               </a:rPr>
               <a:t>Deployment Reproducibility is a Prerequisite</a:t>
             </a:r>
@@ -11854,7 +12551,8 @@
               <a:solidFill>
                 <a:srgbClr val="1F2328"/>
               </a:solidFill>
-              <a:latin typeface="-apple-system"/>
+              <a:latin typeface="Times New Roman" panose="02020603050405020304" pitchFamily="18" charset="0"/>
+              <a:cs typeface="Times New Roman" panose="02020603050405020304" pitchFamily="18" charset="0"/>
             </a:endParaRPr>
           </a:p>
           <a:p>
@@ -11867,7 +12565,8 @@
                 <a:solidFill>
                   <a:srgbClr val="1F2328"/>
                 </a:solidFill>
-                <a:latin typeface="-apple-system"/>
+                <a:latin typeface="Times New Roman" panose="02020603050405020304" pitchFamily="18" charset="0"/>
+                <a:cs typeface="Times New Roman" panose="02020603050405020304" pitchFamily="18" charset="0"/>
               </a:rPr>
               <a:t>Tools that cannot run stably should not enter public health decision chains</a:t>
             </a:r>
@@ -11878,7 +12577,8 @@
               <a:solidFill>
                 <a:srgbClr val="1F2328"/>
               </a:solidFill>
-              <a:latin typeface="-apple-system"/>
+              <a:latin typeface="Times New Roman" panose="02020603050405020304" pitchFamily="18" charset="0"/>
+              <a:cs typeface="Times New Roman" panose="02020603050405020304" pitchFamily="18" charset="0"/>
             </a:endParaRPr>
           </a:p>
           <a:p>
@@ -11891,7 +12591,8 @@
                 <a:solidFill>
                   <a:srgbClr val="1F2328"/>
                 </a:solidFill>
-                <a:latin typeface="-apple-system"/>
+                <a:latin typeface="Times New Roman" panose="02020603050405020304" pitchFamily="18" charset="0"/>
+                <a:cs typeface="Times New Roman" panose="02020603050405020304" pitchFamily="18" charset="0"/>
               </a:rPr>
               <a:t>Never Use Single Read Count as Existence Conclusion</a:t>
             </a:r>
@@ -11899,7 +12600,8 @@
               <a:solidFill>
                 <a:srgbClr val="1F2328"/>
               </a:solidFill>
-              <a:latin typeface="-apple-system"/>
+              <a:latin typeface="Times New Roman" panose="02020603050405020304" pitchFamily="18" charset="0"/>
+              <a:cs typeface="Times New Roman" panose="02020603050405020304" pitchFamily="18" charset="0"/>
             </a:endParaRPr>
           </a:p>
           <a:p>
@@ -11912,7 +12614,8 @@
                 <a:solidFill>
                   <a:srgbClr val="1F2328"/>
                 </a:solidFill>
-                <a:latin typeface="-apple-system"/>
+                <a:latin typeface="Times New Roman" panose="02020603050405020304" pitchFamily="18" charset="0"/>
+                <a:cs typeface="Times New Roman" panose="02020603050405020304" pitchFamily="18" charset="0"/>
               </a:rPr>
               <a:t>Must use coverage/assembly/multi-tool consistency</a:t>
             </a:r>
@@ -11923,7 +12626,8 @@
               <a:solidFill>
                 <a:srgbClr val="1F2328"/>
               </a:solidFill>
-              <a:latin typeface="-apple-system"/>
+              <a:latin typeface="Times New Roman" panose="02020603050405020304" pitchFamily="18" charset="0"/>
+              <a:cs typeface="Times New Roman" panose="02020603050405020304" pitchFamily="18" charset="0"/>
             </a:endParaRPr>
           </a:p>
           <a:p>
@@ -11936,7 +12640,8 @@
                 <a:solidFill>
                   <a:srgbClr val="1F2328"/>
                 </a:solidFill>
-                <a:latin typeface="-apple-system"/>
+                <a:latin typeface="Times New Roman" panose="02020603050405020304" pitchFamily="18" charset="0"/>
+                <a:cs typeface="Times New Roman" panose="02020603050405020304" pitchFamily="18" charset="0"/>
               </a:rPr>
               <a:t>Establish Evidence Tier Labels</a:t>
             </a:r>
@@ -11944,7 +12649,8 @@
               <a:solidFill>
                 <a:srgbClr val="1F2328"/>
               </a:solidFill>
-              <a:latin typeface="-apple-system"/>
+              <a:latin typeface="Times New Roman" panose="02020603050405020304" pitchFamily="18" charset="0"/>
+              <a:cs typeface="Times New Roman" panose="02020603050405020304" pitchFamily="18" charset="0"/>
             </a:endParaRPr>
           </a:p>
           <a:p>
@@ -11957,7 +12663,8 @@
                 <a:solidFill>
                   <a:srgbClr val="1F2328"/>
                 </a:solidFill>
-                <a:latin typeface="-apple-system"/>
+                <a:latin typeface="Times New Roman" panose="02020603050405020304" pitchFamily="18" charset="0"/>
+                <a:cs typeface="Times New Roman" panose="02020603050405020304" pitchFamily="18" charset="0"/>
               </a:rPr>
               <a:t>Screen-positive / Supportive / Confirmed</a:t>
             </a:r>
@@ -11966,7 +12673,8 @@
                 <a:srgbClr val="1F2328"/>
               </a:solidFill>
               <a:effectLst/>
-              <a:latin typeface="-apple-system"/>
+              <a:latin typeface="Times New Roman" panose="02020603050405020304" pitchFamily="18" charset="0"/>
+              <a:cs typeface="Times New Roman" panose="02020603050405020304" pitchFamily="18" charset="0"/>
             </a:endParaRPr>
           </a:p>
         </p:txBody>
@@ -12068,7 +12776,8 @@
                 <a:solidFill>
                   <a:srgbClr val="00B050"/>
                 </a:solidFill>
-                <a:latin typeface="-apple-system"/>
+                <a:latin typeface="Times New Roman" panose="02020603050405020304" pitchFamily="18" charset="0"/>
+                <a:cs typeface="Times New Roman" panose="02020603050405020304" pitchFamily="18" charset="0"/>
               </a:rPr>
               <a:t>✅</a:t>
             </a:r>
@@ -12077,7 +12786,8 @@
                 <a:solidFill>
                   <a:srgbClr val="1F2328"/>
                 </a:solidFill>
-                <a:latin typeface="-apple-system"/>
+                <a:latin typeface="Times New Roman" panose="02020603050405020304" pitchFamily="18" charset="0"/>
+                <a:cs typeface="Times New Roman" panose="02020603050405020304" pitchFamily="18" charset="0"/>
               </a:rPr>
               <a:t> No single tool can meet all requirements</a:t>
             </a:r>
@@ -12087,7 +12797,8 @@
               <a:solidFill>
                 <a:srgbClr val="1F2328"/>
               </a:solidFill>
-              <a:latin typeface="-apple-system"/>
+              <a:latin typeface="Times New Roman" panose="02020603050405020304" pitchFamily="18" charset="0"/>
+              <a:cs typeface="Times New Roman" panose="02020603050405020304" pitchFamily="18" charset="0"/>
             </a:endParaRPr>
           </a:p>
           <a:p>
@@ -12100,7 +12811,8 @@
                 <a:solidFill>
                   <a:srgbClr val="00B050"/>
                 </a:solidFill>
-                <a:latin typeface="-apple-system"/>
+                <a:latin typeface="Times New Roman" panose="02020603050405020304" pitchFamily="18" charset="0"/>
+                <a:cs typeface="Times New Roman" panose="02020603050405020304" pitchFamily="18" charset="0"/>
               </a:rPr>
               <a:t>✅</a:t>
             </a:r>
@@ -12109,7 +12821,8 @@
                 <a:solidFill>
                   <a:srgbClr val="1F2328"/>
                 </a:solidFill>
-                <a:latin typeface="-apple-system"/>
+                <a:latin typeface="Times New Roman" panose="02020603050405020304" pitchFamily="18" charset="0"/>
+                <a:cs typeface="Times New Roman" panose="02020603050405020304" pitchFamily="18" charset="0"/>
               </a:rPr>
               <a:t> Need layered strategy: Rapid screening </a:t>
             </a:r>
@@ -12118,7 +12831,8 @@
                 <a:solidFill>
                   <a:srgbClr val="00B050"/>
                 </a:solidFill>
-                <a:latin typeface="-apple-system"/>
+                <a:latin typeface="Times New Roman" panose="02020603050405020304" pitchFamily="18" charset="0"/>
+                <a:cs typeface="Times New Roman" panose="02020603050405020304" pitchFamily="18" charset="0"/>
               </a:rPr>
               <a:t>→</a:t>
             </a:r>
@@ -12127,7 +12841,8 @@
                 <a:solidFill>
                   <a:srgbClr val="1F2328"/>
                 </a:solidFill>
-                <a:latin typeface="-apple-system"/>
+                <a:latin typeface="Times New Roman" panose="02020603050405020304" pitchFamily="18" charset="0"/>
+                <a:cs typeface="Times New Roman" panose="02020603050405020304" pitchFamily="18" charset="0"/>
               </a:rPr>
               <a:t> Confirmation </a:t>
             </a:r>
@@ -12136,7 +12851,8 @@
                 <a:solidFill>
                   <a:srgbClr val="00B050"/>
                 </a:solidFill>
-                <a:latin typeface="-apple-system"/>
+                <a:latin typeface="Times New Roman" panose="02020603050405020304" pitchFamily="18" charset="0"/>
+                <a:cs typeface="Times New Roman" panose="02020603050405020304" pitchFamily="18" charset="0"/>
               </a:rPr>
               <a:t>→</a:t>
             </a:r>
@@ -12145,7 +12861,8 @@
                 <a:solidFill>
                   <a:srgbClr val="1F2328"/>
                 </a:solidFill>
-                <a:latin typeface="-apple-system"/>
+                <a:latin typeface="Times New Roman" panose="02020603050405020304" pitchFamily="18" charset="0"/>
+                <a:cs typeface="Times New Roman" panose="02020603050405020304" pitchFamily="18" charset="0"/>
               </a:rPr>
               <a:t> Deep analysis</a:t>
             </a:r>
@@ -12155,7 +12872,8 @@
               <a:solidFill>
                 <a:srgbClr val="1F2328"/>
               </a:solidFill>
-              <a:latin typeface="-apple-system"/>
+              <a:latin typeface="Times New Roman" panose="02020603050405020304" pitchFamily="18" charset="0"/>
+              <a:cs typeface="Times New Roman" panose="02020603050405020304" pitchFamily="18" charset="0"/>
             </a:endParaRPr>
           </a:p>
           <a:p>
@@ -12168,7 +12886,8 @@
                 <a:solidFill>
                   <a:srgbClr val="00B050"/>
                 </a:solidFill>
-                <a:latin typeface="-apple-system"/>
+                <a:latin typeface="Times New Roman" panose="02020603050405020304" pitchFamily="18" charset="0"/>
+                <a:cs typeface="Times New Roman" panose="02020603050405020304" pitchFamily="18" charset="0"/>
               </a:rPr>
               <a:t>✅</a:t>
             </a:r>
@@ -12177,7 +12896,8 @@
                 <a:solidFill>
                   <a:srgbClr val="1F2328"/>
                 </a:solidFill>
-                <a:latin typeface="-apple-system"/>
+                <a:latin typeface="Times New Roman" panose="02020603050405020304" pitchFamily="18" charset="0"/>
+                <a:cs typeface="Times New Roman" panose="02020603050405020304" pitchFamily="18" charset="0"/>
               </a:rPr>
               <a:t> </a:t>
             </a:r>
@@ -12186,7 +12906,8 @@
                 <a:solidFill>
                   <a:srgbClr val="1F2328"/>
                 </a:solidFill>
-                <a:latin typeface="-apple-system"/>
+                <a:latin typeface="Times New Roman" panose="02020603050405020304" pitchFamily="18" charset="0"/>
+                <a:cs typeface="Times New Roman" panose="02020603050405020304" pitchFamily="18" charset="0"/>
               </a:rPr>
               <a:t>Deployability</a:t>
             </a:r>
@@ -12195,7 +12916,8 @@
                 <a:solidFill>
                   <a:srgbClr val="1F2328"/>
                 </a:solidFill>
-                <a:latin typeface="-apple-system"/>
+                <a:latin typeface="Times New Roman" panose="02020603050405020304" pitchFamily="18" charset="0"/>
+                <a:cs typeface="Times New Roman" panose="02020603050405020304" pitchFamily="18" charset="0"/>
               </a:rPr>
               <a:t> is a critical threshold for tool selection</a:t>
             </a:r>
@@ -12205,7 +12927,8 @@
               <a:solidFill>
                 <a:srgbClr val="1F2328"/>
               </a:solidFill>
-              <a:latin typeface="-apple-system"/>
+              <a:latin typeface="Times New Roman" panose="02020603050405020304" pitchFamily="18" charset="0"/>
+              <a:cs typeface="Times New Roman" panose="02020603050405020304" pitchFamily="18" charset="0"/>
             </a:endParaRPr>
           </a:p>
           <a:p>
@@ -12218,7 +12941,8 @@
                 <a:solidFill>
                   <a:srgbClr val="00B050"/>
                 </a:solidFill>
-                <a:latin typeface="-apple-system"/>
+                <a:latin typeface="Times New Roman" panose="02020603050405020304" pitchFamily="18" charset="0"/>
+                <a:cs typeface="Times New Roman" panose="02020603050405020304" pitchFamily="18" charset="0"/>
               </a:rPr>
               <a:t>✅</a:t>
             </a:r>
@@ -12227,7 +12951,8 @@
                 <a:solidFill>
                   <a:srgbClr val="1F2328"/>
                 </a:solidFill>
-                <a:latin typeface="-apple-system"/>
+                <a:latin typeface="Times New Roman" panose="02020603050405020304" pitchFamily="18" charset="0"/>
+                <a:cs typeface="Times New Roman" panose="02020603050405020304" pitchFamily="18" charset="0"/>
               </a:rPr>
               <a:t> Multi-evidence chain consensus is key to reducing false positives</a:t>
             </a:r>
@@ -12236,7 +12961,8 @@
                 <a:srgbClr val="1F2328"/>
               </a:solidFill>
               <a:effectLst/>
-              <a:latin typeface="-apple-system"/>
+              <a:latin typeface="Times New Roman" panose="02020603050405020304" pitchFamily="18" charset="0"/>
+              <a:cs typeface="Times New Roman" panose="02020603050405020304" pitchFamily="18" charset="0"/>
             </a:endParaRPr>
           </a:p>
         </p:txBody>
@@ -12388,14 +13114,14 @@
           <p:nvPr>
             <p:extLst>
               <p:ext uri="{D42A27DB-BD31-4B8C-83A1-F6EECF244321}">
-                <p14:modId xmlns:p14="http://schemas.microsoft.com/office/powerpoint/2010/main" val="4165877631"/>
+                <p14:modId xmlns:p14="http://schemas.microsoft.com/office/powerpoint/2010/main" val="1198497211"/>
               </p:ext>
             </p:extLst>
           </p:nvPr>
         </p:nvGraphicFramePr>
         <p:xfrm>
           <a:off x="604683" y="2152737"/>
-          <a:ext cx="8229600" cy="2217420"/>
+          <a:ext cx="8229600" cy="2491740"/>
         </p:xfrm>
         <a:graphic>
           <a:graphicData uri="http://schemas.openxmlformats.org/drawingml/2006/table">
@@ -12434,6 +13160,8 @@
                       <a:r>
                         <a:rPr lang="en-US" b="1" dirty="0">
                           <a:effectLst/>
+                          <a:latin typeface="Times New Roman" panose="02020603050405020304" pitchFamily="18" charset="0"/>
+                          <a:cs typeface="Times New Roman" panose="02020603050405020304" pitchFamily="18" charset="0"/>
                         </a:rPr>
                         <a:t>Category</a:t>
                       </a:r>
@@ -12490,6 +13218,8 @@
                       <a:r>
                         <a:rPr lang="en-US" b="1">
                           <a:effectLst/>
+                          <a:latin typeface="Times New Roman" panose="02020603050405020304" pitchFamily="18" charset="0"/>
+                          <a:cs typeface="Times New Roman" panose="02020603050405020304" pitchFamily="18" charset="0"/>
                         </a:rPr>
                         <a:t>Count</a:t>
                       </a:r>
@@ -12546,6 +13276,8 @@
                       <a:r>
                         <a:rPr lang="en-US" b="1">
                           <a:effectLst/>
+                          <a:latin typeface="Times New Roman" panose="02020603050405020304" pitchFamily="18" charset="0"/>
+                          <a:cs typeface="Times New Roman" panose="02020603050405020304" pitchFamily="18" charset="0"/>
                         </a:rPr>
                         <a:t>Status</a:t>
                       </a:r>
@@ -12609,11 +13341,15 @@
                       <a:r>
                         <a:rPr lang="en-US" b="1">
                           <a:effectLst/>
+                          <a:latin typeface="Times New Roman" panose="02020603050405020304" pitchFamily="18" charset="0"/>
+                          <a:cs typeface="Times New Roman" panose="02020603050405020304" pitchFamily="18" charset="0"/>
                         </a:rPr>
                         <a:t>CDC List - Runnable</a:t>
                       </a:r>
                       <a:endParaRPr lang="en-US">
                         <a:effectLst/>
+                        <a:latin typeface="Times New Roman" panose="02020603050405020304" pitchFamily="18" charset="0"/>
+                        <a:cs typeface="Times New Roman" panose="02020603050405020304" pitchFamily="18" charset="0"/>
                       </a:endParaRPr>
                     </a:p>
                   </a:txBody>
@@ -12668,6 +13404,8 @@
                       <a:r>
                         <a:rPr lang="en-US">
                           <a:effectLst/>
+                          <a:latin typeface="Times New Roman" panose="02020603050405020304" pitchFamily="18" charset="0"/>
+                          <a:cs typeface="Times New Roman" panose="02020603050405020304" pitchFamily="18" charset="0"/>
                         </a:rPr>
                         <a:t>5</a:t>
                       </a:r>
@@ -12727,12 +13465,16 @@
                             <a:srgbClr val="00B050"/>
                           </a:solidFill>
                           <a:effectLst/>
+                          <a:latin typeface="Times New Roman" panose="02020603050405020304" pitchFamily="18" charset="0"/>
+                          <a:cs typeface="Times New Roman" panose="02020603050405020304" pitchFamily="18" charset="0"/>
                         </a:rPr>
                         <a:t>✅</a:t>
                       </a:r>
                       <a:r>
                         <a:rPr lang="en-US" dirty="0">
                           <a:effectLst/>
+                          <a:latin typeface="Times New Roman" panose="02020603050405020304" pitchFamily="18" charset="0"/>
+                          <a:cs typeface="Times New Roman" panose="02020603050405020304" pitchFamily="18" charset="0"/>
                         </a:rPr>
                         <a:t> In-depth Assessment</a:t>
                       </a:r>
@@ -12796,11 +13538,15 @@
                       <a:r>
                         <a:rPr lang="en-US" b="1">
                           <a:effectLst/>
+                          <a:latin typeface="Times New Roman" panose="02020603050405020304" pitchFamily="18" charset="0"/>
+                          <a:cs typeface="Times New Roman" panose="02020603050405020304" pitchFamily="18" charset="0"/>
                         </a:rPr>
                         <a:t>CDC List - Not Runnable</a:t>
                       </a:r>
                       <a:endParaRPr lang="en-US">
                         <a:effectLst/>
+                        <a:latin typeface="Times New Roman" panose="02020603050405020304" pitchFamily="18" charset="0"/>
+                        <a:cs typeface="Times New Roman" panose="02020603050405020304" pitchFamily="18" charset="0"/>
                       </a:endParaRPr>
                     </a:p>
                   </a:txBody>
@@ -12855,6 +13601,8 @@
                       <a:r>
                         <a:rPr lang="en-US">
                           <a:effectLst/>
+                          <a:latin typeface="Times New Roman" panose="02020603050405020304" pitchFamily="18" charset="0"/>
+                          <a:cs typeface="Times New Roman" panose="02020603050405020304" pitchFamily="18" charset="0"/>
                         </a:rPr>
                         <a:t>5</a:t>
                       </a:r>
@@ -12914,12 +13662,16 @@
                             <a:srgbClr val="FF0000"/>
                           </a:solidFill>
                           <a:effectLst/>
+                          <a:latin typeface="Times New Roman" panose="02020603050405020304" pitchFamily="18" charset="0"/>
+                          <a:cs typeface="Times New Roman" panose="02020603050405020304" pitchFamily="18" charset="0"/>
                         </a:rPr>
                         <a:t>❌</a:t>
                       </a:r>
                       <a:r>
                         <a:rPr lang="en-US" dirty="0">
                           <a:effectLst/>
+                          <a:latin typeface="Times New Roman" panose="02020603050405020304" pitchFamily="18" charset="0"/>
+                          <a:cs typeface="Times New Roman" panose="02020603050405020304" pitchFamily="18" charset="0"/>
                         </a:rPr>
                         <a:t> Reasons Documented</a:t>
                       </a:r>
@@ -12983,11 +13735,15 @@
                       <a:r>
                         <a:rPr lang="en-US" b="1">
                           <a:effectLst/>
+                          <a:latin typeface="Times New Roman" panose="02020603050405020304" pitchFamily="18" charset="0"/>
+                          <a:cs typeface="Times New Roman" panose="02020603050405020304" pitchFamily="18" charset="0"/>
                         </a:rPr>
                         <a:t>Author-Developed Workflows</a:t>
                       </a:r>
                       <a:endParaRPr lang="en-US">
                         <a:effectLst/>
+                        <a:latin typeface="Times New Roman" panose="02020603050405020304" pitchFamily="18" charset="0"/>
+                        <a:cs typeface="Times New Roman" panose="02020603050405020304" pitchFamily="18" charset="0"/>
                       </a:endParaRPr>
                     </a:p>
                   </a:txBody>
@@ -13042,6 +13798,8 @@
                       <a:r>
                         <a:rPr lang="en-US">
                           <a:effectLst/>
+                          <a:latin typeface="Times New Roman" panose="02020603050405020304" pitchFamily="18" charset="0"/>
+                          <a:cs typeface="Times New Roman" panose="02020603050405020304" pitchFamily="18" charset="0"/>
                         </a:rPr>
                         <a:t>3</a:t>
                       </a:r>
@@ -13101,12 +13859,16 @@
                             <a:srgbClr val="00B050"/>
                           </a:solidFill>
                           <a:effectLst/>
+                          <a:latin typeface="Times New Roman" panose="02020603050405020304" pitchFamily="18" charset="0"/>
+                          <a:cs typeface="Times New Roman" panose="02020603050405020304" pitchFamily="18" charset="0"/>
                         </a:rPr>
                         <a:t>✅</a:t>
                       </a:r>
                       <a:r>
                         <a:rPr lang="en-US" dirty="0">
                           <a:effectLst/>
+                          <a:latin typeface="Times New Roman" panose="02020603050405020304" pitchFamily="18" charset="0"/>
+                          <a:cs typeface="Times New Roman" panose="02020603050405020304" pitchFamily="18" charset="0"/>
                         </a:rPr>
                         <a:t> In-depth Assessment</a:t>
                       </a:r>
@@ -13170,11 +13932,15 @@
                       <a:r>
                         <a:rPr lang="en-US" b="1">
                           <a:effectLst/>
+                          <a:latin typeface="Times New Roman" panose="02020603050405020304" pitchFamily="18" charset="0"/>
+                          <a:cs typeface="Times New Roman" panose="02020603050405020304" pitchFamily="18" charset="0"/>
                         </a:rPr>
                         <a:t>Total In-depth Assessment</a:t>
                       </a:r>
                       <a:endParaRPr lang="en-US">
                         <a:effectLst/>
+                        <a:latin typeface="Times New Roman" panose="02020603050405020304" pitchFamily="18" charset="0"/>
+                        <a:cs typeface="Times New Roman" panose="02020603050405020304" pitchFamily="18" charset="0"/>
                       </a:endParaRPr>
                     </a:p>
                   </a:txBody>
@@ -13229,11 +13995,15 @@
                       <a:r>
                         <a:rPr lang="en-US" b="1">
                           <a:effectLst/>
+                          <a:latin typeface="Times New Roman" panose="02020603050405020304" pitchFamily="18" charset="0"/>
+                          <a:cs typeface="Times New Roman" panose="02020603050405020304" pitchFamily="18" charset="0"/>
                         </a:rPr>
                         <a:t>8</a:t>
                       </a:r>
                       <a:endParaRPr lang="en-US">
                         <a:effectLst/>
+                        <a:latin typeface="Times New Roman" panose="02020603050405020304" pitchFamily="18" charset="0"/>
+                        <a:cs typeface="Times New Roman" panose="02020603050405020304" pitchFamily="18" charset="0"/>
                       </a:endParaRPr>
                     </a:p>
                   </a:txBody>
@@ -13291,6 +14061,8 @@
                             <a:srgbClr val="00B050"/>
                           </a:solidFill>
                           <a:effectLst/>
+                          <a:latin typeface="Times New Roman" panose="02020603050405020304" pitchFamily="18" charset="0"/>
+                          <a:cs typeface="Times New Roman" panose="02020603050405020304" pitchFamily="18" charset="0"/>
                         </a:rPr>
                         <a:t>✅</a:t>
                       </a:r>
@@ -13363,7 +14135,7 @@
         <p:spPr>
           <a:xfrm>
             <a:off x="924580" y="1417638"/>
-            <a:ext cx="4763035" cy="523220"/>
+            <a:ext cx="4876656" cy="523220"/>
           </a:xfrm>
           <a:prstGeom prst="rect">
             <a:avLst/>
@@ -13380,7 +14152,8 @@
                 <a:solidFill>
                   <a:srgbClr val="1F2328"/>
                 </a:solidFill>
-                <a:latin typeface="-apple-system"/>
+                <a:latin typeface="Times New Roman" panose="02020603050405020304" pitchFamily="18" charset="0"/>
+                <a:cs typeface="Times New Roman" panose="02020603050405020304" pitchFamily="18" charset="0"/>
               </a:rPr>
               <a:t>Assessment Completion Status</a:t>
             </a:r>
@@ -13389,7 +14162,8 @@
                 <a:srgbClr val="1F2328"/>
               </a:solidFill>
               <a:effectLst/>
-              <a:latin typeface="-apple-system"/>
+              <a:latin typeface="Times New Roman" panose="02020603050405020304" pitchFamily="18" charset="0"/>
+              <a:cs typeface="Times New Roman" panose="02020603050405020304" pitchFamily="18" charset="0"/>
             </a:endParaRPr>
           </a:p>
         </p:txBody>
@@ -13554,7 +14328,8 @@
                 <a:solidFill>
                   <a:srgbClr val="1F2328"/>
                 </a:solidFill>
-                <a:latin typeface="-apple-system"/>
+                <a:latin typeface="Times New Roman" panose="02020603050405020304" pitchFamily="18" charset="0"/>
+                <a:cs typeface="Times New Roman" panose="02020603050405020304" pitchFamily="18" charset="0"/>
               </a:rPr>
               <a:t>Within CDC List (5 items)</a:t>
             </a:r>
@@ -13569,7 +14344,8 @@
                 <a:solidFill>
                   <a:srgbClr val="1F2328"/>
                 </a:solidFill>
-                <a:latin typeface="-apple-system"/>
+                <a:latin typeface="Times New Roman" panose="02020603050405020304" pitchFamily="18" charset="0"/>
+                <a:cs typeface="Times New Roman" panose="02020603050405020304" pitchFamily="18" charset="0"/>
               </a:rPr>
               <a:t>nf</a:t>
             </a:r>
@@ -13578,7 +14354,8 @@
                 <a:solidFill>
                   <a:srgbClr val="1F2328"/>
                 </a:solidFill>
-                <a:latin typeface="-apple-system"/>
+                <a:latin typeface="Times New Roman" panose="02020603050405020304" pitchFamily="18" charset="0"/>
+                <a:cs typeface="Times New Roman" panose="02020603050405020304" pitchFamily="18" charset="0"/>
               </a:rPr>
               <a:t>-core/</a:t>
             </a:r>
@@ -13587,7 +14364,8 @@
                 <a:solidFill>
                   <a:srgbClr val="1F2328"/>
                 </a:solidFill>
-                <a:latin typeface="-apple-system"/>
+                <a:latin typeface="Times New Roman" panose="02020603050405020304" pitchFamily="18" charset="0"/>
+                <a:cs typeface="Times New Roman" panose="02020603050405020304" pitchFamily="18" charset="0"/>
               </a:rPr>
               <a:t>taxprofiler</a:t>
             </a:r>
@@ -13596,7 +14374,8 @@
                 <a:solidFill>
                   <a:srgbClr val="1F2328"/>
                 </a:solidFill>
-                <a:latin typeface="-apple-system"/>
+                <a:latin typeface="Times New Roman" panose="02020603050405020304" pitchFamily="18" charset="0"/>
+                <a:cs typeface="Times New Roman" panose="02020603050405020304" pitchFamily="18" charset="0"/>
               </a:rPr>
               <a:t> - Multi-classifier parallel workflow</a:t>
             </a:r>
@@ -13611,7 +14390,8 @@
                 <a:solidFill>
                   <a:srgbClr val="1F2328"/>
                 </a:solidFill>
-                <a:latin typeface="-apple-system"/>
+                <a:latin typeface="Times New Roman" panose="02020603050405020304" pitchFamily="18" charset="0"/>
+                <a:cs typeface="Times New Roman" panose="02020603050405020304" pitchFamily="18" charset="0"/>
               </a:rPr>
               <a:t>GOTTCHA2</a:t>
             </a:r>
@@ -13620,7 +14400,8 @@
                 <a:solidFill>
                   <a:srgbClr val="1F2328"/>
                 </a:solidFill>
-                <a:latin typeface="-apple-system"/>
+                <a:latin typeface="Times New Roman" panose="02020603050405020304" pitchFamily="18" charset="0"/>
+                <a:cs typeface="Times New Roman" panose="02020603050405020304" pitchFamily="18" charset="0"/>
               </a:rPr>
               <a:t> - High-specificity signature classification</a:t>
             </a:r>
@@ -13635,7 +14416,8 @@
                 <a:solidFill>
                   <a:srgbClr val="1F2328"/>
                 </a:solidFill>
-                <a:latin typeface="-apple-system"/>
+                <a:latin typeface="Times New Roman" panose="02020603050405020304" pitchFamily="18" charset="0"/>
+                <a:cs typeface="Times New Roman" panose="02020603050405020304" pitchFamily="18" charset="0"/>
               </a:rPr>
               <a:t>sourmash</a:t>
             </a:r>
@@ -13644,7 +14426,8 @@
                 <a:solidFill>
                   <a:srgbClr val="1F2328"/>
                 </a:solidFill>
-                <a:latin typeface="-apple-system"/>
+                <a:latin typeface="Times New Roman" panose="02020603050405020304" pitchFamily="18" charset="0"/>
+                <a:cs typeface="Times New Roman" panose="02020603050405020304" pitchFamily="18" charset="0"/>
               </a:rPr>
               <a:t> - </a:t>
             </a:r>
@@ -13653,7 +14436,8 @@
                 <a:solidFill>
                   <a:srgbClr val="1F2328"/>
                 </a:solidFill>
-                <a:latin typeface="-apple-system"/>
+                <a:latin typeface="Times New Roman" panose="02020603050405020304" pitchFamily="18" charset="0"/>
+                <a:cs typeface="Times New Roman" panose="02020603050405020304" pitchFamily="18" charset="0"/>
               </a:rPr>
               <a:t>MinHash</a:t>
             </a:r>
@@ -13662,7 +14446,8 @@
                 <a:solidFill>
                   <a:srgbClr val="1F2328"/>
                 </a:solidFill>
-                <a:latin typeface="-apple-system"/>
+                <a:latin typeface="Times New Roman" panose="02020603050405020304" pitchFamily="18" charset="0"/>
+                <a:cs typeface="Times New Roman" panose="02020603050405020304" pitchFamily="18" charset="0"/>
               </a:rPr>
               <a:t> rapid retrieval</a:t>
             </a:r>
@@ -13677,7 +14462,8 @@
                 <a:solidFill>
                   <a:srgbClr val="1F2328"/>
                 </a:solidFill>
-                <a:latin typeface="-apple-system"/>
+                <a:latin typeface="Times New Roman" panose="02020603050405020304" pitchFamily="18" charset="0"/>
+                <a:cs typeface="Times New Roman" panose="02020603050405020304" pitchFamily="18" charset="0"/>
               </a:rPr>
               <a:t>CLARK</a:t>
             </a:r>
@@ -13686,7 +14472,8 @@
                 <a:solidFill>
                   <a:srgbClr val="1F2328"/>
                 </a:solidFill>
-                <a:latin typeface="-apple-system"/>
+                <a:latin typeface="Times New Roman" panose="02020603050405020304" pitchFamily="18" charset="0"/>
+                <a:cs typeface="Times New Roman" panose="02020603050405020304" pitchFamily="18" charset="0"/>
               </a:rPr>
               <a:t> - Discriminative k-</a:t>
             </a:r>
@@ -13695,7 +14482,8 @@
                 <a:solidFill>
                   <a:srgbClr val="1F2328"/>
                 </a:solidFill>
-                <a:latin typeface="-apple-system"/>
+                <a:latin typeface="Times New Roman" panose="02020603050405020304" pitchFamily="18" charset="0"/>
+                <a:cs typeface="Times New Roman" panose="02020603050405020304" pitchFamily="18" charset="0"/>
               </a:rPr>
               <a:t>mer</a:t>
             </a:r>
@@ -13704,7 +14492,8 @@
                 <a:solidFill>
                   <a:srgbClr val="1F2328"/>
                 </a:solidFill>
-                <a:latin typeface="-apple-system"/>
+                <a:latin typeface="Times New Roman" panose="02020603050405020304" pitchFamily="18" charset="0"/>
+                <a:cs typeface="Times New Roman" panose="02020603050405020304" pitchFamily="18" charset="0"/>
               </a:rPr>
               <a:t> classification</a:t>
             </a:r>
@@ -13719,7 +14508,8 @@
                 <a:solidFill>
                   <a:srgbClr val="1F2328"/>
                 </a:solidFill>
-                <a:latin typeface="-apple-system"/>
+                <a:latin typeface="Times New Roman" panose="02020603050405020304" pitchFamily="18" charset="0"/>
+                <a:cs typeface="Times New Roman" panose="02020603050405020304" pitchFamily="18" charset="0"/>
               </a:rPr>
               <a:t>nf</a:t>
             </a:r>
@@ -13728,7 +14518,8 @@
                 <a:solidFill>
                   <a:srgbClr val="1F2328"/>
                 </a:solidFill>
-                <a:latin typeface="-apple-system"/>
+                <a:latin typeface="Times New Roman" panose="02020603050405020304" pitchFamily="18" charset="0"/>
+                <a:cs typeface="Times New Roman" panose="02020603050405020304" pitchFamily="18" charset="0"/>
               </a:rPr>
               <a:t>-core/mag</a:t>
             </a:r>
@@ -13737,7 +14528,8 @@
                 <a:solidFill>
                   <a:srgbClr val="1F2328"/>
                 </a:solidFill>
-                <a:latin typeface="-apple-system"/>
+                <a:latin typeface="Times New Roman" panose="02020603050405020304" pitchFamily="18" charset="0"/>
+                <a:cs typeface="Times New Roman" panose="02020603050405020304" pitchFamily="18" charset="0"/>
               </a:rPr>
               <a:t> - Metagenomic assembly and binning</a:t>
             </a:r>
@@ -13747,7 +14539,8 @@
               <a:solidFill>
                 <a:srgbClr val="1F2328"/>
               </a:solidFill>
-              <a:latin typeface="-apple-system"/>
+              <a:latin typeface="Times New Roman" panose="02020603050405020304" pitchFamily="18" charset="0"/>
+              <a:cs typeface="Times New Roman" panose="02020603050405020304" pitchFamily="18" charset="0"/>
             </a:endParaRPr>
           </a:p>
           <a:p>
@@ -13756,7 +14549,8 @@
                 <a:solidFill>
                   <a:srgbClr val="1F2328"/>
                 </a:solidFill>
-                <a:latin typeface="-apple-system"/>
+                <a:latin typeface="Times New Roman" panose="02020603050405020304" pitchFamily="18" charset="0"/>
+                <a:cs typeface="Times New Roman" panose="02020603050405020304" pitchFamily="18" charset="0"/>
               </a:rPr>
               <a:t>Justin group d</a:t>
             </a:r>
@@ -13765,7 +14559,8 @@
                 <a:solidFill>
                   <a:srgbClr val="1F2328"/>
                 </a:solidFill>
-                <a:latin typeface="-apple-system"/>
+                <a:latin typeface="Times New Roman" panose="02020603050405020304" pitchFamily="18" charset="0"/>
+                <a:cs typeface="Times New Roman" panose="02020603050405020304" pitchFamily="18" charset="0"/>
               </a:rPr>
               <a:t>eveloped (3 items)</a:t>
             </a:r>
@@ -13780,7 +14575,8 @@
                 <a:solidFill>
                   <a:srgbClr val="1F2328"/>
                 </a:solidFill>
-                <a:latin typeface="-apple-system"/>
+                <a:latin typeface="Times New Roman" panose="02020603050405020304" pitchFamily="18" charset="0"/>
+                <a:cs typeface="Times New Roman" panose="02020603050405020304" pitchFamily="18" charset="0"/>
               </a:rPr>
               <a:t>rvdb</a:t>
             </a:r>
@@ -13789,7 +14585,8 @@
                 <a:solidFill>
                   <a:srgbClr val="1F2328"/>
                 </a:solidFill>
-                <a:latin typeface="-apple-system"/>
+                <a:latin typeface="Times New Roman" panose="02020603050405020304" pitchFamily="18" charset="0"/>
+                <a:cs typeface="Times New Roman" panose="02020603050405020304" pitchFamily="18" charset="0"/>
               </a:rPr>
               <a:t>-viral-metagenome-</a:t>
             </a:r>
@@ -13798,7 +14595,8 @@
                 <a:solidFill>
                   <a:srgbClr val="1F2328"/>
                 </a:solidFill>
-                <a:latin typeface="-apple-system"/>
+                <a:latin typeface="Times New Roman" panose="02020603050405020304" pitchFamily="18" charset="0"/>
+                <a:cs typeface="Times New Roman" panose="02020603050405020304" pitchFamily="18" charset="0"/>
               </a:rPr>
               <a:t>nf</a:t>
             </a:r>
@@ -13807,7 +14605,8 @@
                 <a:solidFill>
                   <a:srgbClr val="1F2328"/>
                 </a:solidFill>
-                <a:latin typeface="-apple-system"/>
+                <a:latin typeface="Times New Roman" panose="02020603050405020304" pitchFamily="18" charset="0"/>
+                <a:cs typeface="Times New Roman" panose="02020603050405020304" pitchFamily="18" charset="0"/>
               </a:rPr>
               <a:t> - Viral discovery workflow</a:t>
             </a:r>
@@ -13822,7 +14621,8 @@
                 <a:solidFill>
                   <a:srgbClr val="1F2328"/>
                 </a:solidFill>
-                <a:latin typeface="-apple-system"/>
+                <a:latin typeface="Times New Roman" panose="02020603050405020304" pitchFamily="18" charset="0"/>
+                <a:cs typeface="Times New Roman" panose="02020603050405020304" pitchFamily="18" charset="0"/>
               </a:rPr>
               <a:t>MLMVD-</a:t>
             </a:r>
@@ -13831,7 +14631,8 @@
                 <a:solidFill>
                   <a:srgbClr val="1F2328"/>
                 </a:solidFill>
-                <a:latin typeface="-apple-system"/>
+                <a:latin typeface="Times New Roman" panose="02020603050405020304" pitchFamily="18" charset="0"/>
+                <a:cs typeface="Times New Roman" panose="02020603050405020304" pitchFamily="18" charset="0"/>
               </a:rPr>
               <a:t>nf</a:t>
             </a:r>
@@ -13840,7 +14641,8 @@
                 <a:solidFill>
                   <a:srgbClr val="1F2328"/>
                 </a:solidFill>
-                <a:latin typeface="-apple-system"/>
+                <a:latin typeface="Times New Roman" panose="02020603050405020304" pitchFamily="18" charset="0"/>
+                <a:cs typeface="Times New Roman" panose="02020603050405020304" pitchFamily="18" charset="0"/>
               </a:rPr>
               <a:t> - Multi-tool consensus screening</a:t>
             </a:r>
@@ -13855,7 +14657,8 @@
                 <a:solidFill>
                   <a:srgbClr val="1F2328"/>
                 </a:solidFill>
-                <a:latin typeface="-apple-system"/>
+                <a:latin typeface="Times New Roman" panose="02020603050405020304" pitchFamily="18" charset="0"/>
+                <a:cs typeface="Times New Roman" panose="02020603050405020304" pitchFamily="18" charset="0"/>
               </a:rPr>
               <a:t>KrakenMetaReads-nf</a:t>
             </a:r>
@@ -13864,7 +14667,8 @@
                 <a:solidFill>
                   <a:srgbClr val="1F2328"/>
                 </a:solidFill>
-                <a:latin typeface="-apple-system"/>
+                <a:latin typeface="Times New Roman" panose="02020603050405020304" pitchFamily="18" charset="0"/>
+                <a:cs typeface="Times New Roman" panose="02020603050405020304" pitchFamily="18" charset="0"/>
               </a:rPr>
               <a:t> - Assembly before classification</a:t>
             </a:r>
@@ -13873,7 +14677,8 @@
                 <a:srgbClr val="1F2328"/>
               </a:solidFill>
               <a:effectLst/>
-              <a:latin typeface="-apple-system"/>
+              <a:latin typeface="Times New Roman" panose="02020603050405020304" pitchFamily="18" charset="0"/>
+              <a:cs typeface="Times New Roman" panose="02020603050405020304" pitchFamily="18" charset="0"/>
             </a:endParaRPr>
           </a:p>
         </p:txBody>
@@ -13954,7 +14759,7 @@
         <p:spPr>
           <a:xfrm>
             <a:off x="1125376" y="1411428"/>
-            <a:ext cx="5729645" cy="707886"/>
+            <a:ext cx="5837752" cy="707886"/>
           </a:xfrm>
           <a:prstGeom prst="rect">
             <a:avLst/>
@@ -13971,7 +14776,8 @@
                 <a:solidFill>
                   <a:srgbClr val="1F2328"/>
                 </a:solidFill>
-                <a:latin typeface="-apple-system"/>
+                <a:latin typeface="Times New Roman" panose="02020603050405020304" pitchFamily="18" charset="0"/>
+                <a:cs typeface="Times New Roman" panose="02020603050405020304" pitchFamily="18" charset="0"/>
               </a:rPr>
               <a:t>Data Used for Assessment</a:t>
             </a:r>
@@ -13980,7 +14786,8 @@
                 <a:srgbClr val="1F2328"/>
               </a:solidFill>
               <a:effectLst/>
-              <a:latin typeface="-apple-system"/>
+              <a:latin typeface="Times New Roman" panose="02020603050405020304" pitchFamily="18" charset="0"/>
+              <a:cs typeface="Times New Roman" panose="02020603050405020304" pitchFamily="18" charset="0"/>
             </a:endParaRPr>
           </a:p>
         </p:txBody>
@@ -14197,8 +15004,9 @@
                   <a:srgbClr val="1F2328"/>
                 </a:solidFill>
                 <a:effectLst/>
-                <a:latin typeface="Arial" panose="020B0604020202020204" pitchFamily="34" charset="0"/>
+                <a:latin typeface="Times New Roman" panose="02020603050405020304" pitchFamily="18" charset="0"/>
                 <a:ea typeface="-apple-system"/>
+                <a:cs typeface="Times New Roman" panose="02020603050405020304" pitchFamily="18" charset="0"/>
               </a:rPr>
               <a:t>Short Read Data (Illumina)</a:t>
             </a:r>
@@ -14211,8 +15019,9 @@
                   <a:srgbClr val="1F2328"/>
                 </a:solidFill>
                 <a:effectLst/>
-                <a:latin typeface="Arial" panose="020B0604020202020204" pitchFamily="34" charset="0"/>
+                <a:latin typeface="Times New Roman" panose="02020603050405020304" pitchFamily="18" charset="0"/>
                 <a:ea typeface="-apple-system"/>
+                <a:cs typeface="Times New Roman" panose="02020603050405020304" pitchFamily="18" charset="0"/>
               </a:rPr>
               <a:t>:</a:t>
             </a:r>
@@ -14224,7 +15033,8 @@
                 <a:schemeClr val="tx1"/>
               </a:solidFill>
               <a:effectLst/>
-              <a:latin typeface="Arial" panose="020B0604020202020204" pitchFamily="34" charset="0"/>
+              <a:latin typeface="Times New Roman" panose="02020603050405020304" pitchFamily="18" charset="0"/>
+              <a:cs typeface="Times New Roman" panose="02020603050405020304" pitchFamily="18" charset="0"/>
             </a:endParaRPr>
           </a:p>
           <a:p>
@@ -14253,8 +15063,9 @@
                   <a:srgbClr val="1F2328"/>
                 </a:solidFill>
                 <a:effectLst/>
-                <a:latin typeface="Arial Unicode MS"/>
+                <a:latin typeface="Times New Roman" panose="02020603050405020304" pitchFamily="18" charset="0"/>
                 <a:ea typeface="Monaspace Neon"/>
+                <a:cs typeface="Times New Roman" panose="02020603050405020304" pitchFamily="18" charset="0"/>
               </a:rPr>
               <a:t>llnl_66ce4dde_R1.fastq.gz</a:t>
             </a:r>
@@ -14267,23 +15078,11 @@
                   <a:srgbClr val="1F2328"/>
                 </a:solidFill>
                 <a:effectLst/>
+                <a:latin typeface="Times New Roman" panose="02020603050405020304" pitchFamily="18" charset="0"/>
                 <a:ea typeface="-apple-system"/>
-              </a:rPr>
-              <a:t> </a:t>
-            </a:r>
-            <a:r>
-              <a:rPr kumimoji="0" lang="en-US" altLang="en-US" sz="2400" b="0" i="0" u="none" strike="noStrike" cap="none" normalizeH="0" baseline="0" dirty="0">
-                <a:ln>
-                  <a:noFill/>
-                </a:ln>
-                <a:solidFill>
-                  <a:srgbClr val="1F2328"/>
-                </a:solidFill>
-                <a:effectLst/>
-                <a:latin typeface="Arial" panose="020B0604020202020204" pitchFamily="34" charset="0"/>
-                <a:ea typeface="-apple-system"/>
-              </a:rPr>
-              <a:t>(670.52 MB)</a:t>
+                <a:cs typeface="Times New Roman" panose="02020603050405020304" pitchFamily="18" charset="0"/>
+              </a:rPr>
+              <a:t> (670.52 MB)</a:t>
             </a:r>
           </a:p>
           <a:p>
@@ -14312,8 +15111,9 @@
                   <a:srgbClr val="1F2328"/>
                 </a:solidFill>
                 <a:effectLst/>
-                <a:latin typeface="Arial Unicode MS"/>
+                <a:latin typeface="Times New Roman" panose="02020603050405020304" pitchFamily="18" charset="0"/>
                 <a:ea typeface="Monaspace Neon"/>
+                <a:cs typeface="Times New Roman" panose="02020603050405020304" pitchFamily="18" charset="0"/>
               </a:rPr>
               <a:t>llnl_66ce4dde_R2.fastq.gz</a:t>
             </a:r>
@@ -14326,23 +15126,11 @@
                   <a:srgbClr val="1F2328"/>
                 </a:solidFill>
                 <a:effectLst/>
+                <a:latin typeface="Times New Roman" panose="02020603050405020304" pitchFamily="18" charset="0"/>
                 <a:ea typeface="-apple-system"/>
-              </a:rPr>
-              <a:t> </a:t>
-            </a:r>
-            <a:r>
-              <a:rPr kumimoji="0" lang="en-US" altLang="en-US" sz="2400" b="0" i="0" u="none" strike="noStrike" cap="none" normalizeH="0" baseline="0" dirty="0">
-                <a:ln>
-                  <a:noFill/>
-                </a:ln>
-                <a:solidFill>
-                  <a:srgbClr val="1F2328"/>
-                </a:solidFill>
-                <a:effectLst/>
-                <a:latin typeface="Arial" panose="020B0604020202020204" pitchFamily="34" charset="0"/>
-                <a:ea typeface="-apple-system"/>
-              </a:rPr>
-              <a:t>(693.43 MB)</a:t>
+                <a:cs typeface="Times New Roman" panose="02020603050405020304" pitchFamily="18" charset="0"/>
+              </a:rPr>
+              <a:t> (693.43 MB)</a:t>
             </a:r>
           </a:p>
           <a:p>
@@ -14370,8 +15158,9 @@
                 <a:srgbClr val="1F2328"/>
               </a:solidFill>
               <a:effectLst/>
-              <a:latin typeface="Arial" panose="020B0604020202020204" pitchFamily="34" charset="0"/>
+              <a:latin typeface="Times New Roman" panose="02020603050405020304" pitchFamily="18" charset="0"/>
               <a:ea typeface="-apple-system"/>
+              <a:cs typeface="Times New Roman" panose="02020603050405020304" pitchFamily="18" charset="0"/>
             </a:endParaRPr>
           </a:p>
           <a:p>
@@ -14400,8 +15189,9 @@
                   <a:srgbClr val="1F2328"/>
                 </a:solidFill>
                 <a:effectLst/>
-                <a:latin typeface="Arial" panose="020B0604020202020204" pitchFamily="34" charset="0"/>
+                <a:latin typeface="Times New Roman" panose="02020603050405020304" pitchFamily="18" charset="0"/>
                 <a:ea typeface="-apple-system"/>
+                <a:cs typeface="Times New Roman" panose="02020603050405020304" pitchFamily="18" charset="0"/>
               </a:rPr>
               <a:t>Long Read Data (ONT/PacBio-like)</a:t>
             </a:r>
@@ -14414,8 +15204,9 @@
                   <a:srgbClr val="1F2328"/>
                 </a:solidFill>
                 <a:effectLst/>
-                <a:latin typeface="Arial" panose="020B0604020202020204" pitchFamily="34" charset="0"/>
+                <a:latin typeface="Times New Roman" panose="02020603050405020304" pitchFamily="18" charset="0"/>
                 <a:ea typeface="-apple-system"/>
+                <a:cs typeface="Times New Roman" panose="02020603050405020304" pitchFamily="18" charset="0"/>
               </a:rPr>
               <a:t>:</a:t>
             </a:r>
@@ -14427,7 +15218,8 @@
                 <a:schemeClr val="tx1"/>
               </a:solidFill>
               <a:effectLst/>
-              <a:latin typeface="Arial" panose="020B0604020202020204" pitchFamily="34" charset="0"/>
+              <a:latin typeface="Times New Roman" panose="02020603050405020304" pitchFamily="18" charset="0"/>
+              <a:cs typeface="Times New Roman" panose="02020603050405020304" pitchFamily="18" charset="0"/>
             </a:endParaRPr>
           </a:p>
           <a:p>
@@ -14456,8 +15248,9 @@
                   <a:srgbClr val="1F2328"/>
                 </a:solidFill>
                 <a:effectLst/>
-                <a:latin typeface="Arial Unicode MS"/>
+                <a:latin typeface="Times New Roman" panose="02020603050405020304" pitchFamily="18" charset="0"/>
                 <a:ea typeface="Monaspace Neon"/>
+                <a:cs typeface="Times New Roman" panose="02020603050405020304" pitchFamily="18" charset="0"/>
               </a:rPr>
               <a:t>llnl_66d1047e.fastq.gz</a:t>
             </a:r>
@@ -14470,23 +15263,11 @@
                   <a:srgbClr val="1F2328"/>
                 </a:solidFill>
                 <a:effectLst/>
+                <a:latin typeface="Times New Roman" panose="02020603050405020304" pitchFamily="18" charset="0"/>
                 <a:ea typeface="-apple-system"/>
-              </a:rPr>
-              <a:t> </a:t>
-            </a:r>
-            <a:r>
-              <a:rPr kumimoji="0" lang="en-US" altLang="en-US" sz="2400" b="0" i="0" u="none" strike="noStrike" cap="none" normalizeH="0" baseline="0" dirty="0">
-                <a:ln>
-                  <a:noFill/>
-                </a:ln>
-                <a:solidFill>
-                  <a:srgbClr val="1F2328"/>
-                </a:solidFill>
-                <a:effectLst/>
-                <a:latin typeface="Arial" panose="020B0604020202020204" pitchFamily="34" charset="0"/>
-                <a:ea typeface="-apple-system"/>
-              </a:rPr>
-              <a:t>(263.93 MB)</a:t>
+                <a:cs typeface="Times New Roman" panose="02020603050405020304" pitchFamily="18" charset="0"/>
+              </a:rPr>
+              <a:t> (263.93 MB)</a:t>
             </a:r>
           </a:p>
           <a:p>
@@ -14514,7 +15295,8 @@
                 <a:schemeClr val="tx1"/>
               </a:solidFill>
               <a:effectLst/>
-              <a:latin typeface="Arial" panose="020B0604020202020204" pitchFamily="34" charset="0"/>
+              <a:latin typeface="Times New Roman" panose="02020603050405020304" pitchFamily="18" charset="0"/>
+              <a:cs typeface="Times New Roman" panose="02020603050405020304" pitchFamily="18" charset="0"/>
             </a:endParaRPr>
           </a:p>
           <a:p>
@@ -14543,7 +15325,8 @@
                   <a:schemeClr val="tx1"/>
                 </a:solidFill>
                 <a:effectLst/>
-                <a:latin typeface="Arial" panose="020B0604020202020204" pitchFamily="34" charset="0"/>
+                <a:latin typeface="Times New Roman" panose="02020603050405020304" pitchFamily="18" charset="0"/>
+                <a:cs typeface="Times New Roman" panose="02020603050405020304" pitchFamily="18" charset="0"/>
               </a:rPr>
               <a:t>Note</a:t>
             </a:r>
@@ -14556,7 +15339,8 @@
                   <a:schemeClr val="tx1"/>
                 </a:solidFill>
                 <a:effectLst/>
-                <a:latin typeface="Arial" panose="020B0604020202020204" pitchFamily="34" charset="0"/>
+                <a:latin typeface="Times New Roman" panose="02020603050405020304" pitchFamily="18" charset="0"/>
+                <a:cs typeface="Times New Roman" panose="02020603050405020304" pitchFamily="18" charset="0"/>
               </a:rPr>
               <a:t>: This is a simulated dataset from CDC</a:t>
             </a:r>
@@ -14639,7 +15423,7 @@
         <p:spPr>
           <a:xfrm>
             <a:off x="1086548" y="1574817"/>
-            <a:ext cx="4068421" cy="369332"/>
+            <a:ext cx="4373954" cy="369332"/>
           </a:xfrm>
           <a:prstGeom prst="rect">
             <a:avLst/>
@@ -14656,7 +15440,8 @@
                 <a:solidFill>
                   <a:srgbClr val="1F2328"/>
                 </a:solidFill>
-                <a:latin typeface="-apple-system"/>
+                <a:latin typeface="Times New Roman" panose="02020603050405020304" pitchFamily="18" charset="0"/>
+                <a:cs typeface="Times New Roman" panose="02020603050405020304" pitchFamily="18" charset="0"/>
               </a:rPr>
               <a:t>5 Items from CDC List Failed Deployment</a:t>
             </a:r>
@@ -14665,7 +15450,8 @@
                 <a:srgbClr val="1F2328"/>
               </a:solidFill>
               <a:effectLst/>
-              <a:latin typeface="-apple-system"/>
+              <a:latin typeface="Times New Roman" panose="02020603050405020304" pitchFamily="18" charset="0"/>
+              <a:cs typeface="Times New Roman" panose="02020603050405020304" pitchFamily="18" charset="0"/>
             </a:endParaRPr>
           </a:p>
         </p:txBody>
@@ -14685,14 +15471,14 @@
           <p:nvPr>
             <p:extLst>
               <p:ext uri="{D42A27DB-BD31-4B8C-83A1-F6EECF244321}">
-                <p14:modId xmlns:p14="http://schemas.microsoft.com/office/powerpoint/2010/main" val="2557601448"/>
+                <p14:modId xmlns:p14="http://schemas.microsoft.com/office/powerpoint/2010/main" val="1281612364"/>
               </p:ext>
             </p:extLst>
           </p:nvPr>
         </p:nvGraphicFramePr>
         <p:xfrm>
           <a:off x="457200" y="2011521"/>
-          <a:ext cx="8229600" cy="2331720"/>
+          <a:ext cx="8229600" cy="2606040"/>
         </p:xfrm>
         <a:graphic>
           <a:graphicData uri="http://schemas.openxmlformats.org/drawingml/2006/table">
@@ -14724,6 +15510,8 @@
                       <a:r>
                         <a:rPr lang="en-US" b="1">
                           <a:effectLst/>
+                          <a:latin typeface="Times New Roman" panose="02020603050405020304" pitchFamily="18" charset="0"/>
+                          <a:cs typeface="Times New Roman" panose="02020603050405020304" pitchFamily="18" charset="0"/>
                         </a:rPr>
                         <a:t>Software</a:t>
                       </a:r>
@@ -14780,6 +15568,8 @@
                       <a:r>
                         <a:rPr lang="en-US" b="1" dirty="0">
                           <a:effectLst/>
+                          <a:latin typeface="Times New Roman" panose="02020603050405020304" pitchFamily="18" charset="0"/>
+                          <a:cs typeface="Times New Roman" panose="02020603050405020304" pitchFamily="18" charset="0"/>
                         </a:rPr>
                         <a:t>Main Obstacle</a:t>
                       </a:r>
@@ -14843,11 +15633,15 @@
                       <a:r>
                         <a:rPr lang="en-US" b="1">
                           <a:effectLst/>
+                          <a:latin typeface="Times New Roman" panose="02020603050405020304" pitchFamily="18" charset="0"/>
+                          <a:cs typeface="Times New Roman" panose="02020603050405020304" pitchFamily="18" charset="0"/>
                         </a:rPr>
                         <a:t>CZID (IDseq)</a:t>
                       </a:r>
                       <a:endParaRPr lang="en-US">
                         <a:effectLst/>
+                        <a:latin typeface="Times New Roman" panose="02020603050405020304" pitchFamily="18" charset="0"/>
+                        <a:cs typeface="Times New Roman" panose="02020603050405020304" pitchFamily="18" charset="0"/>
                       </a:endParaRPr>
                     </a:p>
                   </a:txBody>
@@ -14902,6 +15696,8 @@
                       <a:r>
                         <a:rPr lang="en-US">
                           <a:effectLst/>
+                          <a:latin typeface="Times New Roman" panose="02020603050405020304" pitchFamily="18" charset="0"/>
+                          <a:cs typeface="Times New Roman" panose="02020603050405020304" pitchFamily="18" charset="0"/>
                         </a:rPr>
                         <a:t>Cloud service oriented; local miniwdl insufficient cluster adaptation</a:t>
                       </a:r>
@@ -14965,11 +15761,15 @@
                       <a:r>
                         <a:rPr lang="en-US" b="1">
                           <a:effectLst/>
+                          <a:latin typeface="Times New Roman" panose="02020603050405020304" pitchFamily="18" charset="0"/>
+                          <a:cs typeface="Times New Roman" panose="02020603050405020304" pitchFamily="18" charset="0"/>
                         </a:rPr>
                         <a:t>SURPI+</a:t>
                       </a:r>
                       <a:endParaRPr lang="en-US">
                         <a:effectLst/>
+                        <a:latin typeface="Times New Roman" panose="02020603050405020304" pitchFamily="18" charset="0"/>
+                        <a:cs typeface="Times New Roman" panose="02020603050405020304" pitchFamily="18" charset="0"/>
                       </a:endParaRPr>
                     </a:p>
                   </a:txBody>
@@ -15024,6 +15824,8 @@
                       <a:r>
                         <a:rPr lang="en-US">
                           <a:effectLst/>
+                          <a:latin typeface="Times New Roman" panose="02020603050405020304" pitchFamily="18" charset="0"/>
+                          <a:cs typeface="Times New Roman" panose="02020603050405020304" pitchFamily="18" charset="0"/>
                         </a:rPr>
                         <a:t>Container requires sudo; conflicts with Apptainer security policy</a:t>
                       </a:r>
@@ -15087,11 +15889,15 @@
                       <a:r>
                         <a:rPr lang="en-US" b="1">
                           <a:effectLst/>
+                          <a:latin typeface="Times New Roman" panose="02020603050405020304" pitchFamily="18" charset="0"/>
+                          <a:cs typeface="Times New Roman" panose="02020603050405020304" pitchFamily="18" charset="0"/>
                         </a:rPr>
                         <a:t>DHO Lab</a:t>
                       </a:r>
                       <a:endParaRPr lang="en-US">
                         <a:effectLst/>
+                        <a:latin typeface="Times New Roman" panose="02020603050405020304" pitchFamily="18" charset="0"/>
+                        <a:cs typeface="Times New Roman" panose="02020603050405020304" pitchFamily="18" charset="0"/>
                       </a:endParaRPr>
                     </a:p>
                   </a:txBody>
@@ -15146,6 +15952,8 @@
                       <a:r>
                         <a:rPr lang="en-US">
                           <a:effectLst/>
+                          <a:latin typeface="Times New Roman" panose="02020603050405020304" pitchFamily="18" charset="0"/>
+                          <a:cs typeface="Times New Roman" panose="02020603050405020304" pitchFamily="18" charset="0"/>
                         </a:rPr>
                         <a:t>Container sudo dependency; complex source dependency chain</a:t>
                       </a:r>
@@ -15209,11 +16017,15 @@
                       <a:r>
                         <a:rPr lang="en-US" b="1" dirty="0">
                           <a:effectLst/>
+                          <a:latin typeface="Times New Roman" panose="02020603050405020304" pitchFamily="18" charset="0"/>
+                          <a:cs typeface="Times New Roman" panose="02020603050405020304" pitchFamily="18" charset="0"/>
                         </a:rPr>
                         <a:t>NAO MGS</a:t>
                       </a:r>
                       <a:endParaRPr lang="en-US" dirty="0">
                         <a:effectLst/>
+                        <a:latin typeface="Times New Roman" panose="02020603050405020304" pitchFamily="18" charset="0"/>
+                        <a:cs typeface="Times New Roman" panose="02020603050405020304" pitchFamily="18" charset="0"/>
                       </a:endParaRPr>
                     </a:p>
                   </a:txBody>
@@ -15268,6 +16080,8 @@
                       <a:r>
                         <a:rPr lang="en-US">
                           <a:effectLst/>
+                          <a:latin typeface="Times New Roman" panose="02020603050405020304" pitchFamily="18" charset="0"/>
+                          <a:cs typeface="Times New Roman" panose="02020603050405020304" pitchFamily="18" charset="0"/>
                         </a:rPr>
                         <a:t>Container sudo dependency; complex source dependency chain</a:t>
                       </a:r>
@@ -15331,11 +16145,15 @@
                       <a:r>
                         <a:rPr lang="en-US" b="1">
                           <a:effectLst/>
+                          <a:latin typeface="Times New Roman" panose="02020603050405020304" pitchFamily="18" charset="0"/>
+                          <a:cs typeface="Times New Roman" panose="02020603050405020304" pitchFamily="18" charset="0"/>
                         </a:rPr>
                         <a:t>TaxTriage</a:t>
                       </a:r>
                       <a:endParaRPr lang="en-US">
                         <a:effectLst/>
+                        <a:latin typeface="Times New Roman" panose="02020603050405020304" pitchFamily="18" charset="0"/>
+                        <a:cs typeface="Times New Roman" panose="02020603050405020304" pitchFamily="18" charset="0"/>
                       </a:endParaRPr>
                     </a:p>
                   </a:txBody>
@@ -15390,18 +16208,24 @@
                       <a:r>
                         <a:rPr lang="en-US" dirty="0">
                           <a:effectLst/>
+                          <a:latin typeface="Times New Roman" panose="02020603050405020304" pitchFamily="18" charset="0"/>
+                          <a:cs typeface="Times New Roman" panose="02020603050405020304" pitchFamily="18" charset="0"/>
                         </a:rPr>
                         <a:t>Container </a:t>
                       </a:r>
                       <a:r>
                         <a:rPr lang="en-US" dirty="0" err="1">
                           <a:effectLst/>
+                          <a:latin typeface="Times New Roman" panose="02020603050405020304" pitchFamily="18" charset="0"/>
+                          <a:cs typeface="Times New Roman" panose="02020603050405020304" pitchFamily="18" charset="0"/>
                         </a:rPr>
                         <a:t>sudo</a:t>
                       </a:r>
                       <a:r>
                         <a:rPr lang="en-US" dirty="0">
                           <a:effectLst/>
+                          <a:latin typeface="Times New Roman" panose="02020603050405020304" pitchFamily="18" charset="0"/>
+                          <a:cs typeface="Times New Roman" panose="02020603050405020304" pitchFamily="18" charset="0"/>
                         </a:rPr>
                         <a:t> dependency; complex source dependency chain</a:t>
                       </a:r>
@@ -15491,7 +16315,8 @@
                 <a:solidFill>
                   <a:srgbClr val="1F2328"/>
                 </a:solidFill>
-                <a:latin typeface="-apple-system"/>
+                <a:latin typeface="Times New Roman" panose="02020603050405020304" pitchFamily="18" charset="0"/>
+                <a:cs typeface="Times New Roman" panose="02020603050405020304" pitchFamily="18" charset="0"/>
               </a:rPr>
               <a:t>Common Reason</a:t>
             </a:r>
@@ -15500,7 +16325,8 @@
                 <a:solidFill>
                   <a:srgbClr val="1F2328"/>
                 </a:solidFill>
-                <a:latin typeface="-apple-system"/>
+                <a:latin typeface="Times New Roman" panose="02020603050405020304" pitchFamily="18" charset="0"/>
+                <a:cs typeface="Times New Roman" panose="02020603050405020304" pitchFamily="18" charset="0"/>
               </a:rPr>
               <a:t>: Containerized deployment requires </a:t>
             </a:r>
@@ -15509,7 +16335,8 @@
                 <a:solidFill>
                   <a:srgbClr val="1F2328"/>
                 </a:solidFill>
-                <a:latin typeface="-apple-system"/>
+                <a:latin typeface="Times New Roman" panose="02020603050405020304" pitchFamily="18" charset="0"/>
+                <a:cs typeface="Times New Roman" panose="02020603050405020304" pitchFamily="18" charset="0"/>
               </a:rPr>
               <a:t>sudo</a:t>
             </a:r>
@@ -15518,11 +16345,15 @@
                 <a:solidFill>
                   <a:srgbClr val="1F2328"/>
                 </a:solidFill>
-                <a:latin typeface="-apple-system"/>
+                <a:latin typeface="Times New Roman" panose="02020603050405020304" pitchFamily="18" charset="0"/>
+                <a:cs typeface="Times New Roman" panose="02020603050405020304" pitchFamily="18" charset="0"/>
               </a:rPr>
               <a:t> permissions, incompatible with HPC principle of least privilege</a:t>
             </a:r>
-            <a:endParaRPr lang="en-US" dirty="0"/>
+            <a:endParaRPr lang="en-US" dirty="0">
+              <a:latin typeface="Times New Roman" panose="02020603050405020304" pitchFamily="18" charset="0"/>
+              <a:cs typeface="Times New Roman" panose="02020603050405020304" pitchFamily="18" charset="0"/>
+            </a:endParaRPr>
           </a:p>
         </p:txBody>
       </p:sp>
@@ -15657,7 +16488,8 @@
                 <a:solidFill>
                   <a:srgbClr val="1F2328"/>
                 </a:solidFill>
-                <a:latin typeface="-apple-system"/>
+                <a:latin typeface="Times New Roman" panose="02020603050405020304" pitchFamily="18" charset="0"/>
+                <a:cs typeface="Times New Roman" panose="02020603050405020304" pitchFamily="18" charset="0"/>
               </a:rPr>
               <a:t>Direct Read Classification</a:t>
             </a:r>
@@ -15665,7 +16497,8 @@
               <a:solidFill>
                 <a:srgbClr val="1F2328"/>
               </a:solidFill>
-              <a:latin typeface="-apple-system"/>
+              <a:latin typeface="Times New Roman" panose="02020603050405020304" pitchFamily="18" charset="0"/>
+              <a:cs typeface="Times New Roman" panose="02020603050405020304" pitchFamily="18" charset="0"/>
             </a:endParaRPr>
           </a:p>
           <a:p>
@@ -15678,7 +16511,8 @@
                 <a:solidFill>
                   <a:srgbClr val="1F2328"/>
                 </a:solidFill>
-                <a:latin typeface="-apple-system"/>
+                <a:latin typeface="Times New Roman" panose="02020603050405020304" pitchFamily="18" charset="0"/>
+                <a:cs typeface="Times New Roman" panose="02020603050405020304" pitchFamily="18" charset="0"/>
               </a:rPr>
               <a:t>taxprofiler</a:t>
             </a:r>
@@ -15687,7 +16521,8 @@
                 <a:solidFill>
                   <a:srgbClr val="1F2328"/>
                 </a:solidFill>
-                <a:latin typeface="-apple-system"/>
+                <a:latin typeface="Times New Roman" panose="02020603050405020304" pitchFamily="18" charset="0"/>
+                <a:cs typeface="Times New Roman" panose="02020603050405020304" pitchFamily="18" charset="0"/>
               </a:rPr>
               <a:t> (Kraken2/Bracken)</a:t>
             </a:r>
@@ -15702,7 +16537,8 @@
                 <a:solidFill>
                   <a:srgbClr val="1F2328"/>
                 </a:solidFill>
-                <a:latin typeface="-apple-system"/>
+                <a:latin typeface="Times New Roman" panose="02020603050405020304" pitchFamily="18" charset="0"/>
+                <a:cs typeface="Times New Roman" panose="02020603050405020304" pitchFamily="18" charset="0"/>
               </a:rPr>
               <a:t>CLARK, GOTTCHA2</a:t>
             </a:r>
@@ -15717,7 +16553,8 @@
                 <a:solidFill>
                   <a:srgbClr val="1F2328"/>
                 </a:solidFill>
-                <a:latin typeface="-apple-system"/>
+                <a:latin typeface="Times New Roman" panose="02020603050405020304" pitchFamily="18" charset="0"/>
+                <a:cs typeface="Times New Roman" panose="02020603050405020304" pitchFamily="18" charset="0"/>
               </a:rPr>
               <a:t>Contig Classification After Assembly</a:t>
             </a:r>
@@ -15725,7 +16562,8 @@
               <a:solidFill>
                 <a:srgbClr val="1F2328"/>
               </a:solidFill>
-              <a:latin typeface="-apple-system"/>
+              <a:latin typeface="Times New Roman" panose="02020603050405020304" pitchFamily="18" charset="0"/>
+              <a:cs typeface="Times New Roman" panose="02020603050405020304" pitchFamily="18" charset="0"/>
             </a:endParaRPr>
           </a:p>
           <a:p>
@@ -15738,7 +16576,8 @@
                 <a:solidFill>
                   <a:srgbClr val="1F2328"/>
                 </a:solidFill>
-                <a:latin typeface="-apple-system"/>
+                <a:latin typeface="Times New Roman" panose="02020603050405020304" pitchFamily="18" charset="0"/>
+                <a:cs typeface="Times New Roman" panose="02020603050405020304" pitchFamily="18" charset="0"/>
               </a:rPr>
               <a:t>KrakenMetaReads-nf</a:t>
             </a:r>
@@ -15746,7 +16585,8 @@
               <a:solidFill>
                 <a:srgbClr val="1F2328"/>
               </a:solidFill>
-              <a:latin typeface="-apple-system"/>
+              <a:latin typeface="Times New Roman" panose="02020603050405020304" pitchFamily="18" charset="0"/>
+              <a:cs typeface="Times New Roman" panose="02020603050405020304" pitchFamily="18" charset="0"/>
             </a:endParaRPr>
           </a:p>
           <a:p>
@@ -15759,7 +16599,8 @@
                 <a:solidFill>
                   <a:srgbClr val="1F2328"/>
                 </a:solidFill>
-                <a:latin typeface="-apple-system"/>
+                <a:latin typeface="Times New Roman" panose="02020603050405020304" pitchFamily="18" charset="0"/>
+                <a:cs typeface="Times New Roman" panose="02020603050405020304" pitchFamily="18" charset="0"/>
               </a:rPr>
               <a:t>nf</a:t>
             </a:r>
@@ -15768,7 +16609,8 @@
                 <a:solidFill>
                   <a:srgbClr val="1F2328"/>
                 </a:solidFill>
-                <a:latin typeface="-apple-system"/>
+                <a:latin typeface="Times New Roman" panose="02020603050405020304" pitchFamily="18" charset="0"/>
+                <a:cs typeface="Times New Roman" panose="02020603050405020304" pitchFamily="18" charset="0"/>
               </a:rPr>
               <a:t>-core/mag</a:t>
             </a:r>
@@ -15783,7 +16625,8 @@
                 <a:solidFill>
                   <a:srgbClr val="1F2328"/>
                 </a:solidFill>
-                <a:latin typeface="-apple-system"/>
+                <a:latin typeface="Times New Roman" panose="02020603050405020304" pitchFamily="18" charset="0"/>
+                <a:cs typeface="Times New Roman" panose="02020603050405020304" pitchFamily="18" charset="0"/>
               </a:rPr>
               <a:t>Homology Evidence Chain</a:t>
             </a:r>
@@ -15791,7 +16634,8 @@
               <a:solidFill>
                 <a:srgbClr val="1F2328"/>
               </a:solidFill>
-              <a:latin typeface="-apple-system"/>
+              <a:latin typeface="Times New Roman" panose="02020603050405020304" pitchFamily="18" charset="0"/>
+              <a:cs typeface="Times New Roman" panose="02020603050405020304" pitchFamily="18" charset="0"/>
             </a:endParaRPr>
           </a:p>
           <a:p>
@@ -15804,7 +16648,8 @@
                 <a:solidFill>
                   <a:srgbClr val="1F2328"/>
                 </a:solidFill>
-                <a:latin typeface="-apple-system"/>
+                <a:latin typeface="Times New Roman" panose="02020603050405020304" pitchFamily="18" charset="0"/>
+                <a:cs typeface="Times New Roman" panose="02020603050405020304" pitchFamily="18" charset="0"/>
               </a:rPr>
               <a:t>rvdb</a:t>
             </a:r>
@@ -15813,7 +16658,8 @@
                 <a:solidFill>
                   <a:srgbClr val="1F2328"/>
                 </a:solidFill>
-                <a:latin typeface="-apple-system"/>
+                <a:latin typeface="Times New Roman" panose="02020603050405020304" pitchFamily="18" charset="0"/>
+                <a:cs typeface="Times New Roman" panose="02020603050405020304" pitchFamily="18" charset="0"/>
               </a:rPr>
               <a:t>-viral (DIAMOND/RVDB)</a:t>
             </a:r>
@@ -15828,7 +16674,8 @@
                 <a:solidFill>
                   <a:srgbClr val="1F2328"/>
                 </a:solidFill>
-                <a:latin typeface="-apple-system"/>
+                <a:latin typeface="Times New Roman" panose="02020603050405020304" pitchFamily="18" charset="0"/>
+                <a:cs typeface="Times New Roman" panose="02020603050405020304" pitchFamily="18" charset="0"/>
               </a:rPr>
               <a:t>Viral Feature/Consensus Screening</a:t>
             </a:r>
@@ -15836,7 +16683,8 @@
               <a:solidFill>
                 <a:srgbClr val="1F2328"/>
               </a:solidFill>
-              <a:latin typeface="-apple-system"/>
+              <a:latin typeface="Times New Roman" panose="02020603050405020304" pitchFamily="18" charset="0"/>
+              <a:cs typeface="Times New Roman" panose="02020603050405020304" pitchFamily="18" charset="0"/>
             </a:endParaRPr>
           </a:p>
           <a:p>
@@ -15849,7 +16697,8 @@
                 <a:solidFill>
                   <a:srgbClr val="1F2328"/>
                 </a:solidFill>
-                <a:latin typeface="-apple-system"/>
+                <a:latin typeface="Times New Roman" panose="02020603050405020304" pitchFamily="18" charset="0"/>
+                <a:cs typeface="Times New Roman" panose="02020603050405020304" pitchFamily="18" charset="0"/>
               </a:rPr>
               <a:t>MLMVD-</a:t>
             </a:r>
@@ -15858,7 +16707,8 @@
                 <a:solidFill>
                   <a:srgbClr val="1F2328"/>
                 </a:solidFill>
-                <a:latin typeface="-apple-system"/>
+                <a:latin typeface="Times New Roman" panose="02020603050405020304" pitchFamily="18" charset="0"/>
+                <a:cs typeface="Times New Roman" panose="02020603050405020304" pitchFamily="18" charset="0"/>
               </a:rPr>
               <a:t>nf</a:t>
             </a:r>
@@ -15867,7 +16717,8 @@
                 <a:solidFill>
                   <a:srgbClr val="1F2328"/>
                 </a:solidFill>
-                <a:latin typeface="-apple-system"/>
+                <a:latin typeface="Times New Roman" panose="02020603050405020304" pitchFamily="18" charset="0"/>
+                <a:cs typeface="Times New Roman" panose="02020603050405020304" pitchFamily="18" charset="0"/>
               </a:rPr>
               <a:t> (multi-tool consensus)</a:t>
             </a:r>
@@ -15876,7 +16727,8 @@
                 <a:srgbClr val="1F2328"/>
               </a:solidFill>
               <a:effectLst/>
-              <a:latin typeface="-apple-system"/>
+              <a:latin typeface="Times New Roman" panose="02020603050405020304" pitchFamily="18" charset="0"/>
+              <a:cs typeface="Times New Roman" panose="02020603050405020304" pitchFamily="18" charset="0"/>
             </a:endParaRPr>
           </a:p>
         </p:txBody>
@@ -16001,7 +16853,8 @@
                 <a:solidFill>
                   <a:srgbClr val="1F2328"/>
                 </a:solidFill>
-                <a:latin typeface="-apple-system"/>
+                <a:latin typeface="Times New Roman" panose="02020603050405020304" pitchFamily="18" charset="0"/>
+                <a:cs typeface="Times New Roman" panose="02020603050405020304" pitchFamily="18" charset="0"/>
               </a:rPr>
               <a:t>Positioning</a:t>
             </a:r>
@@ -16010,7 +16863,8 @@
                 <a:solidFill>
                   <a:srgbClr val="1F2328"/>
                 </a:solidFill>
-                <a:latin typeface="-apple-system"/>
+                <a:latin typeface="Times New Roman" panose="02020603050405020304" pitchFamily="18" charset="0"/>
+                <a:cs typeface="Times New Roman" panose="02020603050405020304" pitchFamily="18" charset="0"/>
               </a:rPr>
               <a:t>: Broad screening + Rapid overview</a:t>
             </a:r>
@@ -16020,7 +16874,8 @@
               <a:solidFill>
                 <a:srgbClr val="1F2328"/>
               </a:solidFill>
-              <a:latin typeface="-apple-system"/>
+              <a:latin typeface="Times New Roman" panose="02020603050405020304" pitchFamily="18" charset="0"/>
+              <a:cs typeface="Times New Roman" panose="02020603050405020304" pitchFamily="18" charset="0"/>
             </a:endParaRPr>
           </a:p>
           <a:p>
@@ -16029,7 +16884,8 @@
                 <a:solidFill>
                   <a:srgbClr val="1F2328"/>
                 </a:solidFill>
-                <a:latin typeface="-apple-system"/>
+                <a:latin typeface="Times New Roman" panose="02020603050405020304" pitchFamily="18" charset="0"/>
+                <a:cs typeface="Times New Roman" panose="02020603050405020304" pitchFamily="18" charset="0"/>
               </a:rPr>
               <a:t>Core Features</a:t>
             </a:r>
@@ -16038,7 +16894,8 @@
                 <a:solidFill>
                   <a:srgbClr val="1F2328"/>
                 </a:solidFill>
-                <a:latin typeface="-apple-system"/>
+                <a:latin typeface="Times New Roman" panose="02020603050405020304" pitchFamily="18" charset="0"/>
+                <a:cs typeface="Times New Roman" panose="02020603050405020304" pitchFamily="18" charset="0"/>
               </a:rPr>
               <a:t>:</a:t>
             </a:r>
@@ -16053,7 +16910,8 @@
                 <a:solidFill>
                   <a:srgbClr val="1F2328"/>
                 </a:solidFill>
-                <a:latin typeface="-apple-system"/>
+                <a:latin typeface="Times New Roman" panose="02020603050405020304" pitchFamily="18" charset="0"/>
+                <a:cs typeface="Times New Roman" panose="02020603050405020304" pitchFamily="18" charset="0"/>
               </a:rPr>
               <a:t>Nextflow</a:t>
             </a:r>
@@ -16062,7 +16920,8 @@
                 <a:solidFill>
                   <a:srgbClr val="1F2328"/>
                 </a:solidFill>
-                <a:latin typeface="-apple-system"/>
+                <a:latin typeface="Times New Roman" panose="02020603050405020304" pitchFamily="18" charset="0"/>
+                <a:cs typeface="Times New Roman" panose="02020603050405020304" pitchFamily="18" charset="0"/>
               </a:rPr>
               <a:t> + </a:t>
             </a:r>
@@ -16071,7 +16930,8 @@
                 <a:solidFill>
                   <a:srgbClr val="1F2328"/>
                 </a:solidFill>
-                <a:latin typeface="-apple-system"/>
+                <a:latin typeface="Times New Roman" panose="02020603050405020304" pitchFamily="18" charset="0"/>
+                <a:cs typeface="Times New Roman" panose="02020603050405020304" pitchFamily="18" charset="0"/>
               </a:rPr>
               <a:t>nf</a:t>
             </a:r>
@@ -16080,7 +16940,8 @@
                 <a:solidFill>
                   <a:srgbClr val="1F2328"/>
                 </a:solidFill>
-                <a:latin typeface="-apple-system"/>
+                <a:latin typeface="Times New Roman" panose="02020603050405020304" pitchFamily="18" charset="0"/>
+                <a:cs typeface="Times New Roman" panose="02020603050405020304" pitchFamily="18" charset="0"/>
               </a:rPr>
               <a:t>-core best practices</a:t>
             </a:r>
@@ -16095,7 +16956,8 @@
                 <a:solidFill>
                   <a:srgbClr val="1F2328"/>
                 </a:solidFill>
-                <a:latin typeface="-apple-system"/>
+                <a:latin typeface="Times New Roman" panose="02020603050405020304" pitchFamily="18" charset="0"/>
+                <a:cs typeface="Times New Roman" panose="02020603050405020304" pitchFamily="18" charset="0"/>
               </a:rPr>
               <a:t>Supports multiple classifiers (Kraken2, </a:t>
             </a:r>
@@ -16104,7 +16966,8 @@
                 <a:solidFill>
                   <a:srgbClr val="1F2328"/>
                 </a:solidFill>
-                <a:latin typeface="-apple-system"/>
+                <a:latin typeface="Times New Roman" panose="02020603050405020304" pitchFamily="18" charset="0"/>
+                <a:cs typeface="Times New Roman" panose="02020603050405020304" pitchFamily="18" charset="0"/>
               </a:rPr>
               <a:t>MetaPhlAn</a:t>
             </a:r>
@@ -16113,7 +16976,8 @@
                 <a:solidFill>
                   <a:srgbClr val="1F2328"/>
                 </a:solidFill>
-                <a:latin typeface="-apple-system"/>
+                <a:latin typeface="Times New Roman" panose="02020603050405020304" pitchFamily="18" charset="0"/>
+                <a:cs typeface="Times New Roman" panose="02020603050405020304" pitchFamily="18" charset="0"/>
               </a:rPr>
               <a:t>, Kaiju, etc.)</a:t>
             </a:r>
@@ -16128,7 +16992,8 @@
                 <a:solidFill>
                   <a:srgbClr val="1F2328"/>
                 </a:solidFill>
-                <a:latin typeface="-apple-system"/>
+                <a:latin typeface="Times New Roman" panose="02020603050405020304" pitchFamily="18" charset="0"/>
+                <a:cs typeface="Times New Roman" panose="02020603050405020304" pitchFamily="18" charset="0"/>
               </a:rPr>
               <a:t>Automatic adaptation to short/long reads</a:t>
             </a:r>
@@ -16138,7 +17003,8 @@
               <a:solidFill>
                 <a:srgbClr val="1F2328"/>
               </a:solidFill>
-              <a:latin typeface="-apple-system"/>
+              <a:latin typeface="Times New Roman" panose="02020603050405020304" pitchFamily="18" charset="0"/>
+              <a:cs typeface="Times New Roman" panose="02020603050405020304" pitchFamily="18" charset="0"/>
             </a:endParaRPr>
           </a:p>
           <a:p>
@@ -16147,7 +17013,8 @@
                 <a:solidFill>
                   <a:srgbClr val="1F2328"/>
                 </a:solidFill>
-                <a:latin typeface="-apple-system"/>
+                <a:latin typeface="Times New Roman" panose="02020603050405020304" pitchFamily="18" charset="0"/>
+                <a:cs typeface="Times New Roman" panose="02020603050405020304" pitchFamily="18" charset="0"/>
               </a:rPr>
               <a:t>Read Compatibility</a:t>
             </a:r>
@@ -16156,7 +17023,8 @@
                 <a:solidFill>
                   <a:srgbClr val="1F2328"/>
                 </a:solidFill>
-                <a:latin typeface="-apple-system"/>
+                <a:latin typeface="Times New Roman" panose="02020603050405020304" pitchFamily="18" charset="0"/>
+                <a:cs typeface="Times New Roman" panose="02020603050405020304" pitchFamily="18" charset="0"/>
               </a:rPr>
               <a:t>: </a:t>
             </a:r>
@@ -16165,7 +17033,8 @@
                 <a:solidFill>
                   <a:srgbClr val="00B050"/>
                 </a:solidFill>
-                <a:latin typeface="-apple-system"/>
+                <a:latin typeface="Times New Roman" panose="02020603050405020304" pitchFamily="18" charset="0"/>
+                <a:cs typeface="Times New Roman" panose="02020603050405020304" pitchFamily="18" charset="0"/>
               </a:rPr>
               <a:t>✅</a:t>
             </a:r>
@@ -16174,7 +17043,8 @@
                 <a:solidFill>
                   <a:srgbClr val="1F2328"/>
                 </a:solidFill>
-                <a:latin typeface="-apple-system"/>
+                <a:latin typeface="Times New Roman" panose="02020603050405020304" pitchFamily="18" charset="0"/>
+                <a:cs typeface="Times New Roman" panose="02020603050405020304" pitchFamily="18" charset="0"/>
               </a:rPr>
               <a:t> Fully Compatible</a:t>
             </a:r>
@@ -16184,7 +17054,8 @@
               <a:solidFill>
                 <a:srgbClr val="1F2328"/>
               </a:solidFill>
-              <a:latin typeface="-apple-system"/>
+              <a:latin typeface="Times New Roman" panose="02020603050405020304" pitchFamily="18" charset="0"/>
+              <a:cs typeface="Times New Roman" panose="02020603050405020304" pitchFamily="18" charset="0"/>
             </a:endParaRPr>
           </a:p>
           <a:p>
@@ -16193,7 +17064,8 @@
                 <a:solidFill>
                   <a:srgbClr val="1F2328"/>
                 </a:solidFill>
-                <a:latin typeface="-apple-system"/>
+                <a:latin typeface="Times New Roman" panose="02020603050405020304" pitchFamily="18" charset="0"/>
+                <a:cs typeface="Times New Roman" panose="02020603050405020304" pitchFamily="18" charset="0"/>
               </a:rPr>
               <a:t>Usage Recommendations</a:t>
             </a:r>
@@ -16202,7 +17074,8 @@
                 <a:solidFill>
                   <a:srgbClr val="1F2328"/>
                 </a:solidFill>
-                <a:latin typeface="-apple-system"/>
+                <a:latin typeface="Times New Roman" panose="02020603050405020304" pitchFamily="18" charset="0"/>
+                <a:cs typeface="Times New Roman" panose="02020603050405020304" pitchFamily="18" charset="0"/>
               </a:rPr>
               <a:t>:</a:t>
             </a:r>
@@ -16217,7 +17090,8 @@
                 <a:solidFill>
                   <a:srgbClr val="1F2328"/>
                 </a:solidFill>
-                <a:latin typeface="-apple-system"/>
+                <a:latin typeface="Times New Roman" panose="02020603050405020304" pitchFamily="18" charset="0"/>
+                <a:cs typeface="Times New Roman" panose="02020603050405020304" pitchFamily="18" charset="0"/>
               </a:rPr>
               <a:t>Broad screening </a:t>
             </a:r>
@@ -16226,7 +17100,8 @@
                 <a:solidFill>
                   <a:srgbClr val="00B050"/>
                 </a:solidFill>
-                <a:latin typeface="-apple-system"/>
+                <a:latin typeface="Times New Roman" panose="02020603050405020304" pitchFamily="18" charset="0"/>
+                <a:cs typeface="Times New Roman" panose="02020603050405020304" pitchFamily="18" charset="0"/>
               </a:rPr>
               <a:t>→</a:t>
             </a:r>
@@ -16235,7 +17110,8 @@
                 <a:solidFill>
                   <a:srgbClr val="1F2328"/>
                 </a:solidFill>
-                <a:latin typeface="-apple-system"/>
+                <a:latin typeface="Times New Roman" panose="02020603050405020304" pitchFamily="18" charset="0"/>
+                <a:cs typeface="Times New Roman" panose="02020603050405020304" pitchFamily="18" charset="0"/>
               </a:rPr>
               <a:t> Priority use</a:t>
             </a:r>
@@ -16250,7 +17126,8 @@
                 <a:solidFill>
                   <a:srgbClr val="1F2328"/>
                 </a:solidFill>
-                <a:latin typeface="-apple-system"/>
+                <a:latin typeface="Times New Roman" panose="02020603050405020304" pitchFamily="18" charset="0"/>
+                <a:cs typeface="Times New Roman" panose="02020603050405020304" pitchFamily="18" charset="0"/>
               </a:rPr>
               <a:t>High-confidence list </a:t>
             </a:r>
@@ -16259,7 +17136,8 @@
                 <a:solidFill>
                   <a:srgbClr val="00B050"/>
                 </a:solidFill>
-                <a:latin typeface="-apple-system"/>
+                <a:latin typeface="Times New Roman" panose="02020603050405020304" pitchFamily="18" charset="0"/>
+                <a:cs typeface="Times New Roman" panose="02020603050405020304" pitchFamily="18" charset="0"/>
               </a:rPr>
               <a:t>→</a:t>
             </a:r>
@@ -16268,7 +17146,8 @@
                 <a:solidFill>
                   <a:srgbClr val="1F2328"/>
                 </a:solidFill>
-                <a:latin typeface="-apple-system"/>
+                <a:latin typeface="Times New Roman" panose="02020603050405020304" pitchFamily="18" charset="0"/>
+                <a:cs typeface="Times New Roman" panose="02020603050405020304" pitchFamily="18" charset="0"/>
               </a:rPr>
               <a:t> Need to apply consensus/threshold strategies</a:t>
             </a:r>
@@ -16277,7 +17156,8 @@
                 <a:srgbClr val="1F2328"/>
               </a:solidFill>
               <a:effectLst/>
-              <a:latin typeface="-apple-system"/>
+              <a:latin typeface="Times New Roman" panose="02020603050405020304" pitchFamily="18" charset="0"/>
+              <a:cs typeface="Times New Roman" panose="02020603050405020304" pitchFamily="18" charset="0"/>
             </a:endParaRPr>
           </a:p>
         </p:txBody>
@@ -16394,7 +17274,8 @@
                 <a:solidFill>
                   <a:srgbClr val="1F2328"/>
                 </a:solidFill>
-                <a:latin typeface="-apple-system"/>
+                <a:latin typeface="Times New Roman" panose="02020603050405020304" pitchFamily="18" charset="0"/>
+                <a:cs typeface="Times New Roman" panose="02020603050405020304" pitchFamily="18" charset="0"/>
               </a:rPr>
               <a:t>Positioning</a:t>
             </a:r>
@@ -16403,7 +17284,8 @@
                 <a:solidFill>
                   <a:srgbClr val="1F2328"/>
                 </a:solidFill>
-                <a:latin typeface="-apple-system"/>
+                <a:latin typeface="Times New Roman" panose="02020603050405020304" pitchFamily="18" charset="0"/>
+                <a:cs typeface="Times New Roman" panose="02020603050405020304" pitchFamily="18" charset="0"/>
               </a:rPr>
               <a:t>: High-specificity classification based on unique signature fragments</a:t>
             </a:r>
@@ -16413,7 +17295,8 @@
               <a:solidFill>
                 <a:srgbClr val="1F2328"/>
               </a:solidFill>
-              <a:latin typeface="-apple-system"/>
+              <a:latin typeface="Times New Roman" panose="02020603050405020304" pitchFamily="18" charset="0"/>
+              <a:cs typeface="Times New Roman" panose="02020603050405020304" pitchFamily="18" charset="0"/>
             </a:endParaRPr>
           </a:p>
           <a:p>
@@ -16422,7 +17305,8 @@
                 <a:solidFill>
                   <a:srgbClr val="1F2328"/>
                 </a:solidFill>
-                <a:latin typeface="-apple-system"/>
+                <a:latin typeface="Times New Roman" panose="02020603050405020304" pitchFamily="18" charset="0"/>
+                <a:cs typeface="Times New Roman" panose="02020603050405020304" pitchFamily="18" charset="0"/>
               </a:rPr>
               <a:t>Core Concept</a:t>
             </a:r>
@@ -16431,7 +17315,8 @@
                 <a:solidFill>
                   <a:srgbClr val="1F2328"/>
                 </a:solidFill>
-                <a:latin typeface="-apple-system"/>
+                <a:latin typeface="Times New Roman" panose="02020603050405020304" pitchFamily="18" charset="0"/>
+                <a:cs typeface="Times New Roman" panose="02020603050405020304" pitchFamily="18" charset="0"/>
               </a:rPr>
               <a:t>: Only reports when hitting species-specific regions</a:t>
             </a:r>
@@ -16441,7 +17326,8 @@
               <a:solidFill>
                 <a:srgbClr val="1F2328"/>
               </a:solidFill>
-              <a:latin typeface="-apple-system"/>
+              <a:latin typeface="Times New Roman" panose="02020603050405020304" pitchFamily="18" charset="0"/>
+              <a:cs typeface="Times New Roman" panose="02020603050405020304" pitchFamily="18" charset="0"/>
             </a:endParaRPr>
           </a:p>
           <a:p>
@@ -16450,7 +17336,8 @@
                 <a:solidFill>
                   <a:srgbClr val="1F2328"/>
                 </a:solidFill>
-                <a:latin typeface="-apple-system"/>
+                <a:latin typeface="Times New Roman" panose="02020603050405020304" pitchFamily="18" charset="0"/>
+                <a:cs typeface="Times New Roman" panose="02020603050405020304" pitchFamily="18" charset="0"/>
               </a:rPr>
               <a:t>Read Compatibility</a:t>
             </a:r>
@@ -16459,7 +17346,8 @@
                 <a:solidFill>
                   <a:srgbClr val="1F2328"/>
                 </a:solidFill>
-                <a:latin typeface="-apple-system"/>
+                <a:latin typeface="Times New Roman" panose="02020603050405020304" pitchFamily="18" charset="0"/>
+                <a:cs typeface="Times New Roman" panose="02020603050405020304" pitchFamily="18" charset="0"/>
               </a:rPr>
               <a:t>: </a:t>
             </a:r>
@@ -16468,7 +17356,8 @@
                 <a:solidFill>
                   <a:srgbClr val="00B050"/>
                 </a:solidFill>
-                <a:latin typeface="-apple-system"/>
+                <a:latin typeface="Times New Roman" panose="02020603050405020304" pitchFamily="18" charset="0"/>
+                <a:cs typeface="Times New Roman" panose="02020603050405020304" pitchFamily="18" charset="0"/>
               </a:rPr>
               <a:t>✅</a:t>
             </a:r>
@@ -16477,7 +17366,8 @@
                 <a:solidFill>
                   <a:srgbClr val="1F2328"/>
                 </a:solidFill>
-                <a:latin typeface="-apple-system"/>
+                <a:latin typeface="Times New Roman" panose="02020603050405020304" pitchFamily="18" charset="0"/>
+                <a:cs typeface="Times New Roman" panose="02020603050405020304" pitchFamily="18" charset="0"/>
               </a:rPr>
               <a:t> Compatible (Minimap2 friendly to long reads)</a:t>
             </a:r>
@@ -16487,7 +17377,8 @@
               <a:solidFill>
                 <a:srgbClr val="1F2328"/>
               </a:solidFill>
-              <a:latin typeface="-apple-system"/>
+              <a:latin typeface="Times New Roman" panose="02020603050405020304" pitchFamily="18" charset="0"/>
+              <a:cs typeface="Times New Roman" panose="02020603050405020304" pitchFamily="18" charset="0"/>
             </a:endParaRPr>
           </a:p>
           <a:p>
@@ -16496,7 +17387,8 @@
                 <a:solidFill>
                   <a:srgbClr val="1F2328"/>
                 </a:solidFill>
-                <a:latin typeface="-apple-system"/>
+                <a:latin typeface="Times New Roman" panose="02020603050405020304" pitchFamily="18" charset="0"/>
+                <a:cs typeface="Times New Roman" panose="02020603050405020304" pitchFamily="18" charset="0"/>
               </a:rPr>
               <a:t>Advantages</a:t>
             </a:r>
@@ -16505,7 +17397,8 @@
                 <a:solidFill>
                   <a:srgbClr val="1F2328"/>
                 </a:solidFill>
-                <a:latin typeface="-apple-system"/>
+                <a:latin typeface="Times New Roman" panose="02020603050405020304" pitchFamily="18" charset="0"/>
+                <a:cs typeface="Times New Roman" panose="02020603050405020304" pitchFamily="18" charset="0"/>
               </a:rPr>
               <a:t>: Extremely low false positive rate</a:t>
             </a:r>
@@ -16515,7 +17408,8 @@
               <a:solidFill>
                 <a:srgbClr val="1F2328"/>
               </a:solidFill>
-              <a:latin typeface="-apple-system"/>
+              <a:latin typeface="Times New Roman" panose="02020603050405020304" pitchFamily="18" charset="0"/>
+              <a:cs typeface="Times New Roman" panose="02020603050405020304" pitchFamily="18" charset="0"/>
             </a:endParaRPr>
           </a:p>
           <a:p>
@@ -16524,7 +17418,8 @@
                 <a:solidFill>
                   <a:srgbClr val="1F2328"/>
                 </a:solidFill>
-                <a:latin typeface="-apple-system"/>
+                <a:latin typeface="Times New Roman" panose="02020603050405020304" pitchFamily="18" charset="0"/>
+                <a:cs typeface="Times New Roman" panose="02020603050405020304" pitchFamily="18" charset="0"/>
               </a:rPr>
               <a:t>Limitations</a:t>
             </a:r>
@@ -16533,7 +17428,8 @@
                 <a:solidFill>
                   <a:srgbClr val="1F2328"/>
                 </a:solidFill>
-                <a:latin typeface="-apple-system"/>
+                <a:latin typeface="Times New Roman" panose="02020603050405020304" pitchFamily="18" charset="0"/>
+                <a:cs typeface="Times New Roman" panose="02020603050405020304" pitchFamily="18" charset="0"/>
               </a:rPr>
               <a:t>: May miss extremely low abundance, database-missing targets</a:t>
             </a:r>
@@ -16543,7 +17439,8 @@
               <a:solidFill>
                 <a:srgbClr val="1F2328"/>
               </a:solidFill>
-              <a:latin typeface="-apple-system"/>
+              <a:latin typeface="Times New Roman" panose="02020603050405020304" pitchFamily="18" charset="0"/>
+              <a:cs typeface="Times New Roman" panose="02020603050405020304" pitchFamily="18" charset="0"/>
             </a:endParaRPr>
           </a:p>
           <a:p>
@@ -16552,7 +17449,8 @@
                 <a:solidFill>
                   <a:srgbClr val="1F2328"/>
                 </a:solidFill>
-                <a:latin typeface="-apple-system"/>
+                <a:latin typeface="Times New Roman" panose="02020603050405020304" pitchFamily="18" charset="0"/>
+                <a:cs typeface="Times New Roman" panose="02020603050405020304" pitchFamily="18" charset="0"/>
               </a:rPr>
               <a:t>Usage Recommendation</a:t>
             </a:r>
@@ -16561,7 +17459,8 @@
                 <a:solidFill>
                   <a:srgbClr val="1F2328"/>
                 </a:solidFill>
-                <a:latin typeface="-apple-system"/>
+                <a:latin typeface="Times New Roman" panose="02020603050405020304" pitchFamily="18" charset="0"/>
+                <a:cs typeface="Times New Roman" panose="02020603050405020304" pitchFamily="18" charset="0"/>
               </a:rPr>
               <a:t>: Use as "secondary confirmation" tool</a:t>
             </a:r>
@@ -16570,7 +17469,8 @@
                 <a:srgbClr val="1F2328"/>
               </a:solidFill>
               <a:effectLst/>
-              <a:latin typeface="-apple-system"/>
+              <a:latin typeface="Times New Roman" panose="02020603050405020304" pitchFamily="18" charset="0"/>
+              <a:cs typeface="Times New Roman" panose="02020603050405020304" pitchFamily="18" charset="0"/>
             </a:endParaRPr>
           </a:p>
         </p:txBody>

--- a/Wastewater Metagenomic Viral Detection Tool Assessment-1218.pptx
+++ b/Wastewater Metagenomic Viral Detection Tool Assessment-1218.pptx
@@ -329,7 +329,7 @@
           <a:p>
             <a:fld id="{5BCAD085-E8A6-8845-BD4E-CB4CCA059FC4}" type="datetimeFigureOut">
               <a:rPr lang="en-US" smtClean="0"/>
-              <a:t>12/16/2025</a:t>
+              <a:t>12/17/2025</a:t>
             </a:fld>
             <a:endParaRPr lang="en-US"/>
           </a:p>
@@ -497,7 +497,7 @@
           <a:p>
             <a:fld id="{5BCAD085-E8A6-8845-BD4E-CB4CCA059FC4}" type="datetimeFigureOut">
               <a:rPr lang="en-US" smtClean="0"/>
-              <a:t>12/16/2025</a:t>
+              <a:t>12/17/2025</a:t>
             </a:fld>
             <a:endParaRPr lang="en-US"/>
           </a:p>
@@ -675,7 +675,7 @@
           <a:p>
             <a:fld id="{5BCAD085-E8A6-8845-BD4E-CB4CCA059FC4}" type="datetimeFigureOut">
               <a:rPr lang="en-US" smtClean="0"/>
-              <a:t>12/16/2025</a:t>
+              <a:t>12/17/2025</a:t>
             </a:fld>
             <a:endParaRPr lang="en-US"/>
           </a:p>
@@ -843,7 +843,7 @@
           <a:p>
             <a:fld id="{5BCAD085-E8A6-8845-BD4E-CB4CCA059FC4}" type="datetimeFigureOut">
               <a:rPr lang="en-US" smtClean="0"/>
-              <a:t>12/16/2025</a:t>
+              <a:t>12/17/2025</a:t>
             </a:fld>
             <a:endParaRPr lang="en-US"/>
           </a:p>
@@ -1088,7 +1088,7 @@
           <a:p>
             <a:fld id="{5BCAD085-E8A6-8845-BD4E-CB4CCA059FC4}" type="datetimeFigureOut">
               <a:rPr lang="en-US" smtClean="0"/>
-              <a:t>12/16/2025</a:t>
+              <a:t>12/17/2025</a:t>
             </a:fld>
             <a:endParaRPr lang="en-US"/>
           </a:p>
@@ -1373,7 +1373,7 @@
           <a:p>
             <a:fld id="{5BCAD085-E8A6-8845-BD4E-CB4CCA059FC4}" type="datetimeFigureOut">
               <a:rPr lang="en-US" smtClean="0"/>
-              <a:t>12/16/2025</a:t>
+              <a:t>12/17/2025</a:t>
             </a:fld>
             <a:endParaRPr lang="en-US"/>
           </a:p>
@@ -1792,7 +1792,7 @@
           <a:p>
             <a:fld id="{5BCAD085-E8A6-8845-BD4E-CB4CCA059FC4}" type="datetimeFigureOut">
               <a:rPr lang="en-US" smtClean="0"/>
-              <a:t>12/16/2025</a:t>
+              <a:t>12/17/2025</a:t>
             </a:fld>
             <a:endParaRPr lang="en-US"/>
           </a:p>
@@ -1909,7 +1909,7 @@
           <a:p>
             <a:fld id="{5BCAD085-E8A6-8845-BD4E-CB4CCA059FC4}" type="datetimeFigureOut">
               <a:rPr lang="en-US" smtClean="0"/>
-              <a:t>12/16/2025</a:t>
+              <a:t>12/17/2025</a:t>
             </a:fld>
             <a:endParaRPr lang="en-US"/>
           </a:p>
@@ -2004,7 +2004,7 @@
           <a:p>
             <a:fld id="{5BCAD085-E8A6-8845-BD4E-CB4CCA059FC4}" type="datetimeFigureOut">
               <a:rPr lang="en-US" smtClean="0"/>
-              <a:t>12/16/2025</a:t>
+              <a:t>12/17/2025</a:t>
             </a:fld>
             <a:endParaRPr lang="en-US"/>
           </a:p>
@@ -2279,7 +2279,7 @@
           <a:p>
             <a:fld id="{5BCAD085-E8A6-8845-BD4E-CB4CCA059FC4}" type="datetimeFigureOut">
               <a:rPr lang="en-US" smtClean="0"/>
-              <a:t>12/16/2025</a:t>
+              <a:t>12/17/2025</a:t>
             </a:fld>
             <a:endParaRPr lang="en-US"/>
           </a:p>
@@ -2531,7 +2531,7 @@
           <a:p>
             <a:fld id="{5BCAD085-E8A6-8845-BD4E-CB4CCA059FC4}" type="datetimeFigureOut">
               <a:rPr lang="en-US" smtClean="0"/>
-              <a:t>12/16/2025</a:t>
+              <a:t>12/17/2025</a:t>
             </a:fld>
             <a:endParaRPr lang="en-US"/>
           </a:p>
@@ -2742,7 +2742,7 @@
           <a:p>
             <a:fld id="{5BCAD085-E8A6-8845-BD4E-CB4CCA059FC4}" type="datetimeFigureOut">
               <a:rPr lang="en-US" smtClean="0"/>
-              <a:t>12/16/2025</a:t>
+              <a:t>12/17/2025</a:t>
             </a:fld>
             <a:endParaRPr lang="en-US"/>
           </a:p>
@@ -3431,7 +3431,7 @@
             </a:r>
           </a:p>
           <a:p>
-            <a:pPr>
+            <a:pPr marL="274320">
               <a:buFont typeface="Arial" panose="020B0604020202020204" pitchFamily="34" charset="0"/>
               <a:buChar char="•"/>
             </a:pPr>
@@ -3447,7 +3447,7 @@
             </a:r>
           </a:p>
           <a:p>
-            <a:pPr>
+            <a:pPr marL="274320">
               <a:buFont typeface="Arial" panose="020B0604020202020204" pitchFamily="34" charset="0"/>
               <a:buChar char="•"/>
             </a:pPr>
@@ -3563,7 +3563,7 @@
             </a:r>
           </a:p>
           <a:p>
-            <a:pPr>
+            <a:pPr marL="274320">
               <a:buFont typeface="Arial" panose="020B0604020202020204" pitchFamily="34" charset="0"/>
               <a:buChar char="•"/>
             </a:pPr>
@@ -3579,7 +3579,7 @@
             </a:r>
           </a:p>
           <a:p>
-            <a:pPr>
+            <a:pPr marL="274320">
               <a:buFont typeface="Arial" panose="020B0604020202020204" pitchFamily="34" charset="0"/>
               <a:buChar char="•"/>
             </a:pPr>
@@ -3920,7 +3920,7 @@
             </a:r>
           </a:p>
           <a:p>
-            <a:pPr>
+            <a:pPr marL="457200">
               <a:buFont typeface="Arial" panose="020B0604020202020204" pitchFamily="34" charset="0"/>
               <a:buChar char="•"/>
             </a:pPr>
@@ -3936,7 +3936,7 @@
             </a:r>
           </a:p>
           <a:p>
-            <a:pPr>
+            <a:pPr marL="457200">
               <a:buFont typeface="Arial" panose="020B0604020202020204" pitchFamily="34" charset="0"/>
               <a:buChar char="•"/>
             </a:pPr>
@@ -3970,13 +3970,6 @@
               </a:rPr>
               <a:t> matching</a:t>
             </a:r>
-            <a:endParaRPr lang="en-US" sz="2000" b="1" dirty="0">
-              <a:solidFill>
-                <a:srgbClr val="1F2328"/>
-              </a:solidFill>
-              <a:latin typeface="Times New Roman" panose="02020603050405020304" pitchFamily="18" charset="0"/>
-              <a:cs typeface="Times New Roman" panose="02020603050405020304" pitchFamily="18" charset="0"/>
-            </a:endParaRPr>
           </a:p>
           <a:p>
             <a:r>
@@ -4225,7 +4218,7 @@
             </a:r>
           </a:p>
           <a:p>
-            <a:pPr>
+            <a:pPr marL="365760">
               <a:buFont typeface="Arial" panose="020B0604020202020204" pitchFamily="34" charset="0"/>
               <a:buChar char="•"/>
             </a:pPr>
@@ -4251,7 +4244,7 @@
             </a:r>
           </a:p>
           <a:p>
-            <a:pPr>
+            <a:pPr marL="365760">
               <a:buFont typeface="Arial" panose="020B0604020202020204" pitchFamily="34" charset="0"/>
               <a:buChar char="•"/>
             </a:pPr>
@@ -4277,7 +4270,7 @@
             </a:r>
           </a:p>
           <a:p>
-            <a:pPr>
+            <a:pPr marL="365760">
               <a:buFont typeface="Arial" panose="020B0604020202020204" pitchFamily="34" charset="0"/>
               <a:buChar char="•"/>
             </a:pPr>
@@ -4567,7 +4560,7 @@
             </a:r>
           </a:p>
           <a:p>
-            <a:pPr>
+            <a:pPr marL="365760">
               <a:buFont typeface="Arial" panose="020B0604020202020204" pitchFamily="34" charset="0"/>
               <a:buChar char="•"/>
             </a:pPr>
@@ -4583,7 +4576,7 @@
             </a:r>
           </a:p>
           <a:p>
-            <a:pPr>
+            <a:pPr marL="365760">
               <a:buFont typeface="Arial" panose="020B0604020202020204" pitchFamily="34" charset="0"/>
               <a:buChar char="•"/>
             </a:pPr>
@@ -4599,7 +4592,7 @@
             </a:r>
           </a:p>
           <a:p>
-            <a:pPr>
+            <a:pPr marL="365760">
               <a:buFont typeface="Arial" panose="020B0604020202020204" pitchFamily="34" charset="0"/>
               <a:buChar char="•"/>
             </a:pPr>
@@ -5281,6 +5274,7 @@
             </a:r>
           </a:p>
           <a:p>
+            <a:pPr marL="457200"/>
             <a:r>
               <a:rPr lang="en-US" dirty="0">
                 <a:latin typeface="Times New Roman" panose="02020603050405020304" pitchFamily="18" charset="0"/>
@@ -5290,6 +5284,7 @@
             </a:r>
           </a:p>
           <a:p>
+            <a:pPr marL="457200"/>
             <a:r>
               <a:rPr lang="en-US" dirty="0">
                 <a:latin typeface="Times New Roman" panose="02020603050405020304" pitchFamily="18" charset="0"/>
@@ -5327,6 +5322,7 @@
             </a:r>
           </a:p>
           <a:p>
+            <a:pPr marL="457200"/>
             <a:r>
               <a:rPr lang="en-US" dirty="0">
                 <a:latin typeface="Times New Roman" panose="02020603050405020304" pitchFamily="18" charset="0"/>
@@ -5336,6 +5332,7 @@
             </a:r>
           </a:p>
           <a:p>
+            <a:pPr marL="457200"/>
             <a:r>
               <a:rPr lang="en-US" dirty="0">
                 <a:latin typeface="Times New Roman" panose="02020603050405020304" pitchFamily="18" charset="0"/>
@@ -5504,6 +5501,7 @@
             </a:r>
           </a:p>
           <a:p>
+            <a:pPr marL="457200"/>
             <a:r>
               <a:rPr lang="en-US" dirty="0">
                 <a:latin typeface="Times New Roman" panose="02020603050405020304" pitchFamily="18" charset="0"/>
@@ -5513,6 +5511,7 @@
             </a:r>
           </a:p>
           <a:p>
+            <a:pPr marL="457200"/>
             <a:r>
               <a:rPr lang="en-US" dirty="0">
                 <a:latin typeface="Times New Roman" panose="02020603050405020304" pitchFamily="18" charset="0"/>
@@ -5550,6 +5549,7 @@
             </a:r>
           </a:p>
           <a:p>
+            <a:pPr marL="457200"/>
             <a:r>
               <a:rPr lang="en-US" dirty="0">
                 <a:latin typeface="Times New Roman" panose="02020603050405020304" pitchFamily="18" charset="0"/>
@@ -5608,6 +5608,7 @@
             </a:r>
           </a:p>
           <a:p>
+            <a:pPr marL="457200"/>
             <a:r>
               <a:rPr lang="en-US" dirty="0" err="1">
                 <a:latin typeface="Times New Roman" panose="02020603050405020304" pitchFamily="18" charset="0"/>
@@ -5638,6 +5639,7 @@
             </a:r>
           </a:p>
           <a:p>
+            <a:pPr marL="457200"/>
             <a:r>
               <a:rPr lang="en-US" dirty="0">
                 <a:latin typeface="Times New Roman" panose="02020603050405020304" pitchFamily="18" charset="0"/>
@@ -5751,6 +5753,7 @@
             </a:r>
           </a:p>
           <a:p>
+            <a:pPr marL="548640"/>
             <a:r>
               <a:rPr lang="en-US" b="1" dirty="0">
                 <a:latin typeface="Times New Roman" panose="02020603050405020304" pitchFamily="18" charset="0"/>
@@ -5795,6 +5798,7 @@
             </a:r>
           </a:p>
           <a:p>
+            <a:pPr marL="548640"/>
             <a:r>
               <a:rPr lang="en-US" dirty="0">
                 <a:latin typeface="Times New Roman" panose="02020603050405020304" pitchFamily="18" charset="0"/>
@@ -5832,6 +5836,7 @@
             </a:r>
           </a:p>
           <a:p>
+            <a:pPr marL="548640"/>
             <a:r>
               <a:rPr lang="en-US" dirty="0">
                 <a:latin typeface="Times New Roman" panose="02020603050405020304" pitchFamily="18" charset="0"/>
@@ -5876,6 +5881,7 @@
             </a:r>
           </a:p>
           <a:p>
+            <a:pPr marL="548640"/>
             <a:r>
               <a:rPr lang="en-US" b="1" dirty="0">
                 <a:latin typeface="Times New Roman" panose="02020603050405020304" pitchFamily="18" charset="0"/>
@@ -5892,6 +5898,7 @@
             </a:r>
           </a:p>
           <a:p>
+            <a:pPr marL="548640"/>
             <a:r>
               <a:rPr lang="en-US" b="1" dirty="0">
                 <a:latin typeface="Times New Roman" panose="02020603050405020304" pitchFamily="18" charset="0"/>
@@ -6037,6 +6044,7 @@
             </a:r>
           </a:p>
           <a:p>
+            <a:pPr marL="548640"/>
             <a:r>
               <a:rPr lang="en-US" sz="4200" dirty="0" err="1">
                 <a:latin typeface="Times New Roman" panose="02020603050405020304" pitchFamily="18" charset="0"/>
@@ -6053,6 +6061,7 @@
             </a:r>
           </a:p>
           <a:p>
+            <a:pPr marL="548640"/>
             <a:r>
               <a:rPr lang="en-US" sz="4200" dirty="0" err="1">
                 <a:latin typeface="Times New Roman" panose="02020603050405020304" pitchFamily="18" charset="0"/>
@@ -6069,6 +6078,7 @@
             </a:r>
           </a:p>
           <a:p>
+            <a:pPr marL="548640"/>
             <a:r>
               <a:rPr lang="en-US" sz="4200" dirty="0">
                 <a:latin typeface="Times New Roman" panose="02020603050405020304" pitchFamily="18" charset="0"/>
@@ -6117,6 +6127,7 @@
             </a:r>
           </a:p>
           <a:p>
+            <a:pPr marL="548640"/>
             <a:r>
               <a:rPr lang="en-US" sz="4200" dirty="0">
                 <a:latin typeface="Times New Roman" panose="02020603050405020304" pitchFamily="18" charset="0"/>
@@ -6154,6 +6165,7 @@
             </a:r>
           </a:p>
           <a:p>
+            <a:pPr marL="548640"/>
             <a:r>
               <a:rPr lang="en-US" sz="4200" dirty="0">
                 <a:latin typeface="Times New Roman" panose="02020603050405020304" pitchFamily="18" charset="0"/>
@@ -6195,6 +6207,7 @@
             </a:endParaRPr>
           </a:p>
           <a:p>
+            <a:pPr marL="548640"/>
             <a:r>
               <a:rPr lang="en-US" sz="4200" b="1" dirty="0">
                 <a:latin typeface="Times New Roman" panose="02020603050405020304" pitchFamily="18" charset="0"/>
@@ -6239,6 +6252,7 @@
             </a:r>
           </a:p>
           <a:p>
+            <a:pPr marL="548640"/>
             <a:r>
               <a:rPr lang="en-US" sz="4200" b="1" dirty="0">
                 <a:latin typeface="Times New Roman" panose="02020603050405020304" pitchFamily="18" charset="0"/>
@@ -6421,7 +6435,7 @@
             </a:r>
           </a:p>
           <a:p>
-            <a:pPr marL="0" indent="0">
+            <a:pPr marL="274320" indent="0">
               <a:buNone/>
             </a:pPr>
             <a:r>
@@ -6478,7 +6492,7 @@
             </a:r>
           </a:p>
           <a:p>
-            <a:pPr marL="0" indent="0">
+            <a:pPr marL="274320" indent="0">
               <a:buNone/>
             </a:pPr>
             <a:r>
@@ -6511,7 +6525,7 @@
             </a:endParaRPr>
           </a:p>
           <a:p>
-            <a:pPr marL="0" indent="0">
+            <a:pPr marL="274320" indent="0">
               <a:buNone/>
             </a:pPr>
             <a:r>
@@ -6544,7 +6558,7 @@
             </a:endParaRPr>
           </a:p>
           <a:p>
-            <a:pPr marL="0" indent="0">
+            <a:pPr marL="274320" indent="0">
               <a:buNone/>
             </a:pPr>
             <a:r>
@@ -6605,6 +6619,7 @@
             </a:r>
           </a:p>
           <a:p>
+            <a:pPr marL="548640"/>
             <a:r>
               <a:rPr lang="en-US" dirty="0">
                 <a:latin typeface="Times New Roman" panose="02020603050405020304" pitchFamily="18" charset="0"/>
@@ -6614,6 +6629,7 @@
             </a:r>
           </a:p>
           <a:p>
+            <a:pPr marL="548640"/>
             <a:r>
               <a:rPr lang="en-US" dirty="0">
                 <a:latin typeface="Times New Roman" panose="02020603050405020304" pitchFamily="18" charset="0"/>
@@ -6749,6 +6765,7 @@
             </a:r>
           </a:p>
           <a:p>
+            <a:pPr marL="548640"/>
             <a:r>
               <a:rPr lang="en-US" dirty="0">
                 <a:solidFill>
@@ -6796,6 +6813,7 @@
             </a:r>
           </a:p>
           <a:p>
+            <a:pPr marL="548640"/>
             <a:r>
               <a:rPr lang="en-US" dirty="0">
                 <a:solidFill>
@@ -6815,6 +6833,7 @@
             </a:r>
           </a:p>
           <a:p>
+            <a:pPr marL="548640"/>
             <a:r>
               <a:rPr lang="en-US" dirty="0">
                 <a:solidFill>
@@ -7105,7 +7124,7 @@
                 <a:latin typeface="Times New Roman" panose="02020603050405020304" pitchFamily="18" charset="0"/>
                 <a:cs typeface="Times New Roman" panose="02020603050405020304" pitchFamily="18" charset="0"/>
               </a:rPr>
-              <a:t>     - Viral hallmark genes</a:t>
+              <a:t>      - Viral hallmark genes</a:t>
             </a:r>
           </a:p>
           <a:p>
@@ -7117,7 +7136,7 @@
                 <a:latin typeface="Times New Roman" panose="02020603050405020304" pitchFamily="18" charset="0"/>
                 <a:cs typeface="Times New Roman" panose="02020603050405020304" pitchFamily="18" charset="0"/>
               </a:rPr>
-              <a:t>    - DIAMOND/RVDB or VirSorter2/</a:t>
+              <a:t>      - DIAMOND/RVDB or VirSorter2/</a:t>
             </a:r>
             <a:r>
               <a:rPr lang="en-US" sz="2900" dirty="0" err="1">
@@ -12139,7 +12158,7 @@
             </a:r>
           </a:p>
           <a:p>
-            <a:pPr>
+            <a:pPr marL="548640">
               <a:buFont typeface="Arial" panose="020B0604020202020204" pitchFamily="34" charset="0"/>
               <a:buChar char="•"/>
             </a:pPr>
@@ -12159,7 +12178,7 @@
             </a:r>
           </a:p>
           <a:p>
-            <a:pPr>
+            <a:pPr marL="548640">
               <a:buFont typeface="Arial" panose="020B0604020202020204" pitchFamily="34" charset="0"/>
               <a:buChar char="•"/>
             </a:pPr>
@@ -12200,6 +12219,7 @@
             </a:r>
           </a:p>
           <a:p>
+            <a:pPr marL="548640"/>
             <a:r>
               <a:rPr lang="en-US" dirty="0" err="1">
                 <a:latin typeface="Times New Roman" panose="02020603050405020304" pitchFamily="18" charset="0"/>
@@ -12216,6 +12236,7 @@
             </a:r>
           </a:p>
           <a:p>
+            <a:pPr marL="548640"/>
             <a:r>
               <a:rPr lang="en-US" dirty="0">
                 <a:latin typeface="Times New Roman" panose="02020603050405020304" pitchFamily="18" charset="0"/>
@@ -12225,6 +12246,7 @@
             </a:r>
           </a:p>
           <a:p>
+            <a:pPr marL="548640"/>
             <a:r>
               <a:rPr lang="en-US" dirty="0">
                 <a:latin typeface="Times New Roman" panose="02020603050405020304" pitchFamily="18" charset="0"/>
@@ -12262,6 +12284,7 @@
             </a:r>
           </a:p>
           <a:p>
+            <a:pPr marL="548640"/>
             <a:r>
               <a:rPr lang="en-US" dirty="0">
                 <a:latin typeface="Times New Roman" panose="02020603050405020304" pitchFamily="18" charset="0"/>
@@ -12271,6 +12294,7 @@
             </a:r>
           </a:p>
           <a:p>
+            <a:pPr marL="548640"/>
             <a:r>
               <a:rPr lang="en-US" dirty="0">
                 <a:latin typeface="Times New Roman" panose="02020603050405020304" pitchFamily="18" charset="0"/>
@@ -14583,7 +14607,7 @@
             </a:r>
           </a:p>
           <a:p>
-            <a:pPr>
+            <a:pPr marL="274320">
               <a:buFont typeface="+mj-lt"/>
               <a:buAutoNum type="arabicPeriod"/>
             </a:pPr>
@@ -14629,7 +14653,7 @@
             </a:r>
           </a:p>
           <a:p>
-            <a:pPr>
+            <a:pPr marL="274320">
               <a:buFont typeface="+mj-lt"/>
               <a:buAutoNum type="arabicPeriod"/>
             </a:pPr>
@@ -14655,7 +14679,7 @@
             </a:r>
           </a:p>
           <a:p>
-            <a:pPr>
+            <a:pPr marL="274320">
               <a:buFont typeface="+mj-lt"/>
               <a:buAutoNum type="arabicPeriod"/>
             </a:pPr>
@@ -14701,7 +14725,7 @@
             </a:r>
           </a:p>
           <a:p>
-            <a:pPr>
+            <a:pPr marL="274320">
               <a:buFont typeface="+mj-lt"/>
               <a:buAutoNum type="arabicPeriod"/>
             </a:pPr>
@@ -14747,7 +14771,7 @@
             </a:r>
           </a:p>
           <a:p>
-            <a:pPr>
+            <a:pPr marL="274320">
               <a:buFont typeface="+mj-lt"/>
               <a:buAutoNum type="arabicPeriod"/>
             </a:pPr>
@@ -14814,7 +14838,7 @@
             </a:r>
           </a:p>
           <a:p>
-            <a:pPr>
+            <a:pPr marL="274320">
               <a:buFont typeface="+mj-lt"/>
               <a:buAutoNum type="arabicPeriod" startAt="6"/>
             </a:pPr>
@@ -14860,7 +14884,7 @@
             </a:r>
           </a:p>
           <a:p>
-            <a:pPr>
+            <a:pPr marL="274320">
               <a:buFont typeface="+mj-lt"/>
               <a:buAutoNum type="arabicPeriod" startAt="6"/>
             </a:pPr>
@@ -14896,7 +14920,7 @@
             </a:r>
           </a:p>
           <a:p>
-            <a:pPr>
+            <a:pPr marL="274320">
               <a:buFont typeface="+mj-lt"/>
               <a:buAutoNum type="arabicPeriod" startAt="6"/>
             </a:pPr>
@@ -15286,7 +15310,7 @@
             </a:endParaRPr>
           </a:p>
           <a:p>
-            <a:pPr marL="0" marR="0" lvl="0" indent="0" algn="l" defTabSz="914400" rtl="0" eaLnBrk="0" fontAlgn="base" latinLnBrk="0" hangingPunct="0">
+            <a:pPr marL="274320" marR="0" lvl="0" indent="0" algn="l" defTabSz="914400" rtl="0" eaLnBrk="0" fontAlgn="base" latinLnBrk="0" hangingPunct="0">
               <a:lnSpc>
                 <a:spcPct val="100000"/>
               </a:lnSpc>
@@ -15334,7 +15358,7 @@
             </a:r>
           </a:p>
           <a:p>
-            <a:pPr marL="0" marR="0" lvl="0" indent="0" algn="l" defTabSz="914400" rtl="0" eaLnBrk="0" fontAlgn="base" latinLnBrk="0" hangingPunct="0">
+            <a:pPr marL="274320" marR="0" lvl="0" indent="0" algn="l" defTabSz="914400" rtl="0" eaLnBrk="0" fontAlgn="base" latinLnBrk="0" hangingPunct="0">
               <a:lnSpc>
                 <a:spcPct val="100000"/>
               </a:lnSpc>
@@ -15471,7 +15495,7 @@
             </a:endParaRPr>
           </a:p>
           <a:p>
-            <a:pPr marL="0" marR="0" lvl="0" indent="0" algn="l" defTabSz="914400" rtl="0" eaLnBrk="0" fontAlgn="base" latinLnBrk="0" hangingPunct="0">
+            <a:pPr marL="274320" marR="0" lvl="0" indent="0" algn="l" defTabSz="914400" rtl="0" eaLnBrk="0" fontAlgn="base" latinLnBrk="0" hangingPunct="0">
               <a:lnSpc>
                 <a:spcPct val="100000"/>
               </a:lnSpc>
@@ -17213,7 +17237,7 @@
             </a:r>
           </a:p>
           <a:p>
-            <a:pPr>
+            <a:pPr marL="274320">
               <a:buFont typeface="Arial" panose="020B0604020202020204" pitchFamily="34" charset="0"/>
               <a:buChar char="•"/>
             </a:pPr>
@@ -17259,7 +17283,7 @@
             </a:r>
           </a:p>
           <a:p>
-            <a:pPr>
+            <a:pPr marL="274320">
               <a:buFont typeface="Arial" panose="020B0604020202020204" pitchFamily="34" charset="0"/>
               <a:buChar char="•"/>
             </a:pPr>
@@ -17295,7 +17319,7 @@
             </a:r>
           </a:p>
           <a:p>
-            <a:pPr>
+            <a:pPr marL="274320">
               <a:buFont typeface="Arial" panose="020B0604020202020204" pitchFamily="34" charset="0"/>
               <a:buChar char="•"/>
             </a:pPr>
@@ -17411,7 +17435,7 @@
             </a:r>
           </a:p>
           <a:p>
-            <a:pPr>
+            <a:pPr marL="274320">
               <a:buFont typeface="Arial" panose="020B0604020202020204" pitchFamily="34" charset="0"/>
               <a:buChar char="•"/>
             </a:pPr>
@@ -17447,7 +17471,7 @@
             </a:r>
           </a:p>
           <a:p>
-            <a:pPr>
+            <a:pPr marL="274320">
               <a:buFont typeface="Arial" panose="020B0604020202020204" pitchFamily="34" charset="0"/>
               <a:buChar char="•"/>
             </a:pPr>

--- a/Wastewater Metagenomic Viral Detection Tool Assessment-1218.pptx
+++ b/Wastewater Metagenomic Viral Detection Tool Assessment-1218.pptx
@@ -5573,6 +5573,9 @@
             </a:pPr>
             <a:r>
               <a:rPr lang="en-US" b="1" dirty="0">
+                <a:solidFill>
+                  <a:srgbClr val="FF0000"/>
+                </a:solidFill>
                 <a:latin typeface="Times New Roman" panose="02020603050405020304" pitchFamily="18" charset="0"/>
                 <a:cs typeface="Times New Roman" panose="02020603050405020304" pitchFamily="18" charset="0"/>
               </a:rPr>
@@ -5883,11 +5886,18 @@
           <a:p>
             <a:pPr marL="548640"/>
             <a:r>
+              <a:rPr lang="en-US" altLang="zh-CN" b="1" dirty="0">
+                <a:latin typeface="Times New Roman" panose="02020603050405020304" pitchFamily="18" charset="0"/>
+                <a:cs typeface="Times New Roman" panose="02020603050405020304" pitchFamily="18" charset="0"/>
+              </a:rPr>
+              <a:t>multi</a:t>
+            </a:r>
+            <a:r>
               <a:rPr lang="en-US" b="1" dirty="0">
                 <a:latin typeface="Times New Roman" panose="02020603050405020304" pitchFamily="18" charset="0"/>
                 <a:cs typeface="Times New Roman" panose="02020603050405020304" pitchFamily="18" charset="0"/>
               </a:rPr>
-              <a:t>3-tool consensus</a:t>
+              <a:t>-tool consensus</a:t>
             </a:r>
             <a:r>
               <a:rPr lang="en-US" dirty="0">
@@ -6248,7 +6258,7 @@
                 <a:latin typeface="Times New Roman" panose="02020603050405020304" pitchFamily="18" charset="0"/>
                 <a:cs typeface="Times New Roman" panose="02020603050405020304" pitchFamily="18" charset="0"/>
               </a:rPr>
-              <a:t> workflows (batch processing, logging, checkpoint resumption)</a:t>
+              <a:t> workflows</a:t>
             </a:r>
           </a:p>
           <a:p>
@@ -6967,7 +6977,7 @@
         </p:spPr>
         <p:txBody>
           <a:bodyPr>
-            <a:normAutofit fontScale="55000" lnSpcReduction="20000"/>
+            <a:normAutofit fontScale="62500" lnSpcReduction="20000"/>
           </a:bodyPr>
           <a:lstStyle/>
           <a:p>
@@ -7077,15 +7087,6 @@
               </a:rPr>
               <a:t>: Multi-tool consensus (≥2 tools support)</a:t>
             </a:r>
-          </a:p>
-          <a:p>
-            <a:pPr marL="0" indent="0">
-              <a:buNone/>
-            </a:pPr>
-            <a:endParaRPr lang="en-US" dirty="0">
-              <a:latin typeface="Times New Roman" panose="02020603050405020304" pitchFamily="18" charset="0"/>
-              <a:cs typeface="Times New Roman" panose="02020603050405020304" pitchFamily="18" charset="0"/>
-            </a:endParaRPr>
           </a:p>
           <a:p>
             <a:r>
@@ -12426,6 +12427,11 @@
               </a:rPr>
               <a:t>: </a:t>
             </a:r>
+          </a:p>
+          <a:p>
+            <a:pPr marL="0" indent="0">
+              <a:buNone/>
+            </a:pPr>
             <a:r>
               <a:rPr lang="en-US" dirty="0" err="1">
                 <a:latin typeface="Times New Roman" panose="02020603050405020304" pitchFamily="18" charset="0"/>
@@ -12482,7 +12488,19 @@
                 <a:latin typeface="Times New Roman" panose="02020603050405020304" pitchFamily="18" charset="0"/>
                 <a:cs typeface="Times New Roman" panose="02020603050405020304" pitchFamily="18" charset="0"/>
               </a:rPr>
-              <a:t>: Environmental unknown virus surveys, outbreak tracing</a:t>
+              <a:t>: </a:t>
+            </a:r>
+          </a:p>
+          <a:p>
+            <a:pPr marL="0" indent="0">
+              <a:buNone/>
+            </a:pPr>
+            <a:r>
+              <a:rPr lang="en-US" dirty="0">
+                <a:latin typeface="Times New Roman" panose="02020603050405020304" pitchFamily="18" charset="0"/>
+                <a:cs typeface="Times New Roman" panose="02020603050405020304" pitchFamily="18" charset="0"/>
+              </a:rPr>
+              <a:t>Environmental unknown virus surveys, outbreak tracing</a:t>
             </a:r>
           </a:p>
         </p:txBody>
@@ -12567,7 +12585,7 @@
         <p:spPr/>
         <p:txBody>
           <a:bodyPr>
-            <a:normAutofit fontScale="92500" lnSpcReduction="20000"/>
+            <a:normAutofit fontScale="85000" lnSpcReduction="20000"/>
           </a:bodyPr>
           <a:lstStyle/>
           <a:p>
@@ -12605,6 +12623,11 @@
               </a:rPr>
               <a:t>: </a:t>
             </a:r>
+          </a:p>
+          <a:p>
+            <a:pPr marL="0" indent="0">
+              <a:buNone/>
+            </a:pPr>
             <a:r>
               <a:rPr lang="en-US" dirty="0" err="1">
                 <a:latin typeface="Times New Roman" panose="02020603050405020304" pitchFamily="18" charset="0"/>
@@ -12617,7 +12640,41 @@
                 <a:latin typeface="Times New Roman" panose="02020603050405020304" pitchFamily="18" charset="0"/>
                 <a:cs typeface="Times New Roman" panose="02020603050405020304" pitchFamily="18" charset="0"/>
               </a:rPr>
-              <a:t> (batch screening) → GOTTCHA2 (confirmation) → </a:t>
+              <a:t> (batch screening) </a:t>
+            </a:r>
+            <a:r>
+              <a:rPr lang="en-US" dirty="0">
+                <a:solidFill>
+                  <a:srgbClr val="00B050"/>
+                </a:solidFill>
+                <a:latin typeface="Times New Roman" panose="02020603050405020304" pitchFamily="18" charset="0"/>
+                <a:cs typeface="Times New Roman" panose="02020603050405020304" pitchFamily="18" charset="0"/>
+              </a:rPr>
+              <a:t>→ </a:t>
+            </a:r>
+            <a:r>
+              <a:rPr lang="en-US" dirty="0">
+                <a:latin typeface="Times New Roman" panose="02020603050405020304" pitchFamily="18" charset="0"/>
+                <a:cs typeface="Times New Roman" panose="02020603050405020304" pitchFamily="18" charset="0"/>
+              </a:rPr>
+              <a:t>GOTTCHA2 (confirmation) </a:t>
+            </a:r>
+            <a:r>
+              <a:rPr lang="en-US" dirty="0">
+                <a:solidFill>
+                  <a:srgbClr val="00B050"/>
+                </a:solidFill>
+                <a:latin typeface="Times New Roman" panose="02020603050405020304" pitchFamily="18" charset="0"/>
+                <a:cs typeface="Times New Roman" panose="02020603050405020304" pitchFamily="18" charset="0"/>
+              </a:rPr>
+              <a:t>→</a:t>
+            </a:r>
+            <a:r>
+              <a:rPr lang="en-US" dirty="0">
+                <a:latin typeface="Times New Roman" panose="02020603050405020304" pitchFamily="18" charset="0"/>
+                <a:cs typeface="Times New Roman" panose="02020603050405020304" pitchFamily="18" charset="0"/>
+              </a:rPr>
+              <a:t> </a:t>
             </a:r>
             <a:r>
               <a:rPr lang="en-US" dirty="0" err="1">
@@ -12661,7 +12718,19 @@
                 <a:latin typeface="Times New Roman" panose="02020603050405020304" pitchFamily="18" charset="0"/>
                 <a:cs typeface="Times New Roman" panose="02020603050405020304" pitchFamily="18" charset="0"/>
               </a:rPr>
-              <a:t>: Multi-evidence chains + coverage thresholds + secondary confirmation</a:t>
+              <a:t>: </a:t>
+            </a:r>
+          </a:p>
+          <a:p>
+            <a:pPr marL="0" indent="0">
+              <a:buNone/>
+            </a:pPr>
+            <a:r>
+              <a:rPr lang="en-US" dirty="0">
+                <a:latin typeface="Times New Roman" panose="02020603050405020304" pitchFamily="18" charset="0"/>
+                <a:cs typeface="Times New Roman" panose="02020603050405020304" pitchFamily="18" charset="0"/>
+              </a:rPr>
+              <a:t>Multi-evidence chains + coverage thresholds + secondary confirmation</a:t>
             </a:r>
           </a:p>
           <a:p>
@@ -12677,7 +12746,19 @@
                 <a:latin typeface="Times New Roman" panose="02020603050405020304" pitchFamily="18" charset="0"/>
                 <a:cs typeface="Times New Roman" panose="02020603050405020304" pitchFamily="18" charset="0"/>
               </a:rPr>
-              <a:t>: Distinguish "screen-positive" from "confirm-positive"</a:t>
+              <a:t>: </a:t>
+            </a:r>
+          </a:p>
+          <a:p>
+            <a:pPr marL="0" indent="0">
+              <a:buNone/>
+            </a:pPr>
+            <a:r>
+              <a:rPr lang="en-US" dirty="0">
+                <a:latin typeface="Times New Roman" panose="02020603050405020304" pitchFamily="18" charset="0"/>
+                <a:cs typeface="Times New Roman" panose="02020603050405020304" pitchFamily="18" charset="0"/>
+              </a:rPr>
+              <a:t>Distinguish "screen-positive" from "confirm-positive"</a:t>
             </a:r>
           </a:p>
         </p:txBody>

--- a/Wastewater Metagenomic Viral Detection Tool Assessment-1218.pptx
+++ b/Wastewater Metagenomic Viral Detection Tool Assessment-1218.pptx
@@ -3338,7 +3338,7 @@
         <p:spPr>
           <a:xfrm>
             <a:off x="678425" y="1366878"/>
-            <a:ext cx="8096865" cy="4585871"/>
+            <a:ext cx="8096865" cy="4247317"/>
           </a:xfrm>
           <a:prstGeom prst="rect">
             <a:avLst/>
@@ -3488,27 +3488,27 @@
                 <a:latin typeface="Times New Roman" panose="02020603050405020304" pitchFamily="18" charset="0"/>
                 <a:cs typeface="Times New Roman" panose="02020603050405020304" pitchFamily="18" charset="0"/>
               </a:rPr>
-              <a:t>: ✅ Compatible (but error rates affect k-</a:t>
-            </a:r>
-            <a:r>
-              <a:rPr lang="en-US" sz="2200" dirty="0" err="1">
-                <a:solidFill>
-                  <a:srgbClr val="1F2328"/>
-                </a:solidFill>
-                <a:latin typeface="Times New Roman" panose="02020603050405020304" pitchFamily="18" charset="0"/>
-                <a:cs typeface="Times New Roman" panose="02020603050405020304" pitchFamily="18" charset="0"/>
-              </a:rPr>
-              <a:t>mer</a:t>
+              <a:t>: </a:t>
             </a:r>
             <a:r>
               <a:rPr lang="en-US" sz="2200" dirty="0">
                 <a:solidFill>
-                  <a:srgbClr val="1F2328"/>
-                </a:solidFill>
-                <a:latin typeface="Times New Roman" panose="02020603050405020304" pitchFamily="18" charset="0"/>
-                <a:cs typeface="Times New Roman" panose="02020603050405020304" pitchFamily="18" charset="0"/>
-              </a:rPr>
-              <a:t> matching)</a:t>
+                  <a:srgbClr val="00B050"/>
+                </a:solidFill>
+                <a:latin typeface="Times New Roman" panose="02020603050405020304" pitchFamily="18" charset="0"/>
+                <a:cs typeface="Times New Roman" panose="02020603050405020304" pitchFamily="18" charset="0"/>
+              </a:rPr>
+              <a:t>✅</a:t>
+            </a:r>
+            <a:r>
+              <a:rPr lang="en-US" sz="2200" dirty="0">
+                <a:solidFill>
+                  <a:srgbClr val="1F2328"/>
+                </a:solidFill>
+                <a:latin typeface="Times New Roman" panose="02020603050405020304" pitchFamily="18" charset="0"/>
+                <a:cs typeface="Times New Roman" panose="02020603050405020304" pitchFamily="18" charset="0"/>
+              </a:rPr>
+              <a:t> Compatible to both short and long reads</a:t>
             </a:r>
           </a:p>
           <a:p>
@@ -3591,7 +3591,7 @@
                 <a:latin typeface="Times New Roman" panose="02020603050405020304" pitchFamily="18" charset="0"/>
                 <a:cs typeface="Times New Roman" panose="02020603050405020304" pitchFamily="18" charset="0"/>
               </a:rPr>
-              <a:t>Long reads need error correction or use as "coarse validation"</a:t>
+              <a:t>Long reads need error correction </a:t>
             </a:r>
             <a:endParaRPr lang="en-US" sz="2200" b="0" i="0" dirty="0">
               <a:solidFill>
@@ -3990,7 +3990,7 @@
                 <a:latin typeface="Times New Roman" panose="02020603050405020304" pitchFamily="18" charset="0"/>
                 <a:cs typeface="Times New Roman" panose="02020603050405020304" pitchFamily="18" charset="0"/>
               </a:rPr>
-              <a:t>: Recommend CLARK-S for long reads, requires sufficient memory</a:t>
+              <a:t>: Recommend CLARK (standard) for short reads, and CLARK-S for long reads. </a:t>
             </a:r>
             <a:endParaRPr lang="en-US" sz="2000" b="0" i="0" dirty="0">
               <a:solidFill>
@@ -4083,7 +4083,7 @@
         <p:spPr>
           <a:xfrm>
             <a:off x="566338" y="1266590"/>
-            <a:ext cx="8011324" cy="4862870"/>
+            <a:ext cx="8011324" cy="3508653"/>
           </a:xfrm>
           <a:prstGeom prst="rect">
             <a:avLst/>
@@ -4214,95 +4214,8 @@
                 <a:latin typeface="Times New Roman" panose="02020603050405020304" pitchFamily="18" charset="0"/>
                 <a:cs typeface="Times New Roman" panose="02020603050405020304" pitchFamily="18" charset="0"/>
               </a:rPr>
-              <a:t>:</a:t>
-            </a:r>
-          </a:p>
-          <a:p>
-            <a:pPr marL="365760">
-              <a:buFont typeface="Arial" panose="020B0604020202020204" pitchFamily="34" charset="0"/>
-              <a:buChar char="•"/>
-            </a:pPr>
-            <a:r>
-              <a:rPr lang="en-US" sz="2200" dirty="0">
-                <a:solidFill>
-                  <a:srgbClr val="00B050"/>
-                </a:solidFill>
-                <a:latin typeface="Times New Roman" panose="02020603050405020304" pitchFamily="18" charset="0"/>
-                <a:cs typeface="Times New Roman" panose="02020603050405020304" pitchFamily="18" charset="0"/>
-              </a:rPr>
-              <a:t>✅</a:t>
-            </a:r>
-            <a:r>
-              <a:rPr lang="en-US" sz="2200" dirty="0">
-                <a:solidFill>
-                  <a:srgbClr val="1F2328"/>
-                </a:solidFill>
-                <a:latin typeface="Times New Roman" panose="02020603050405020304" pitchFamily="18" charset="0"/>
-                <a:cs typeface="Times New Roman" panose="02020603050405020304" pitchFamily="18" charset="0"/>
-              </a:rPr>
-              <a:t> Short reads fully compatible</a:t>
-            </a:r>
-          </a:p>
-          <a:p>
-            <a:pPr marL="365760">
-              <a:buFont typeface="Arial" panose="020B0604020202020204" pitchFamily="34" charset="0"/>
-              <a:buChar char="•"/>
-            </a:pPr>
-            <a:r>
-              <a:rPr lang="en-US" sz="2200" dirty="0">
-                <a:solidFill>
-                  <a:srgbClr val="00B050"/>
-                </a:solidFill>
-                <a:latin typeface="Times New Roman" panose="02020603050405020304" pitchFamily="18" charset="0"/>
-                <a:cs typeface="Times New Roman" panose="02020603050405020304" pitchFamily="18" charset="0"/>
-              </a:rPr>
-              <a:t>✅ </a:t>
-            </a:r>
-            <a:r>
-              <a:rPr lang="en-US" sz="2200" dirty="0">
-                <a:solidFill>
-                  <a:srgbClr val="1F2328"/>
-                </a:solidFill>
-                <a:latin typeface="Times New Roman" panose="02020603050405020304" pitchFamily="18" charset="0"/>
-                <a:cs typeface="Times New Roman" panose="02020603050405020304" pitchFamily="18" charset="0"/>
-              </a:rPr>
-              <a:t>Hybrid assembly friendly</a:t>
-            </a:r>
-          </a:p>
-          <a:p>
-            <a:pPr marL="365760">
-              <a:buFont typeface="Arial" panose="020B0604020202020204" pitchFamily="34" charset="0"/>
-              <a:buChar char="•"/>
-            </a:pPr>
-            <a:r>
-              <a:rPr lang="en-US" sz="2200" dirty="0">
-                <a:solidFill>
-                  <a:srgbClr val="FFC000"/>
-                </a:solidFill>
-                <a:latin typeface="Times New Roman" panose="02020603050405020304" pitchFamily="18" charset="0"/>
-                <a:cs typeface="Times New Roman" panose="02020603050405020304" pitchFamily="18" charset="0"/>
-              </a:rPr>
-              <a:t>⚠️</a:t>
-            </a:r>
-            <a:r>
-              <a:rPr lang="en-US" sz="2200" dirty="0">
-                <a:solidFill>
-                  <a:srgbClr val="1F2328"/>
-                </a:solidFill>
-                <a:latin typeface="Times New Roman" panose="02020603050405020304" pitchFamily="18" charset="0"/>
-                <a:cs typeface="Times New Roman" panose="02020603050405020304" pitchFamily="18" charset="0"/>
-              </a:rPr>
-              <a:t> Pure long read assembly strategy not optimal</a:t>
-            </a:r>
-          </a:p>
-          <a:p>
-            <a:endParaRPr lang="en-US" sz="2200" b="1" dirty="0">
-              <a:solidFill>
-                <a:srgbClr val="1F2328"/>
-              </a:solidFill>
-              <a:latin typeface="Times New Roman" panose="02020603050405020304" pitchFamily="18" charset="0"/>
-              <a:cs typeface="Times New Roman" panose="02020603050405020304" pitchFamily="18" charset="0"/>
-            </a:endParaRPr>
+              <a:t>: Compatible to both short and long reads</a:t>
+            </a:r>
           </a:p>
           <a:p>
             <a:r>
@@ -4419,8 +4332,8 @@
         </p:nvSpPr>
         <p:spPr>
           <a:xfrm>
-            <a:off x="1047135" y="1158066"/>
-            <a:ext cx="7501030" cy="4739759"/>
+            <a:off x="457200" y="1158066"/>
+            <a:ext cx="8515719" cy="4493538"/>
           </a:xfrm>
           <a:prstGeom prst="rect">
             <a:avLst/>
@@ -4498,7 +4411,27 @@
                 <a:latin typeface="Times New Roman" panose="02020603050405020304" pitchFamily="18" charset="0"/>
                 <a:cs typeface="Times New Roman" panose="02020603050405020304" pitchFamily="18" charset="0"/>
               </a:rPr>
-              <a:t>: Improve discovery capability for environmental/distant viruses</a:t>
+              <a:t>: Improve discovery capability for environmental/</a:t>
+            </a:r>
+            <a:r>
+              <a:rPr lang="en-US" sz="2000" dirty="0">
+                <a:solidFill>
+                  <a:srgbClr val="00B050"/>
+                </a:solidFill>
+                <a:latin typeface="Times New Roman" panose="02020603050405020304" pitchFamily="18" charset="0"/>
+                <a:cs typeface="Times New Roman" panose="02020603050405020304" pitchFamily="18" charset="0"/>
+              </a:rPr>
+              <a:t>distant</a:t>
+            </a:r>
+            <a:r>
+              <a:rPr lang="en-US" sz="2000" dirty="0">
+                <a:solidFill>
+                  <a:srgbClr val="1F2328"/>
+                </a:solidFill>
+                <a:latin typeface="Times New Roman" panose="02020603050405020304" pitchFamily="18" charset="0"/>
+                <a:cs typeface="Times New Roman" panose="02020603050405020304" pitchFamily="18" charset="0"/>
+              </a:rPr>
+              <a:t> viruses</a:t>
             </a:r>
           </a:p>
           <a:p>
@@ -4513,8 +4446,18 @@
               <a:t>Database: </a:t>
             </a:r>
             <a:r>
-              <a:rPr lang="en-US" sz="2000" dirty="0" err="1"/>
-              <a:t>RVDB</a:t>
+              <a:rPr lang="en-US" sz="2000" dirty="0"/>
+              <a:t>RVDB </a:t>
+            </a:r>
+            <a:r>
+              <a:rPr lang="en-US" sz="2000" dirty="0">
+                <a:solidFill>
+                  <a:srgbClr val="1F2328"/>
+                </a:solidFill>
+                <a:latin typeface="Times New Roman" panose="02020603050405020304" pitchFamily="18" charset="0"/>
+                <a:cs typeface="Times New Roman" panose="02020603050405020304" pitchFamily="18" charset="0"/>
+              </a:rPr>
+              <a:t>DNA (</a:t>
             </a:r>
             <a:r>
               <a:rPr lang="en-US" sz="2000" dirty="0" err="1">
@@ -4524,7 +4467,7 @@
                 <a:latin typeface="Times New Roman" panose="02020603050405020304" pitchFamily="18" charset="0"/>
                 <a:cs typeface="Times New Roman" panose="02020603050405020304" pitchFamily="18" charset="0"/>
               </a:rPr>
-              <a:t>（Reference</a:t>
+              <a:t>Virual</a:t>
             </a:r>
             <a:r>
               <a:rPr lang="en-US" sz="2000" dirty="0">
@@ -4534,79 +4477,13 @@
                 <a:latin typeface="Times New Roman" panose="02020603050405020304" pitchFamily="18" charset="0"/>
                 <a:cs typeface="Times New Roman" panose="02020603050405020304" pitchFamily="18" charset="0"/>
               </a:rPr>
-              <a:t> Viral Database）</a:t>
-            </a:r>
-          </a:p>
-          <a:p>
-            <a:r>
-              <a:rPr lang="en-US" sz="2000" b="1" dirty="0">
-                <a:solidFill>
-                  <a:srgbClr val="1F2328"/>
-                </a:solidFill>
-                <a:latin typeface="Times New Roman" panose="02020603050405020304" pitchFamily="18" charset="0"/>
-                <a:cs typeface="Times New Roman" panose="02020603050405020304" pitchFamily="18" charset="0"/>
-              </a:rPr>
-              <a:t>Advantages</a:t>
-            </a:r>
-            <a:r>
-              <a:rPr lang="en-US" sz="2000" dirty="0">
-                <a:solidFill>
-                  <a:srgbClr val="1F2328"/>
-                </a:solidFill>
-                <a:latin typeface="Times New Roman" panose="02020603050405020304" pitchFamily="18" charset="0"/>
-                <a:cs typeface="Times New Roman" panose="02020603050405020304" pitchFamily="18" charset="0"/>
-              </a:rPr>
-              <a:t>:</a:t>
-            </a:r>
-          </a:p>
-          <a:p>
-            <a:pPr marL="365760">
-              <a:buFont typeface="Arial" panose="020B0604020202020204" pitchFamily="34" charset="0"/>
-              <a:buChar char="•"/>
-            </a:pPr>
-            <a:r>
-              <a:rPr lang="en-US" sz="2000" dirty="0">
-                <a:solidFill>
-                  <a:srgbClr val="1F2328"/>
-                </a:solidFill>
-                <a:latin typeface="Times New Roman" panose="02020603050405020304" pitchFamily="18" charset="0"/>
-                <a:cs typeface="Times New Roman" panose="02020603050405020304" pitchFamily="18" charset="0"/>
-              </a:rPr>
-              <a:t>RVDB database optimized for viruses</a:t>
-            </a:r>
-          </a:p>
-          <a:p>
-            <a:pPr marL="365760">
-              <a:buFont typeface="Arial" panose="020B0604020202020204" pitchFamily="34" charset="0"/>
-              <a:buChar char="•"/>
-            </a:pPr>
-            <a:r>
-              <a:rPr lang="en-US" sz="2000" dirty="0">
-                <a:solidFill>
-                  <a:srgbClr val="1F2328"/>
-                </a:solidFill>
-                <a:latin typeface="Times New Roman" panose="02020603050405020304" pitchFamily="18" charset="0"/>
-                <a:cs typeface="Times New Roman" panose="02020603050405020304" pitchFamily="18" charset="0"/>
-              </a:rPr>
-              <a:t>Protein-level search discovers distant sequences</a:t>
-            </a:r>
-          </a:p>
-          <a:p>
-            <a:pPr marL="365760">
-              <a:buFont typeface="Arial" panose="020B0604020202020204" pitchFamily="34" charset="0"/>
-              <a:buChar char="•"/>
-            </a:pPr>
-            <a:r>
-              <a:rPr lang="en-US" sz="2000" dirty="0">
-                <a:solidFill>
-                  <a:srgbClr val="1F2328"/>
-                </a:solidFill>
-                <a:latin typeface="Times New Roman" panose="02020603050405020304" pitchFamily="18" charset="0"/>
-                <a:cs typeface="Times New Roman" panose="02020603050405020304" pitchFamily="18" charset="0"/>
-              </a:rPr>
-              <a:t>Particularly suitable for large viruses like NCLDV</a:t>
-            </a:r>
-            <a:endParaRPr lang="en-US" sz="2000" b="1" dirty="0">
+              <a:t> classification)+RVDB protein (</a:t>
+            </a:r>
+            <a:r>
+              <a:rPr lang="en-US" sz="2000" dirty="0"/>
+              <a:t>Protein alignment)</a:t>
+            </a:r>
+            <a:endParaRPr lang="en-US" sz="2000" dirty="0">
               <a:solidFill>
                 <a:srgbClr val="1F2328"/>
               </a:solidFill>
@@ -4623,6 +4500,93 @@
                 <a:latin typeface="Times New Roman" panose="02020603050405020304" pitchFamily="18" charset="0"/>
                 <a:cs typeface="Times New Roman" panose="02020603050405020304" pitchFamily="18" charset="0"/>
               </a:rPr>
+              <a:t>Advantages</a:t>
+            </a:r>
+            <a:r>
+              <a:rPr lang="en-US" sz="2000" dirty="0">
+                <a:solidFill>
+                  <a:srgbClr val="1F2328"/>
+                </a:solidFill>
+                <a:latin typeface="Times New Roman" panose="02020603050405020304" pitchFamily="18" charset="0"/>
+                <a:cs typeface="Times New Roman" panose="02020603050405020304" pitchFamily="18" charset="0"/>
+              </a:rPr>
+              <a:t>:</a:t>
+            </a:r>
+          </a:p>
+          <a:p>
+            <a:pPr marL="365760">
+              <a:buFont typeface="Arial" panose="020B0604020202020204" pitchFamily="34" charset="0"/>
+              <a:buChar char="•"/>
+            </a:pPr>
+            <a:r>
+              <a:rPr lang="en-US" sz="2000" dirty="0">
+                <a:solidFill>
+                  <a:srgbClr val="1F2328"/>
+                </a:solidFill>
+                <a:latin typeface="Times New Roman" panose="02020603050405020304" pitchFamily="18" charset="0"/>
+                <a:cs typeface="Times New Roman" panose="02020603050405020304" pitchFamily="18" charset="0"/>
+              </a:rPr>
+              <a:t>RVDB database optimized for viruses</a:t>
+            </a:r>
+          </a:p>
+          <a:p>
+            <a:pPr marL="365760">
+              <a:buFont typeface="Arial" panose="020B0604020202020204" pitchFamily="34" charset="0"/>
+              <a:buChar char="•"/>
+            </a:pPr>
+            <a:r>
+              <a:rPr lang="en-US" sz="2000" dirty="0">
+                <a:solidFill>
+                  <a:srgbClr val="1F2328"/>
+                </a:solidFill>
+                <a:latin typeface="Times New Roman" panose="02020603050405020304" pitchFamily="18" charset="0"/>
+                <a:cs typeface="Times New Roman" panose="02020603050405020304" pitchFamily="18" charset="0"/>
+              </a:rPr>
+              <a:t>Protein-level search discovers distant sequences</a:t>
+            </a:r>
+          </a:p>
+          <a:p>
+            <a:pPr marL="365760">
+              <a:buFont typeface="Arial" panose="020B0604020202020204" pitchFamily="34" charset="0"/>
+              <a:buChar char="•"/>
+            </a:pPr>
+            <a:r>
+              <a:rPr lang="en-US" sz="2000" dirty="0">
+                <a:solidFill>
+                  <a:srgbClr val="1F2328"/>
+                </a:solidFill>
+                <a:latin typeface="Times New Roman" panose="02020603050405020304" pitchFamily="18" charset="0"/>
+                <a:cs typeface="Times New Roman" panose="02020603050405020304" pitchFamily="18" charset="0"/>
+              </a:rPr>
+              <a:t>Particularly suitable for large viruses like </a:t>
+            </a:r>
+            <a:r>
+              <a:rPr lang="en-US" sz="2000" dirty="0">
+                <a:solidFill>
+                  <a:srgbClr val="FF0000"/>
+                </a:solidFill>
+                <a:latin typeface="Times New Roman" panose="02020603050405020304" pitchFamily="18" charset="0"/>
+                <a:cs typeface="Times New Roman" panose="02020603050405020304" pitchFamily="18" charset="0"/>
+              </a:rPr>
+              <a:t>NCLDV</a:t>
+            </a:r>
+            <a:endParaRPr lang="en-US" sz="2000" b="1" dirty="0">
+              <a:solidFill>
+                <a:srgbClr val="FF0000"/>
+              </a:solidFill>
+              <a:latin typeface="Times New Roman" panose="02020603050405020304" pitchFamily="18" charset="0"/>
+              <a:cs typeface="Times New Roman" panose="02020603050405020304" pitchFamily="18" charset="0"/>
+            </a:endParaRPr>
+          </a:p>
+          <a:p>
+            <a:r>
+              <a:rPr lang="en-US" sz="2000" b="1" dirty="0">
+                <a:solidFill>
+                  <a:srgbClr val="1F2328"/>
+                </a:solidFill>
+                <a:latin typeface="Times New Roman" panose="02020603050405020304" pitchFamily="18" charset="0"/>
+                <a:cs typeface="Times New Roman" panose="02020603050405020304" pitchFamily="18" charset="0"/>
+              </a:rPr>
               <a:t>Read Compatibility</a:t>
             </a:r>
             <a:r>
@@ -4637,43 +4601,29 @@
             </a:r>
           </a:p>
           <a:p>
-            <a:br>
-              <a:rPr lang="en-US" dirty="0"/>
-            </a:br>
-            <a:endParaRPr lang="en-US" dirty="0"/>
+            <a:r>
+              <a:rPr lang="en-US" sz="2000" b="1" dirty="0">
+                <a:solidFill>
+                  <a:srgbClr val="1F2328"/>
+                </a:solidFill>
+                <a:latin typeface="Times New Roman" panose="02020603050405020304" pitchFamily="18" charset="0"/>
+                <a:cs typeface="Times New Roman" panose="02020603050405020304" pitchFamily="18" charset="0"/>
+              </a:rPr>
+              <a:t>Hierarchical consensus strategy: </a:t>
+            </a:r>
+            <a:r>
+              <a:rPr lang="en-US" sz="2000" dirty="0">
+                <a:solidFill>
+                  <a:srgbClr val="1F2328"/>
+                </a:solidFill>
+                <a:latin typeface="Times New Roman" panose="02020603050405020304" pitchFamily="18" charset="0"/>
+                <a:cs typeface="Times New Roman" panose="02020603050405020304" pitchFamily="18" charset="0"/>
+              </a:rPr>
+              <a:t>This is a multi-level consensus analysis workflow that improves the accuracy of viral classification through cross-validation using multiple tools.</a:t>
+            </a:r>
           </a:p>
         </p:txBody>
       </p:sp>
-      <p:pic>
-        <p:nvPicPr>
-          <p:cNvPr id="6" name="Picture 5">
-            <a:extLst>
-              <a:ext uri="{FF2B5EF4-FFF2-40B4-BE49-F238E27FC236}">
-                <a16:creationId xmlns:a16="http://schemas.microsoft.com/office/drawing/2014/main" id="{85504AD7-3904-4433-A12E-E95B0DAA5A71}"/>
-              </a:ext>
-            </a:extLst>
-          </p:cNvPr>
-          <p:cNvPicPr>
-            <a:picLocks noChangeAspect="1"/>
-          </p:cNvPicPr>
-          <p:nvPr/>
-        </p:nvPicPr>
-        <p:blipFill>
-          <a:blip r:embed="rId2"/>
-          <a:stretch>
-            <a:fillRect/>
-          </a:stretch>
-        </p:blipFill>
-        <p:spPr>
-          <a:xfrm>
-            <a:off x="1394234" y="5652358"/>
-            <a:ext cx="5748950" cy="931004"/>
-          </a:xfrm>
-          <a:prstGeom prst="rect">
-            <a:avLst/>
-          </a:prstGeom>
-        </p:spPr>
-      </p:pic>
     </p:spTree>
     <p:extLst>
       <p:ext uri="{BB962C8B-B14F-4D97-AF65-F5344CB8AC3E}">
@@ -4779,12 +4729,6 @@
             </a:r>
           </a:p>
           <a:p>
-            <a:pPr marL="0" indent="0">
-              <a:buNone/>
-            </a:pPr>
-            <a:endParaRPr lang="en-US" b="1" dirty="0"/>
-          </a:p>
-          <a:p>
             <a:r>
               <a:rPr lang="en-US" sz="2400" b="1" dirty="0">
                 <a:latin typeface="Times New Roman" panose="02020603050405020304" pitchFamily="18" charset="0"/>
@@ -4797,7 +4741,7 @@
                 <a:latin typeface="Times New Roman" panose="02020603050405020304" pitchFamily="18" charset="0"/>
                 <a:cs typeface="Times New Roman" panose="02020603050405020304" pitchFamily="18" charset="0"/>
               </a:rPr>
-              <a:t>: Strict filter (trades sensitivity for specificity)</a:t>
+              <a:t>: Strict filter (achieving higher specificity at the expense of sensitivity)</a:t>
             </a:r>
           </a:p>
           <a:p>
@@ -4944,7 +4888,19 @@
                 <a:latin typeface="Times New Roman" panose="02020603050405020304" pitchFamily="18" charset="0"/>
                 <a:cs typeface="Times New Roman" panose="02020603050405020304" pitchFamily="18" charset="0"/>
               </a:rPr>
-              <a:t>: VirSorter2 + </a:t>
+              <a:t>: </a:t>
+            </a:r>
+          </a:p>
+          <a:p>
+            <a:pPr marL="0" indent="0">
+              <a:buNone/>
+            </a:pPr>
+            <a:r>
+              <a:rPr lang="en-US" sz="2400" dirty="0">
+                <a:latin typeface="Times New Roman" panose="02020603050405020304" pitchFamily="18" charset="0"/>
+                <a:cs typeface="Times New Roman" panose="02020603050405020304" pitchFamily="18" charset="0"/>
+              </a:rPr>
+              <a:t>     - Short reads: VirSorter2 + </a:t>
             </a:r>
             <a:r>
               <a:rPr lang="en-US" sz="2400" dirty="0" err="1">
@@ -4958,6 +4914,32 @@
                 <a:latin typeface="Times New Roman" panose="02020603050405020304" pitchFamily="18" charset="0"/>
                 <a:cs typeface="Times New Roman" panose="02020603050405020304" pitchFamily="18" charset="0"/>
               </a:rPr>
+              <a:t> voting</a:t>
+            </a:r>
+          </a:p>
+          <a:p>
+            <a:pPr marL="0" indent="0">
+              <a:buNone/>
+            </a:pPr>
+            <a:r>
+              <a:rPr lang="en-US" sz="2400" dirty="0">
+                <a:latin typeface="Times New Roman" panose="02020603050405020304" pitchFamily="18" charset="0"/>
+                <a:cs typeface="Times New Roman" panose="02020603050405020304" pitchFamily="18" charset="0"/>
+              </a:rPr>
+              <a:t>     - Long reads: VirSorter2 + </a:t>
+            </a:r>
+            <a:r>
+              <a:rPr lang="en-US" sz="2400" dirty="0" err="1">
+                <a:latin typeface="Times New Roman" panose="02020603050405020304" pitchFamily="18" charset="0"/>
+                <a:cs typeface="Times New Roman" panose="02020603050405020304" pitchFamily="18" charset="0"/>
+              </a:rPr>
+              <a:t>DeepVirFinder</a:t>
+            </a:r>
+            <a:r>
+              <a:rPr lang="en-US" sz="2400" dirty="0">
+                <a:latin typeface="Times New Roman" panose="02020603050405020304" pitchFamily="18" charset="0"/>
+                <a:cs typeface="Times New Roman" panose="02020603050405020304" pitchFamily="18" charset="0"/>
+              </a:rPr>
               <a:t> + </a:t>
             </a:r>
             <a:r>
@@ -4973,22 +4955,6 @@
                 <a:cs typeface="Times New Roman" panose="02020603050405020304" pitchFamily="18" charset="0"/>
               </a:rPr>
               <a:t> voting</a:t>
-            </a:r>
-          </a:p>
-          <a:p>
-            <a:r>
-              <a:rPr lang="en-US" sz="2400" b="1" dirty="0">
-                <a:latin typeface="Times New Roman" panose="02020603050405020304" pitchFamily="18" charset="0"/>
-                <a:cs typeface="Times New Roman" panose="02020603050405020304" pitchFamily="18" charset="0"/>
-              </a:rPr>
-              <a:t>Output</a:t>
-            </a:r>
-            <a:r>
-              <a:rPr lang="en-US" sz="2400" dirty="0">
-                <a:latin typeface="Times New Roman" panose="02020603050405020304" pitchFamily="18" charset="0"/>
-                <a:cs typeface="Times New Roman" panose="02020603050405020304" pitchFamily="18" charset="0"/>
-              </a:rPr>
-              <a:t>: Smaller but more reliable candidate set</a:t>
             </a:r>
           </a:p>
         </p:txBody>
@@ -5106,7 +5072,24 @@
                 <a:latin typeface="Times New Roman" panose="02020603050405020304" pitchFamily="18" charset="0"/>
                 <a:cs typeface="Times New Roman" panose="02020603050405020304" pitchFamily="18" charset="0"/>
               </a:rPr>
-              <a:t>: Uses long contigs to reduce classification ambiguity</a:t>
+              <a:t>: Uses </a:t>
+            </a:r>
+            <a:r>
+              <a:rPr lang="en-US" sz="2400" dirty="0">
+                <a:solidFill>
+                  <a:srgbClr val="FF0000"/>
+                </a:solidFill>
+                <a:latin typeface="Times New Roman" panose="02020603050405020304" pitchFamily="18" charset="0"/>
+                <a:cs typeface="Times New Roman" panose="02020603050405020304" pitchFamily="18" charset="0"/>
+              </a:rPr>
+              <a:t>long contigs </a:t>
+            </a:r>
+            <a:r>
+              <a:rPr lang="en-US" sz="2400" dirty="0">
+                <a:latin typeface="Times New Roman" panose="02020603050405020304" pitchFamily="18" charset="0"/>
+                <a:cs typeface="Times New Roman" panose="02020603050405020304" pitchFamily="18" charset="0"/>
+              </a:rPr>
+              <a:t>to reduce classification ambiguity</a:t>
             </a:r>
           </a:p>
           <a:p>
@@ -5277,10 +5260,20 @@
             <a:pPr marL="457200"/>
             <a:r>
               <a:rPr lang="en-US" dirty="0">
-                <a:latin typeface="Times New Roman" panose="02020603050405020304" pitchFamily="18" charset="0"/>
-                <a:cs typeface="Times New Roman" panose="02020603050405020304" pitchFamily="18" charset="0"/>
-              </a:rPr>
-              <a:t>Broad-spectrum detection, forms "long-tail distribution"</a:t>
+                <a:solidFill>
+                  <a:srgbClr val="FF0000"/>
+                </a:solidFill>
+                <a:latin typeface="Times New Roman" panose="02020603050405020304" pitchFamily="18" charset="0"/>
+                <a:cs typeface="Times New Roman" panose="02020603050405020304" pitchFamily="18" charset="0"/>
+              </a:rPr>
+              <a:t>Broad-spectrum detection</a:t>
+            </a:r>
+            <a:r>
+              <a:rPr lang="en-US" dirty="0">
+                <a:latin typeface="Times New Roman" panose="02020603050405020304" pitchFamily="18" charset="0"/>
+                <a:cs typeface="Times New Roman" panose="02020603050405020304" pitchFamily="18" charset="0"/>
+              </a:rPr>
+              <a:t>, forms "long-tail distribution"</a:t>
             </a:r>
           </a:p>
           <a:p>
@@ -5290,7 +5283,24 @@
                 <a:latin typeface="Times New Roman" panose="02020603050405020304" pitchFamily="18" charset="0"/>
                 <a:cs typeface="Times New Roman" panose="02020603050405020304" pitchFamily="18" charset="0"/>
               </a:rPr>
-              <a:t>Can capture large numbers of low-abundance signals</a:t>
+              <a:t>Can capture large numbers of </a:t>
+            </a:r>
+            <a:r>
+              <a:rPr lang="en-US" dirty="0">
+                <a:solidFill>
+                  <a:srgbClr val="FF0000"/>
+                </a:solidFill>
+                <a:latin typeface="Times New Roman" panose="02020603050405020304" pitchFamily="18" charset="0"/>
+                <a:cs typeface="Times New Roman" panose="02020603050405020304" pitchFamily="18" charset="0"/>
+              </a:rPr>
+              <a:t>low-abundance </a:t>
+            </a:r>
+            <a:r>
+              <a:rPr lang="en-US" dirty="0">
+                <a:latin typeface="Times New Roman" panose="02020603050405020304" pitchFamily="18" charset="0"/>
+                <a:cs typeface="Times New Roman" panose="02020603050405020304" pitchFamily="18" charset="0"/>
+              </a:rPr>
+              <a:t>signals</a:t>
             </a:r>
           </a:p>
           <a:p>
@@ -5733,7 +5743,7 @@
         <p:spPr/>
         <p:txBody>
           <a:bodyPr>
-            <a:normAutofit fontScale="62500" lnSpcReduction="20000"/>
+            <a:normAutofit fontScale="70000" lnSpcReduction="20000"/>
           </a:bodyPr>
           <a:lstStyle/>
           <a:p>
@@ -5769,17 +5779,15 @@
                 <a:latin typeface="Times New Roman" panose="02020603050405020304" pitchFamily="18" charset="0"/>
                 <a:cs typeface="Times New Roman" panose="02020603050405020304" pitchFamily="18" charset="0"/>
               </a:rPr>
-              <a:t>: Dual-track (assembly/features/homology) overlap more reliable</a:t>
-            </a:r>
-          </a:p>
-          <a:p>
-            <a:pPr marL="0" indent="0">
-              <a:buNone/>
-            </a:pPr>
-            <a:endParaRPr lang="en-US" b="1" dirty="0">
-              <a:latin typeface="Times New Roman" panose="02020603050405020304" pitchFamily="18" charset="0"/>
-              <a:cs typeface="Times New Roman" panose="02020603050405020304" pitchFamily="18" charset="0"/>
-            </a:endParaRPr>
+              <a:t>: </a:t>
+            </a:r>
+            <a:r>
+              <a:rPr lang="en-US" sz="3100" dirty="0">
+                <a:latin typeface="Times New Roman" panose="02020603050405020304" pitchFamily="18" charset="0"/>
+                <a:cs typeface="Times New Roman" panose="02020603050405020304" pitchFamily="18" charset="0"/>
+              </a:rPr>
+              <a:t>Consensus set: dual-track overlap is more reliable, using Kraken2 for contigs and DIAMOND for proteins.</a:t>
+            </a:r>
           </a:p>
           <a:p>
             <a:pPr marL="0" indent="0">
@@ -6445,76 +6453,58 @@
             </a:r>
           </a:p>
           <a:p>
-            <a:pPr marL="274320" indent="0">
-              <a:buNone/>
+            <a:pPr marL="731520" indent="-457200">
+              <a:buFont typeface="Wingdings" panose="05000000000000000000" pitchFamily="2" charset="2"/>
+              <a:buChar char="q"/>
             </a:pPr>
             <a:r>
               <a:rPr lang="en-US" dirty="0">
-                <a:solidFill>
-                  <a:srgbClr val="00B050"/>
-                </a:solidFill>
-                <a:latin typeface="Times New Roman" panose="02020603050405020304" pitchFamily="18" charset="0"/>
-                <a:cs typeface="Times New Roman" panose="02020603050405020304" pitchFamily="18" charset="0"/>
-              </a:rPr>
-              <a:t>✅</a:t>
+                <a:latin typeface="Times New Roman" panose="02020603050405020304" pitchFamily="18" charset="0"/>
+                <a:cs typeface="Times New Roman" panose="02020603050405020304" pitchFamily="18" charset="0"/>
+              </a:rPr>
+              <a:t> </a:t>
+            </a:r>
+            <a:r>
+              <a:rPr lang="en-US" b="1" dirty="0" err="1">
+                <a:latin typeface="Times New Roman" panose="02020603050405020304" pitchFamily="18" charset="0"/>
+                <a:cs typeface="Times New Roman" panose="02020603050405020304" pitchFamily="18" charset="0"/>
+              </a:rPr>
+              <a:t>Deployability</a:t>
+            </a:r>
+            <a:r>
+              <a:rPr lang="en-US" b="1" dirty="0">
+                <a:latin typeface="Times New Roman" panose="02020603050405020304" pitchFamily="18" charset="0"/>
+                <a:cs typeface="Times New Roman" panose="02020603050405020304" pitchFamily="18" charset="0"/>
+              </a:rPr>
+              <a:t> and Reproducibility</a:t>
             </a:r>
             <a:r>
               <a:rPr lang="en-US" dirty="0">
                 <a:latin typeface="Times New Roman" panose="02020603050405020304" pitchFamily="18" charset="0"/>
                 <a:cs typeface="Times New Roman" panose="02020603050405020304" pitchFamily="18" charset="0"/>
               </a:rPr>
-              <a:t> </a:t>
-            </a:r>
-            <a:r>
-              <a:rPr lang="en-US" b="1" dirty="0" err="1">
-                <a:latin typeface="Times New Roman" panose="02020603050405020304" pitchFamily="18" charset="0"/>
-                <a:cs typeface="Times New Roman" panose="02020603050405020304" pitchFamily="18" charset="0"/>
-              </a:rPr>
-              <a:t>Deployability</a:t>
-            </a:r>
-            <a:r>
-              <a:rPr lang="en-US" b="1" dirty="0">
-                <a:latin typeface="Times New Roman" panose="02020603050405020304" pitchFamily="18" charset="0"/>
-                <a:cs typeface="Times New Roman" panose="02020603050405020304" pitchFamily="18" charset="0"/>
-              </a:rPr>
-              <a:t> and Reproducibility</a:t>
+              <a:t> (cluster deployment without </a:t>
+            </a:r>
+            <a:r>
+              <a:rPr lang="en-US" dirty="0" err="1">
+                <a:latin typeface="Times New Roman" panose="02020603050405020304" pitchFamily="18" charset="0"/>
+                <a:cs typeface="Times New Roman" panose="02020603050405020304" pitchFamily="18" charset="0"/>
+              </a:rPr>
+              <a:t>sudo</a:t>
             </a:r>
             <a:r>
               <a:rPr lang="en-US" dirty="0">
                 <a:latin typeface="Times New Roman" panose="02020603050405020304" pitchFamily="18" charset="0"/>
                 <a:cs typeface="Times New Roman" panose="02020603050405020304" pitchFamily="18" charset="0"/>
               </a:rPr>
-              <a:t> (cluster deployment without </a:t>
-            </a:r>
-            <a:r>
-              <a:rPr lang="en-US" dirty="0" err="1">
-                <a:latin typeface="Times New Roman" panose="02020603050405020304" pitchFamily="18" charset="0"/>
-                <a:cs typeface="Times New Roman" panose="02020603050405020304" pitchFamily="18" charset="0"/>
-              </a:rPr>
-              <a:t>sudo</a:t>
-            </a:r>
-            <a:r>
-              <a:rPr lang="en-US" dirty="0">
-                <a:latin typeface="Times New Roman" panose="02020603050405020304" pitchFamily="18" charset="0"/>
-                <a:cs typeface="Times New Roman" panose="02020603050405020304" pitchFamily="18" charset="0"/>
-              </a:rPr>
               <a:t>)</a:t>
             </a:r>
           </a:p>
           <a:p>
-            <a:pPr marL="274320" indent="0">
-              <a:buNone/>
+            <a:pPr marL="731520" indent="-457200">
+              <a:buFont typeface="Wingdings" panose="05000000000000000000" pitchFamily="2" charset="2"/>
+              <a:buChar char="q"/>
             </a:pPr>
-            <a:r>
-              <a:rPr lang="en-US" dirty="0">
-                <a:solidFill>
-                  <a:srgbClr val="00B050"/>
-                </a:solidFill>
-                <a:latin typeface="Times New Roman" panose="02020603050405020304" pitchFamily="18" charset="0"/>
-                <a:cs typeface="Times New Roman" panose="02020603050405020304" pitchFamily="18" charset="0"/>
-              </a:rPr>
-              <a:t>✅</a:t>
-            </a:r>
             <a:r>
               <a:rPr lang="en-US" dirty="0">
                 <a:latin typeface="Times New Roman" panose="02020603050405020304" pitchFamily="18" charset="0"/>
@@ -6535,19 +6525,10 @@
             </a:endParaRPr>
           </a:p>
           <a:p>
-            <a:pPr marL="274320" indent="0">
-              <a:buNone/>
+            <a:pPr marL="731520" indent="-457200">
+              <a:buFont typeface="Wingdings" panose="05000000000000000000" pitchFamily="2" charset="2"/>
+              <a:buChar char="q"/>
             </a:pPr>
-            <a:r>
-              <a:rPr lang="en-US" dirty="0">
-                <a:solidFill>
-                  <a:srgbClr val="00B050"/>
-                </a:solidFill>
-                <a:latin typeface="Times New Roman" panose="02020603050405020304" pitchFamily="18" charset="0"/>
-                <a:cs typeface="Times New Roman" panose="02020603050405020304" pitchFamily="18" charset="0"/>
-              </a:rPr>
-              <a:t>✅</a:t>
-            </a:r>
             <a:r>
               <a:rPr lang="en-US" dirty="0">
                 <a:latin typeface="Times New Roman" panose="02020603050405020304" pitchFamily="18" charset="0"/>
@@ -6568,19 +6549,10 @@
             </a:endParaRPr>
           </a:p>
           <a:p>
-            <a:pPr marL="274320" indent="0">
-              <a:buNone/>
+            <a:pPr marL="731520" indent="-457200">
+              <a:buFont typeface="Wingdings" panose="05000000000000000000" pitchFamily="2" charset="2"/>
+              <a:buChar char="q"/>
             </a:pPr>
-            <a:r>
-              <a:rPr lang="en-US" dirty="0">
-                <a:solidFill>
-                  <a:srgbClr val="00B050"/>
-                </a:solidFill>
-                <a:latin typeface="Times New Roman" panose="02020603050405020304" pitchFamily="18" charset="0"/>
-                <a:cs typeface="Times New Roman" panose="02020603050405020304" pitchFamily="18" charset="0"/>
-              </a:rPr>
-              <a:t>✅</a:t>
-            </a:r>
             <a:r>
               <a:rPr lang="en-US" dirty="0">
                 <a:latin typeface="Times New Roman" panose="02020603050405020304" pitchFamily="18" charset="0"/>
@@ -6629,17 +6601,23 @@
             </a:r>
           </a:p>
           <a:p>
-            <a:pPr marL="548640"/>
+            <a:pPr marL="662940" indent="-457200">
+              <a:buFont typeface="Wingdings" panose="05000000000000000000" pitchFamily="2" charset="2"/>
+              <a:buChar char="q"/>
+            </a:pPr>
             <a:r>
               <a:rPr lang="en-US" dirty="0">
                 <a:latin typeface="Times New Roman" panose="02020603050405020304" pitchFamily="18" charset="0"/>
                 <a:cs typeface="Times New Roman" panose="02020603050405020304" pitchFamily="18" charset="0"/>
               </a:rPr>
-              <a:t>Default output vs. Consensus/Threshold output</a:t>
-            </a:r>
-          </a:p>
-          <a:p>
-            <a:pPr marL="548640"/>
+              <a:t>Default output vs. Consensus output</a:t>
+            </a:r>
+          </a:p>
+          <a:p>
+            <a:pPr marL="662940" indent="-457200">
+              <a:buFont typeface="Wingdings" panose="05000000000000000000" pitchFamily="2" charset="2"/>
+              <a:buChar char="q"/>
+            </a:pPr>
             <a:r>
               <a:rPr lang="en-US" dirty="0">
                 <a:latin typeface="Times New Roman" panose="02020603050405020304" pitchFamily="18" charset="0"/>
@@ -6730,7 +6708,7 @@
         <p:spPr/>
         <p:txBody>
           <a:bodyPr>
-            <a:normAutofit fontScale="70000" lnSpcReduction="20000"/>
+            <a:normAutofit fontScale="62500" lnSpcReduction="20000"/>
           </a:bodyPr>
           <a:lstStyle/>
           <a:p>
@@ -6764,7 +6742,7 @@
                 <a:latin typeface="Times New Roman" panose="02020603050405020304" pitchFamily="18" charset="0"/>
                 <a:cs typeface="Times New Roman" panose="02020603050405020304" pitchFamily="18" charset="0"/>
               </a:rPr>
-              <a:t>/Standard Libraries</a:t>
+              <a:t>/Standard Databases/Libraries</a:t>
             </a:r>
             <a:r>
               <a:rPr lang="en-US" dirty="0">
@@ -6791,8 +6769,40 @@
                 <a:latin typeface="Times New Roman" panose="02020603050405020304" pitchFamily="18" charset="0"/>
                 <a:cs typeface="Times New Roman" panose="02020603050405020304" pitchFamily="18" charset="0"/>
               </a:rPr>
-              <a:t> Often underestimate environmental virus and phage diversity</a:t>
-            </a:r>
+              <a:t> Often underestimate environmental virus and phage diversity,</a:t>
+            </a:r>
+            <a:r>
+              <a:rPr lang="zh-CN" altLang="en-US" dirty="0">
+                <a:latin typeface="Times New Roman" panose="02020603050405020304" pitchFamily="18" charset="0"/>
+                <a:cs typeface="Times New Roman" panose="02020603050405020304" pitchFamily="18" charset="0"/>
+              </a:rPr>
+              <a:t> </a:t>
+            </a:r>
+            <a:r>
+              <a:rPr lang="en-US" altLang="zh-CN" dirty="0">
+                <a:latin typeface="Times New Roman" panose="02020603050405020304" pitchFamily="18" charset="0"/>
+                <a:cs typeface="Times New Roman" panose="02020603050405020304" pitchFamily="18" charset="0"/>
+              </a:rPr>
+              <a:t>because</a:t>
+            </a:r>
+            <a:r>
+              <a:rPr lang="zh-CN" altLang="en-US" dirty="0">
+                <a:latin typeface="Times New Roman" panose="02020603050405020304" pitchFamily="18" charset="0"/>
+                <a:cs typeface="Times New Roman" panose="02020603050405020304" pitchFamily="18" charset="0"/>
+              </a:rPr>
+              <a:t> </a:t>
+            </a:r>
+            <a:r>
+              <a:rPr lang="en-US" altLang="zh-CN" dirty="0">
+                <a:latin typeface="Times New Roman" panose="02020603050405020304" pitchFamily="18" charset="0"/>
+                <a:cs typeface="Times New Roman" panose="02020603050405020304" pitchFamily="18" charset="0"/>
+              </a:rPr>
+              <a:t>a large number of viruses in the environmental samples could not be matched.</a:t>
+            </a:r>
+            <a:endParaRPr lang="en-US" dirty="0">
+              <a:latin typeface="Times New Roman" panose="02020603050405020304" pitchFamily="18" charset="0"/>
+              <a:cs typeface="Times New Roman" panose="02020603050405020304" pitchFamily="18" charset="0"/>
+            </a:endParaRPr>
           </a:p>
           <a:p>
             <a:pPr marL="0" indent="0">
@@ -6859,7 +6869,7 @@
                 <a:latin typeface="Times New Roman" panose="02020603050405020304" pitchFamily="18" charset="0"/>
                 <a:cs typeface="Times New Roman" panose="02020603050405020304" pitchFamily="18" charset="0"/>
               </a:rPr>
-              <a:t> Need to guard against database annotation bias</a:t>
+              <a:t> Need to guard against database annotation bias. Because the sequences in this database are not well annotated.</a:t>
             </a:r>
           </a:p>
           <a:p>
@@ -12121,7 +12131,7 @@
         <p:spPr/>
         <p:txBody>
           <a:bodyPr>
-            <a:normAutofit fontScale="62500" lnSpcReduction="20000"/>
+            <a:normAutofit fontScale="70000" lnSpcReduction="20000"/>
           </a:bodyPr>
           <a:lstStyle/>
           <a:p>
@@ -12188,13 +12198,8 @@
                 <a:latin typeface="Times New Roman" panose="02020603050405020304" pitchFamily="18" charset="0"/>
                 <a:cs typeface="Times New Roman" panose="02020603050405020304" pitchFamily="18" charset="0"/>
               </a:rPr>
-              <a:t>GOTTCHA2 / sourmash / assembly evidence (key target confirmation)</a:t>
-            </a:r>
-          </a:p>
-          <a:p>
-            <a:pPr marL="0" indent="0">
-              <a:buNone/>
-            </a:pPr>
+              <a:t>GOTTCHA2 / sourmash / assembly evidence </a:t>
+            </a:r>
             <a:endParaRPr lang="en-US" b="1" dirty="0">
               <a:latin typeface="Times New Roman" panose="02020603050405020304" pitchFamily="18" charset="0"/>
               <a:cs typeface="Times New Roman" panose="02020603050405020304" pitchFamily="18" charset="0"/>
@@ -12444,7 +12449,24 @@
                 <a:latin typeface="Times New Roman" panose="02020603050405020304" pitchFamily="18" charset="0"/>
                 <a:cs typeface="Times New Roman" panose="02020603050405020304" pitchFamily="18" charset="0"/>
               </a:rPr>
-              <a:t>-viral (discovery) → MLMVD-</a:t>
+              <a:t>-viral (</a:t>
+            </a:r>
+            <a:r>
+              <a:rPr lang="en-US" dirty="0">
+                <a:solidFill>
+                  <a:srgbClr val="FF0000"/>
+                </a:solidFill>
+                <a:latin typeface="Times New Roman" panose="02020603050405020304" pitchFamily="18" charset="0"/>
+                <a:cs typeface="Times New Roman" panose="02020603050405020304" pitchFamily="18" charset="0"/>
+              </a:rPr>
+              <a:t>discovery</a:t>
+            </a:r>
+            <a:r>
+              <a:rPr lang="en-US" dirty="0">
+                <a:latin typeface="Times New Roman" panose="02020603050405020304" pitchFamily="18" charset="0"/>
+                <a:cs typeface="Times New Roman" panose="02020603050405020304" pitchFamily="18" charset="0"/>
+              </a:rPr>
+              <a:t>) → MLMVD-</a:t>
             </a:r>
             <a:r>
               <a:rPr lang="en-US" dirty="0" err="1">
@@ -12585,7 +12607,7 @@
         <p:spPr/>
         <p:txBody>
           <a:bodyPr>
-            <a:normAutofit fontScale="85000" lnSpcReduction="20000"/>
+            <a:normAutofit/>
           </a:bodyPr>
           <a:lstStyle/>
           <a:p>
@@ -12629,6 +12651,20 @@
               <a:buNone/>
             </a:pPr>
             <a:r>
+              <a:rPr lang="en-US" b="1" dirty="0">
+                <a:latin typeface="Times New Roman" panose="02020603050405020304" pitchFamily="18" charset="0"/>
+                <a:cs typeface="Times New Roman" panose="02020603050405020304" pitchFamily="18" charset="0"/>
+              </a:rPr>
+              <a:t>    - First step</a:t>
+            </a:r>
+            <a:r>
+              <a:rPr lang="en-US" dirty="0">
+                <a:latin typeface="Times New Roman" panose="02020603050405020304" pitchFamily="18" charset="0"/>
+                <a:cs typeface="Times New Roman" panose="02020603050405020304" pitchFamily="18" charset="0"/>
+              </a:rPr>
+              <a:t>: </a:t>
+            </a:r>
+            <a:r>
               <a:rPr lang="en-US" dirty="0" err="1">
                 <a:latin typeface="Times New Roman" panose="02020603050405020304" pitchFamily="18" charset="0"/>
                 <a:cs typeface="Times New Roman" panose="02020603050405020304" pitchFamily="18" charset="0"/>
@@ -12640,85 +12676,24 @@
                 <a:latin typeface="Times New Roman" panose="02020603050405020304" pitchFamily="18" charset="0"/>
                 <a:cs typeface="Times New Roman" panose="02020603050405020304" pitchFamily="18" charset="0"/>
               </a:rPr>
-              <a:t> (batch screening) </a:t>
+              <a:t> (</a:t>
             </a:r>
             <a:r>
               <a:rPr lang="en-US" dirty="0">
                 <a:solidFill>
-                  <a:srgbClr val="00B050"/>
-                </a:solidFill>
-                <a:latin typeface="Times New Roman" panose="02020603050405020304" pitchFamily="18" charset="0"/>
-                <a:cs typeface="Times New Roman" panose="02020603050405020304" pitchFamily="18" charset="0"/>
-              </a:rPr>
-              <a:t>→ </a:t>
+                  <a:srgbClr val="FF0000"/>
+                </a:solidFill>
+                <a:latin typeface="Times New Roman" panose="02020603050405020304" pitchFamily="18" charset="0"/>
+                <a:cs typeface="Times New Roman" panose="02020603050405020304" pitchFamily="18" charset="0"/>
+              </a:rPr>
+              <a:t>batch screening</a:t>
             </a:r>
             <a:r>
               <a:rPr lang="en-US" dirty="0">
                 <a:latin typeface="Times New Roman" panose="02020603050405020304" pitchFamily="18" charset="0"/>
                 <a:cs typeface="Times New Roman" panose="02020603050405020304" pitchFamily="18" charset="0"/>
               </a:rPr>
-              <a:t>GOTTCHA2 (confirmation) </a:t>
-            </a:r>
-            <a:r>
-              <a:rPr lang="en-US" dirty="0">
-                <a:solidFill>
-                  <a:srgbClr val="00B050"/>
-                </a:solidFill>
-                <a:latin typeface="Times New Roman" panose="02020603050405020304" pitchFamily="18" charset="0"/>
-                <a:cs typeface="Times New Roman" panose="02020603050405020304" pitchFamily="18" charset="0"/>
-              </a:rPr>
-              <a:t>→</a:t>
-            </a:r>
-            <a:r>
-              <a:rPr lang="en-US" dirty="0">
-                <a:latin typeface="Times New Roman" panose="02020603050405020304" pitchFamily="18" charset="0"/>
-                <a:cs typeface="Times New Roman" panose="02020603050405020304" pitchFamily="18" charset="0"/>
-              </a:rPr>
-              <a:t> </a:t>
-            </a:r>
-            <a:r>
-              <a:rPr lang="en-US" dirty="0" err="1">
-                <a:latin typeface="Times New Roman" panose="02020603050405020304" pitchFamily="18" charset="0"/>
-                <a:cs typeface="Times New Roman" panose="02020603050405020304" pitchFamily="18" charset="0"/>
-              </a:rPr>
-              <a:t>KrakenMetaReads-nf</a:t>
-            </a:r>
-            <a:r>
-              <a:rPr lang="en-US" dirty="0">
-                <a:latin typeface="Times New Roman" panose="02020603050405020304" pitchFamily="18" charset="0"/>
-                <a:cs typeface="Times New Roman" panose="02020603050405020304" pitchFamily="18" charset="0"/>
-              </a:rPr>
-              <a:t>/</a:t>
-            </a:r>
-            <a:r>
-              <a:rPr lang="en-US" dirty="0" err="1">
-                <a:latin typeface="Times New Roman" panose="02020603050405020304" pitchFamily="18" charset="0"/>
-                <a:cs typeface="Times New Roman" panose="02020603050405020304" pitchFamily="18" charset="0"/>
-              </a:rPr>
-              <a:t>rvdb</a:t>
-            </a:r>
-            <a:r>
-              <a:rPr lang="en-US" dirty="0">
-                <a:latin typeface="Times New Roman" panose="02020603050405020304" pitchFamily="18" charset="0"/>
-                <a:cs typeface="Times New Roman" panose="02020603050405020304" pitchFamily="18" charset="0"/>
-              </a:rPr>
-              <a:t>-viral (assembly validation)</a:t>
-            </a:r>
-          </a:p>
-          <a:p>
-            <a:r>
-              <a:rPr lang="en-US" b="1" dirty="0">
-                <a:latin typeface="Times New Roman" panose="02020603050405020304" pitchFamily="18" charset="0"/>
-                <a:cs typeface="Times New Roman" panose="02020603050405020304" pitchFamily="18" charset="0"/>
-              </a:rPr>
-              <a:t>Key Points</a:t>
-            </a:r>
-            <a:r>
-              <a:rPr lang="en-US" dirty="0">
-                <a:latin typeface="Times New Roman" panose="02020603050405020304" pitchFamily="18" charset="0"/>
-                <a:cs typeface="Times New Roman" panose="02020603050405020304" pitchFamily="18" charset="0"/>
-              </a:rPr>
-              <a:t>: </a:t>
+              <a:t>) </a:t>
             </a:r>
           </a:p>
           <a:p>
@@ -12726,27 +12701,35 @@
               <a:buNone/>
             </a:pPr>
             <a:r>
+              <a:rPr lang="en-US" b="1" dirty="0">
+                <a:latin typeface="Times New Roman" panose="02020603050405020304" pitchFamily="18" charset="0"/>
+                <a:cs typeface="Times New Roman" panose="02020603050405020304" pitchFamily="18" charset="0"/>
+              </a:rPr>
+              <a:t>    - Second step: </a:t>
+            </a:r>
+            <a:r>
               <a:rPr lang="en-US" dirty="0">
                 <a:latin typeface="Times New Roman" panose="02020603050405020304" pitchFamily="18" charset="0"/>
                 <a:cs typeface="Times New Roman" panose="02020603050405020304" pitchFamily="18" charset="0"/>
               </a:rPr>
-              <a:t>Multi-evidence chains + coverage thresholds + secondary confirmation</a:t>
-            </a:r>
-          </a:p>
-          <a:p>
-            <a:r>
-              <a:rPr lang="en-US" b="1" dirty="0">
-                <a:latin typeface="Times New Roman" panose="02020603050405020304" pitchFamily="18" charset="0"/>
-                <a:cs typeface="Times New Roman" panose="02020603050405020304" pitchFamily="18" charset="0"/>
-              </a:rPr>
-              <a:t>Output</a:t>
+              <a:t>GOTTCHA2 (</a:t>
             </a:r>
             <a:r>
               <a:rPr lang="en-US" dirty="0">
-                <a:latin typeface="Times New Roman" panose="02020603050405020304" pitchFamily="18" charset="0"/>
-                <a:cs typeface="Times New Roman" panose="02020603050405020304" pitchFamily="18" charset="0"/>
-              </a:rPr>
-              <a:t>: </a:t>
+                <a:solidFill>
+                  <a:srgbClr val="FF0000"/>
+                </a:solidFill>
+                <a:latin typeface="Times New Roman" panose="02020603050405020304" pitchFamily="18" charset="0"/>
+                <a:cs typeface="Times New Roman" panose="02020603050405020304" pitchFamily="18" charset="0"/>
+              </a:rPr>
+              <a:t>confirmation</a:t>
+            </a:r>
+            <a:r>
+              <a:rPr lang="en-US" dirty="0">
+                <a:latin typeface="Times New Roman" panose="02020603050405020304" pitchFamily="18" charset="0"/>
+                <a:cs typeface="Times New Roman" panose="02020603050405020304" pitchFamily="18" charset="0"/>
+              </a:rPr>
+              <a:t>) </a:t>
             </a:r>
           </a:p>
           <a:p>
@@ -12758,7 +12741,66 @@
                 <a:latin typeface="Times New Roman" panose="02020603050405020304" pitchFamily="18" charset="0"/>
                 <a:cs typeface="Times New Roman" panose="02020603050405020304" pitchFamily="18" charset="0"/>
               </a:rPr>
-              <a:t>Distinguish "screen-positive" from "confirm-positive"</a:t>
+              <a:t>    - Third </a:t>
+            </a:r>
+            <a:r>
+              <a:rPr lang="en-US" altLang="zh-CN" dirty="0">
+                <a:latin typeface="Times New Roman" panose="02020603050405020304" pitchFamily="18" charset="0"/>
+                <a:cs typeface="Times New Roman" panose="02020603050405020304" pitchFamily="18" charset="0"/>
+              </a:rPr>
+              <a:t>step:</a:t>
+            </a:r>
+            <a:r>
+              <a:rPr lang="zh-CN" altLang="en-US" dirty="0">
+                <a:latin typeface="Times New Roman" panose="02020603050405020304" pitchFamily="18" charset="0"/>
+                <a:cs typeface="Times New Roman" panose="02020603050405020304" pitchFamily="18" charset="0"/>
+              </a:rPr>
+              <a:t> </a:t>
+            </a:r>
+            <a:r>
+              <a:rPr lang="en-US" dirty="0" err="1">
+                <a:latin typeface="Times New Roman" panose="02020603050405020304" pitchFamily="18" charset="0"/>
+                <a:cs typeface="Times New Roman" panose="02020603050405020304" pitchFamily="18" charset="0"/>
+              </a:rPr>
+              <a:t>KrakenMetaReads-nf</a:t>
+            </a:r>
+            <a:r>
+              <a:rPr lang="en-US" dirty="0">
+                <a:latin typeface="Times New Roman" panose="02020603050405020304" pitchFamily="18" charset="0"/>
+                <a:cs typeface="Times New Roman" panose="02020603050405020304" pitchFamily="18" charset="0"/>
+              </a:rPr>
+              <a:t>/</a:t>
+            </a:r>
+            <a:r>
+              <a:rPr lang="en-US" dirty="0" err="1">
+                <a:latin typeface="Times New Roman" panose="02020603050405020304" pitchFamily="18" charset="0"/>
+                <a:cs typeface="Times New Roman" panose="02020603050405020304" pitchFamily="18" charset="0"/>
+              </a:rPr>
+              <a:t>rvdb</a:t>
+            </a:r>
+            <a:r>
+              <a:rPr lang="en-US" dirty="0">
+                <a:latin typeface="Times New Roman" panose="02020603050405020304" pitchFamily="18" charset="0"/>
+                <a:cs typeface="Times New Roman" panose="02020603050405020304" pitchFamily="18" charset="0"/>
+              </a:rPr>
+              <a:t>-viral (</a:t>
+            </a:r>
+            <a:r>
+              <a:rPr lang="en-US" dirty="0">
+                <a:solidFill>
+                  <a:srgbClr val="FF0000"/>
+                </a:solidFill>
+                <a:latin typeface="Times New Roman" panose="02020603050405020304" pitchFamily="18" charset="0"/>
+                <a:cs typeface="Times New Roman" panose="02020603050405020304" pitchFamily="18" charset="0"/>
+              </a:rPr>
+              <a:t>assembly validation</a:t>
+            </a:r>
+            <a:r>
+              <a:rPr lang="en-US" dirty="0">
+                <a:latin typeface="Times New Roman" panose="02020603050405020304" pitchFamily="18" charset="0"/>
+                <a:cs typeface="Times New Roman" panose="02020603050405020304" pitchFamily="18" charset="0"/>
+              </a:rPr>
+              <a:t>)</a:t>
             </a:r>
           </a:p>
         </p:txBody>
@@ -12925,7 +12967,20 @@
             </a:r>
           </a:p>
           <a:p>
-            <a:pPr lvl="1"/>
+            <a:pPr>
+              <a:buFont typeface="+mj-lt"/>
+              <a:buAutoNum type="arabicPeriod"/>
+            </a:pPr>
+            <a:r>
+              <a:rPr lang="en-US" sz="2400" b="1" dirty="0">
+                <a:solidFill>
+                  <a:srgbClr val="1F2328"/>
+                </a:solidFill>
+                <a:latin typeface="Times New Roman" panose="02020603050405020304" pitchFamily="18" charset="0"/>
+                <a:cs typeface="Times New Roman" panose="02020603050405020304" pitchFamily="18" charset="0"/>
+              </a:rPr>
+              <a:t>Never Use Single Read Count as Existence Conclusion</a:t>
+            </a:r>
             <a:endParaRPr lang="en-US" sz="2400" dirty="0">
               <a:solidFill>
                 <a:srgbClr val="1F2328"/>
@@ -12935,6 +12990,22 @@
             </a:endParaRPr>
           </a:p>
           <a:p>
+            <a:pPr marL="800100" lvl="1" indent="-342900">
+              <a:buFont typeface="Wingdings" panose="05000000000000000000" pitchFamily="2" charset="2"/>
+              <a:buChar char="q"/>
+            </a:pPr>
+            <a:r>
+              <a:rPr lang="en-US" sz="2400" dirty="0">
+                <a:solidFill>
+                  <a:srgbClr val="1F2328"/>
+                </a:solidFill>
+                <a:latin typeface="Times New Roman" panose="02020603050405020304" pitchFamily="18" charset="0"/>
+                <a:cs typeface="Times New Roman" panose="02020603050405020304" pitchFamily="18" charset="0"/>
+              </a:rPr>
+              <a:t>Must use coverage/assembly/multi-tool consistency</a:t>
+            </a:r>
+          </a:p>
+          <a:p>
             <a:pPr>
               <a:buFont typeface="+mj-lt"/>
               <a:buAutoNum type="arabicPeriod"/>
@@ -12947,18 +13018,11 @@
                 <a:latin typeface="Times New Roman" panose="02020603050405020304" pitchFamily="18" charset="0"/>
                 <a:cs typeface="Times New Roman" panose="02020603050405020304" pitchFamily="18" charset="0"/>
               </a:rPr>
-              <a:t>Never Use Single Read Count as Existence Conclusion</a:t>
-            </a:r>
-            <a:endParaRPr lang="en-US" sz="2400" dirty="0">
-              <a:solidFill>
-                <a:srgbClr val="1F2328"/>
-              </a:solidFill>
-              <a:latin typeface="Times New Roman" panose="02020603050405020304" pitchFamily="18" charset="0"/>
-              <a:cs typeface="Times New Roman" panose="02020603050405020304" pitchFamily="18" charset="0"/>
-            </a:endParaRPr>
-          </a:p>
-          <a:p>
-            <a:pPr marL="800100" lvl="1" indent="-342900">
+              <a:t>Establish Evidence Classification System</a:t>
+            </a:r>
+          </a:p>
+          <a:p>
+            <a:pPr marL="804672" indent="-342900">
               <a:buFont typeface="Wingdings" panose="05000000000000000000" pitchFamily="2" charset="2"/>
               <a:buChar char="q"/>
             </a:pPr>
@@ -12970,44 +13034,11 @@
                 <a:latin typeface="Times New Roman" panose="02020603050405020304" pitchFamily="18" charset="0"/>
                 <a:cs typeface="Times New Roman" panose="02020603050405020304" pitchFamily="18" charset="0"/>
               </a:rPr>
-              <a:t>Must use coverage/assembly/multi-tool consistency</a:t>
-            </a:r>
-          </a:p>
-          <a:p>
-            <a:pPr lvl="1"/>
-            <a:endParaRPr lang="en-US" sz="2400" dirty="0">
-              <a:solidFill>
-                <a:srgbClr val="1F2328"/>
-              </a:solidFill>
-              <a:latin typeface="Times New Roman" panose="02020603050405020304" pitchFamily="18" charset="0"/>
-              <a:cs typeface="Times New Roman" panose="02020603050405020304" pitchFamily="18" charset="0"/>
-            </a:endParaRPr>
-          </a:p>
-          <a:p>
-            <a:pPr>
-              <a:buFont typeface="+mj-lt"/>
-              <a:buAutoNum type="arabicPeriod"/>
-            </a:pPr>
-            <a:r>
-              <a:rPr lang="en-US" sz="2400" b="1" dirty="0">
-                <a:solidFill>
-                  <a:srgbClr val="1F2328"/>
-                </a:solidFill>
-                <a:latin typeface="Times New Roman" panose="02020603050405020304" pitchFamily="18" charset="0"/>
-                <a:cs typeface="Times New Roman" panose="02020603050405020304" pitchFamily="18" charset="0"/>
-              </a:rPr>
-              <a:t>Establish Evidence Tier Labels</a:t>
-            </a:r>
-            <a:endParaRPr lang="en-US" sz="2400" dirty="0">
-              <a:solidFill>
-                <a:srgbClr val="1F2328"/>
-              </a:solidFill>
-              <a:latin typeface="Times New Roman" panose="02020603050405020304" pitchFamily="18" charset="0"/>
-              <a:cs typeface="Times New Roman" panose="02020603050405020304" pitchFamily="18" charset="0"/>
-            </a:endParaRPr>
-          </a:p>
-          <a:p>
-            <a:pPr marL="800100" lvl="1" indent="-342900">
+              <a:t>Screen-positive </a:t>
+            </a:r>
+          </a:p>
+          <a:p>
+            <a:pPr marL="804672" indent="-342900">
               <a:buFont typeface="Wingdings" panose="05000000000000000000" pitchFamily="2" charset="2"/>
               <a:buChar char="q"/>
             </a:pPr>
@@ -13019,7 +13050,23 @@
                 <a:latin typeface="Times New Roman" panose="02020603050405020304" pitchFamily="18" charset="0"/>
                 <a:cs typeface="Times New Roman" panose="02020603050405020304" pitchFamily="18" charset="0"/>
               </a:rPr>
-              <a:t>Screen-positive / Supportive / Confirmed</a:t>
+              <a:t>Supportive</a:t>
+            </a:r>
+          </a:p>
+          <a:p>
+            <a:pPr marL="804672" indent="-342900">
+              <a:buFont typeface="Wingdings" panose="05000000000000000000" pitchFamily="2" charset="2"/>
+              <a:buChar char="q"/>
+            </a:pPr>
+            <a:r>
+              <a:rPr lang="en-US" sz="2400" dirty="0">
+                <a:solidFill>
+                  <a:srgbClr val="1F2328"/>
+                </a:solidFill>
+                <a:latin typeface="Times New Roman" panose="02020603050405020304" pitchFamily="18" charset="0"/>
+                <a:cs typeface="Times New Roman" panose="02020603050405020304" pitchFamily="18" charset="0"/>
+              </a:rPr>
+              <a:t>Confirmed</a:t>
             </a:r>
             <a:endParaRPr lang="en-US" sz="2400" b="0" i="0" dirty="0">
               <a:solidFill>
@@ -13108,7 +13155,7 @@
         <p:spPr>
           <a:xfrm>
             <a:off x="637130" y="2136068"/>
-            <a:ext cx="8506870" cy="2308324"/>
+            <a:ext cx="8049670" cy="2308324"/>
           </a:xfrm>
           <a:prstGeom prst="rect">
             <a:avLst/>
@@ -13127,22 +13174,12 @@
             <a:r>
               <a:rPr lang="en-US" sz="2000" dirty="0">
                 <a:solidFill>
-                  <a:srgbClr val="00B050"/>
-                </a:solidFill>
-                <a:latin typeface="Times New Roman" panose="02020603050405020304" pitchFamily="18" charset="0"/>
-                <a:cs typeface="Times New Roman" panose="02020603050405020304" pitchFamily="18" charset="0"/>
-              </a:rPr>
-              <a:t>✅</a:t>
-            </a:r>
-            <a:r>
-              <a:rPr lang="en-US" sz="2000" dirty="0">
-                <a:solidFill>
-                  <a:srgbClr val="1F2328"/>
-                </a:solidFill>
-                <a:latin typeface="Times New Roman" panose="02020603050405020304" pitchFamily="18" charset="0"/>
-                <a:cs typeface="Times New Roman" panose="02020603050405020304" pitchFamily="18" charset="0"/>
-              </a:rPr>
-              <a:t> No single tool can meet all requirements</a:t>
+                  <a:srgbClr val="1F2328"/>
+                </a:solidFill>
+                <a:latin typeface="Times New Roman" panose="02020603050405020304" pitchFamily="18" charset="0"/>
+                <a:cs typeface="Times New Roman" panose="02020603050405020304" pitchFamily="18" charset="0"/>
+              </a:rPr>
+              <a:t>No single tool can meet all requirements</a:t>
             </a:r>
           </a:p>
           <a:p>
@@ -13162,22 +13199,12 @@
             <a:r>
               <a:rPr lang="en-US" sz="2000" dirty="0">
                 <a:solidFill>
-                  <a:srgbClr val="00B050"/>
-                </a:solidFill>
-                <a:latin typeface="Times New Roman" panose="02020603050405020304" pitchFamily="18" charset="0"/>
-                <a:cs typeface="Times New Roman" panose="02020603050405020304" pitchFamily="18" charset="0"/>
-              </a:rPr>
-              <a:t>✅</a:t>
-            </a:r>
-            <a:r>
-              <a:rPr lang="en-US" sz="2000" dirty="0">
-                <a:solidFill>
-                  <a:srgbClr val="1F2328"/>
-                </a:solidFill>
-                <a:latin typeface="Times New Roman" panose="02020603050405020304" pitchFamily="18" charset="0"/>
-                <a:cs typeface="Times New Roman" panose="02020603050405020304" pitchFamily="18" charset="0"/>
-              </a:rPr>
-              <a:t> Need layered strategy: Rapid screening </a:t>
+                  <a:srgbClr val="1F2328"/>
+                </a:solidFill>
+                <a:latin typeface="Times New Roman" panose="02020603050405020304" pitchFamily="18" charset="0"/>
+                <a:cs typeface="Times New Roman" panose="02020603050405020304" pitchFamily="18" charset="0"/>
+              </a:rPr>
+              <a:t>Need layered strategy: Rapid screening </a:t>
             </a:r>
             <a:r>
               <a:rPr lang="en-US" sz="2000" dirty="0">
@@ -13235,26 +13262,6 @@
               <a:buChar char="•"/>
             </a:pPr>
             <a:r>
-              <a:rPr lang="en-US" sz="2000" dirty="0">
-                <a:solidFill>
-                  <a:srgbClr val="00B050"/>
-                </a:solidFill>
-                <a:latin typeface="Times New Roman" panose="02020603050405020304" pitchFamily="18" charset="0"/>
-                <a:cs typeface="Times New Roman" panose="02020603050405020304" pitchFamily="18" charset="0"/>
-              </a:rPr>
-              <a:t>✅</a:t>
-            </a:r>
-            <a:r>
-              <a:rPr lang="en-US" sz="2000" dirty="0">
-                <a:solidFill>
-                  <a:srgbClr val="1F2328"/>
-                </a:solidFill>
-                <a:latin typeface="Times New Roman" panose="02020603050405020304" pitchFamily="18" charset="0"/>
-                <a:cs typeface="Times New Roman" panose="02020603050405020304" pitchFamily="18" charset="0"/>
-              </a:rPr>
-              <a:t> </a:t>
-            </a:r>
-            <a:r>
               <a:rPr lang="en-US" sz="2000" dirty="0" err="1">
                 <a:solidFill>
                   <a:srgbClr val="1F2328"/>
@@ -13292,22 +13299,12 @@
             <a:r>
               <a:rPr lang="en-US" sz="2000" dirty="0">
                 <a:solidFill>
-                  <a:srgbClr val="00B050"/>
-                </a:solidFill>
-                <a:latin typeface="Times New Roman" panose="02020603050405020304" pitchFamily="18" charset="0"/>
-                <a:cs typeface="Times New Roman" panose="02020603050405020304" pitchFamily="18" charset="0"/>
-              </a:rPr>
-              <a:t>✅</a:t>
-            </a:r>
-            <a:r>
-              <a:rPr lang="en-US" sz="2000" dirty="0">
-                <a:solidFill>
-                  <a:srgbClr val="1F2328"/>
-                </a:solidFill>
-                <a:latin typeface="Times New Roman" panose="02020603050405020304" pitchFamily="18" charset="0"/>
-                <a:cs typeface="Times New Roman" panose="02020603050405020304" pitchFamily="18" charset="0"/>
-              </a:rPr>
-              <a:t> Multi-evidence chain consensus is key to reducing false positives</a:t>
+                  <a:srgbClr val="1F2328"/>
+                </a:solidFill>
+                <a:latin typeface="Times New Roman" panose="02020603050405020304" pitchFamily="18" charset="0"/>
+                <a:cs typeface="Times New Roman" panose="02020603050405020304" pitchFamily="18" charset="0"/>
+              </a:rPr>
+              <a:t>Multi-evidence chain consensus is key to reducing false positives</a:t>
             </a:r>
             <a:endParaRPr lang="en-US" sz="2000" b="0" i="0" dirty="0">
               <a:solidFill>
@@ -17820,7 +17817,49 @@
                 <a:latin typeface="Times New Roman" panose="02020603050405020304" pitchFamily="18" charset="0"/>
                 <a:cs typeface="Times New Roman" panose="02020603050405020304" pitchFamily="18" charset="0"/>
               </a:rPr>
-              <a:t> Compatible (Minimap2 friendly to long reads)</a:t>
+              <a:t> Compatible </a:t>
+            </a:r>
+            <a:r>
+              <a:rPr lang="en-US" altLang="zh-CN" sz="2000" dirty="0">
+                <a:solidFill>
+                  <a:srgbClr val="1F2328"/>
+                </a:solidFill>
+                <a:latin typeface="Times New Roman" panose="02020603050405020304" pitchFamily="18" charset="0"/>
+                <a:cs typeface="Times New Roman" panose="02020603050405020304" pitchFamily="18" charset="0"/>
+              </a:rPr>
+              <a:t>to both short reads and long reads</a:t>
+            </a:r>
+          </a:p>
+          <a:p>
+            <a:r>
+              <a:rPr lang="en-US" sz="2000" b="1" dirty="0">
+                <a:solidFill>
+                  <a:srgbClr val="1F2328"/>
+                </a:solidFill>
+                <a:latin typeface="Times New Roman" panose="02020603050405020304" pitchFamily="18" charset="0"/>
+                <a:cs typeface="Times New Roman" panose="02020603050405020304" pitchFamily="18" charset="0"/>
+              </a:rPr>
+              <a:t>Advantages</a:t>
+            </a:r>
+            <a:r>
+              <a:rPr lang="en-US" sz="2000" dirty="0">
+                <a:solidFill>
+                  <a:srgbClr val="1F2328"/>
+                </a:solidFill>
+                <a:latin typeface="Times New Roman" panose="02020603050405020304" pitchFamily="18" charset="0"/>
+                <a:cs typeface="Times New Roman" panose="02020603050405020304" pitchFamily="18" charset="0"/>
+              </a:rPr>
+              <a:t>: </a:t>
+            </a:r>
+            <a:r>
+              <a:rPr lang="en-US" sz="2000" dirty="0">
+                <a:solidFill>
+                  <a:srgbClr val="FF0000"/>
+                </a:solidFill>
+                <a:latin typeface="Times New Roman" panose="02020603050405020304" pitchFamily="18" charset="0"/>
+                <a:cs typeface="Times New Roman" panose="02020603050405020304" pitchFamily="18" charset="0"/>
+              </a:rPr>
+              <a:t>Extremely low false positive rate</a:t>
             </a:r>
             <a:endParaRPr lang="en-US" sz="2000" b="1" dirty="0">
               <a:solidFill>
@@ -17839,7 +17878,7 @@
                 <a:latin typeface="Times New Roman" panose="02020603050405020304" pitchFamily="18" charset="0"/>
                 <a:cs typeface="Times New Roman" panose="02020603050405020304" pitchFamily="18" charset="0"/>
               </a:rPr>
-              <a:t>Advantages</a:t>
+              <a:t>Limitations</a:t>
             </a:r>
             <a:r>
               <a:rPr lang="en-US" sz="2000" dirty="0">
@@ -17849,36 +17888,121 @@
                 <a:latin typeface="Times New Roman" panose="02020603050405020304" pitchFamily="18" charset="0"/>
                 <a:cs typeface="Times New Roman" panose="02020603050405020304" pitchFamily="18" charset="0"/>
               </a:rPr>
-              <a:t>: </a:t>
+              <a:t>: May miss extremely low abundance, database-missing targets</a:t>
+            </a:r>
+          </a:p>
+          <a:p>
+            <a:r>
+              <a:rPr lang="en-US" sz="2000" b="1" dirty="0">
+                <a:solidFill>
+                  <a:srgbClr val="1F2328"/>
+                </a:solidFill>
+                <a:latin typeface="Times New Roman" panose="02020603050405020304" pitchFamily="18" charset="0"/>
+                <a:cs typeface="Times New Roman" panose="02020603050405020304" pitchFamily="18" charset="0"/>
+              </a:rPr>
+              <a:t>Database: </a:t>
+            </a:r>
+            <a:r>
+              <a:rPr lang="en-US" sz="2000" dirty="0" err="1">
+                <a:solidFill>
+                  <a:srgbClr val="1F2328"/>
+                </a:solidFill>
+                <a:latin typeface="Times New Roman" panose="02020603050405020304" pitchFamily="18" charset="0"/>
+                <a:cs typeface="Times New Roman" panose="02020603050405020304" pitchFamily="18" charset="0"/>
+              </a:rPr>
+              <a:t>RefSeq</a:t>
             </a:r>
             <a:r>
               <a:rPr lang="en-US" sz="2000" dirty="0">
                 <a:solidFill>
+                  <a:srgbClr val="1F2328"/>
+                </a:solidFill>
+                <a:latin typeface="Times New Roman" panose="02020603050405020304" pitchFamily="18" charset="0"/>
+                <a:cs typeface="Times New Roman" panose="02020603050405020304" pitchFamily="18" charset="0"/>
+              </a:rPr>
+              <a:t> Bacteria, Archaea </a:t>
+            </a:r>
+            <a:r>
+              <a:rPr lang="en-US" altLang="zh-CN" sz="2000" dirty="0">
+                <a:solidFill>
+                  <a:srgbClr val="1F2328"/>
+                </a:solidFill>
+                <a:latin typeface="Times New Roman" panose="02020603050405020304" pitchFamily="18" charset="0"/>
+                <a:cs typeface="Times New Roman" panose="02020603050405020304" pitchFamily="18" charset="0"/>
+              </a:rPr>
+              <a:t>and</a:t>
+            </a:r>
+            <a:r>
+              <a:rPr lang="zh-CN" altLang="en-US" sz="2000" dirty="0">
+                <a:solidFill>
+                  <a:srgbClr val="1F2328"/>
+                </a:solidFill>
+                <a:latin typeface="Times New Roman" panose="02020603050405020304" pitchFamily="18" charset="0"/>
+                <a:cs typeface="Times New Roman" panose="02020603050405020304" pitchFamily="18" charset="0"/>
+              </a:rPr>
+              <a:t> </a:t>
+            </a:r>
+            <a:r>
+              <a:rPr lang="en-US" sz="2000" dirty="0">
+                <a:solidFill>
+                  <a:srgbClr val="1F2328"/>
+                </a:solidFill>
+                <a:latin typeface="Times New Roman" panose="02020603050405020304" pitchFamily="18" charset="0"/>
+                <a:cs typeface="Times New Roman" panose="02020603050405020304" pitchFamily="18" charset="0"/>
+              </a:rPr>
+              <a:t>Viruses with the </a:t>
+            </a:r>
+            <a:r>
+              <a:rPr lang="en-US" sz="2000" dirty="0" err="1">
+                <a:solidFill>
+                  <a:srgbClr val="1F2328"/>
+                </a:solidFill>
+                <a:latin typeface="Times New Roman" panose="02020603050405020304" pitchFamily="18" charset="0"/>
+                <a:cs typeface="Times New Roman" panose="02020603050405020304" pitchFamily="18" charset="0"/>
+              </a:rPr>
+              <a:t>gottcha_db.species.fna.mmi</a:t>
+            </a:r>
+            <a:r>
+              <a:rPr lang="en-US" sz="2000" dirty="0">
+                <a:solidFill>
+                  <a:srgbClr val="1F2328"/>
+                </a:solidFill>
+                <a:latin typeface="Times New Roman" panose="02020603050405020304" pitchFamily="18" charset="0"/>
+                <a:cs typeface="Times New Roman" panose="02020603050405020304" pitchFamily="18" charset="0"/>
+              </a:rPr>
+              <a:t> file of 100.35 Gb.</a:t>
+            </a:r>
+          </a:p>
+          <a:p>
+            <a:r>
+              <a:rPr lang="en-US" sz="2000" b="1" dirty="0">
+                <a:solidFill>
+                  <a:srgbClr val="1F2328"/>
+                </a:solidFill>
+                <a:latin typeface="Times New Roman" panose="02020603050405020304" pitchFamily="18" charset="0"/>
+                <a:cs typeface="Times New Roman" panose="02020603050405020304" pitchFamily="18" charset="0"/>
+              </a:rPr>
+              <a:t>Usage Recommendation</a:t>
+            </a:r>
+            <a:r>
+              <a:rPr lang="en-US" sz="2000" dirty="0">
+                <a:solidFill>
+                  <a:srgbClr val="1F2328"/>
+                </a:solidFill>
+                <a:latin typeface="Times New Roman" panose="02020603050405020304" pitchFamily="18" charset="0"/>
+                <a:cs typeface="Times New Roman" panose="02020603050405020304" pitchFamily="18" charset="0"/>
+              </a:rPr>
+              <a:t>: Use as "</a:t>
+            </a:r>
+            <a:r>
+              <a:rPr lang="en-US" sz="2000" dirty="0">
+                <a:solidFill>
                   <a:srgbClr val="FF0000"/>
                 </a:solidFill>
                 <a:latin typeface="Times New Roman" panose="02020603050405020304" pitchFamily="18" charset="0"/>
                 <a:cs typeface="Times New Roman" panose="02020603050405020304" pitchFamily="18" charset="0"/>
               </a:rPr>
-              <a:t>Extremely low false positive rate</a:t>
-            </a:r>
-            <a:endParaRPr lang="en-US" sz="2000" b="1" dirty="0">
-              <a:solidFill>
-                <a:srgbClr val="1F2328"/>
-              </a:solidFill>
-              <a:latin typeface="Times New Roman" panose="02020603050405020304" pitchFamily="18" charset="0"/>
-              <a:cs typeface="Times New Roman" panose="02020603050405020304" pitchFamily="18" charset="0"/>
-            </a:endParaRPr>
-          </a:p>
-          <a:p>
-            <a:r>
-              <a:rPr lang="en-US" sz="2000" b="1" dirty="0">
-                <a:solidFill>
-                  <a:srgbClr val="1F2328"/>
-                </a:solidFill>
-                <a:latin typeface="Times New Roman" panose="02020603050405020304" pitchFamily="18" charset="0"/>
-                <a:cs typeface="Times New Roman" panose="02020603050405020304" pitchFamily="18" charset="0"/>
-              </a:rPr>
-              <a:t>Limitations</a:t>
+              <a:t>secondary confirmation</a:t>
             </a:r>
             <a:r>
               <a:rPr lang="en-US" sz="2000" dirty="0">
@@ -17888,111 +18012,7 @@
                 <a:latin typeface="Times New Roman" panose="02020603050405020304" pitchFamily="18" charset="0"/>
                 <a:cs typeface="Times New Roman" panose="02020603050405020304" pitchFamily="18" charset="0"/>
               </a:rPr>
-              <a:t>: May miss extremely low abundance, database-missing targets</a:t>
-            </a:r>
-          </a:p>
-          <a:p>
-            <a:r>
-              <a:rPr lang="en-US" sz="2000" b="1" dirty="0">
-                <a:solidFill>
-                  <a:srgbClr val="1F2328"/>
-                </a:solidFill>
-                <a:latin typeface="Times New Roman" panose="02020603050405020304" pitchFamily="18" charset="0"/>
-                <a:cs typeface="Times New Roman" panose="02020603050405020304" pitchFamily="18" charset="0"/>
-              </a:rPr>
-              <a:t>Database: </a:t>
-            </a:r>
-            <a:r>
-              <a:rPr lang="en-US" sz="2000" dirty="0" err="1">
-                <a:solidFill>
-                  <a:srgbClr val="1F2328"/>
-                </a:solidFill>
-                <a:latin typeface="Times New Roman" panose="02020603050405020304" pitchFamily="18" charset="0"/>
-                <a:cs typeface="Times New Roman" panose="02020603050405020304" pitchFamily="18" charset="0"/>
-              </a:rPr>
-              <a:t>RefSeq</a:t>
-            </a:r>
-            <a:r>
-              <a:rPr lang="en-US" sz="2000" dirty="0">
-                <a:solidFill>
-                  <a:srgbClr val="1F2328"/>
-                </a:solidFill>
-                <a:latin typeface="Times New Roman" panose="02020603050405020304" pitchFamily="18" charset="0"/>
-                <a:cs typeface="Times New Roman" panose="02020603050405020304" pitchFamily="18" charset="0"/>
-              </a:rPr>
-              <a:t> Bacteria, Archaea </a:t>
-            </a:r>
-            <a:r>
-              <a:rPr lang="en-US" altLang="zh-CN" sz="2000" dirty="0">
-                <a:solidFill>
-                  <a:srgbClr val="1F2328"/>
-                </a:solidFill>
-                <a:latin typeface="Times New Roman" panose="02020603050405020304" pitchFamily="18" charset="0"/>
-                <a:cs typeface="Times New Roman" panose="02020603050405020304" pitchFamily="18" charset="0"/>
-              </a:rPr>
-              <a:t>and</a:t>
-            </a:r>
-            <a:r>
-              <a:rPr lang="zh-CN" altLang="en-US" sz="2000" dirty="0">
-                <a:solidFill>
-                  <a:srgbClr val="1F2328"/>
-                </a:solidFill>
-                <a:latin typeface="Times New Roman" panose="02020603050405020304" pitchFamily="18" charset="0"/>
-                <a:cs typeface="Times New Roman" panose="02020603050405020304" pitchFamily="18" charset="0"/>
-              </a:rPr>
-              <a:t> </a:t>
-            </a:r>
-            <a:r>
-              <a:rPr lang="en-US" sz="2000" dirty="0">
-                <a:solidFill>
-                  <a:srgbClr val="1F2328"/>
-                </a:solidFill>
-                <a:latin typeface="Times New Roman" panose="02020603050405020304" pitchFamily="18" charset="0"/>
-                <a:cs typeface="Times New Roman" panose="02020603050405020304" pitchFamily="18" charset="0"/>
-              </a:rPr>
-              <a:t>Viruses with the </a:t>
-            </a:r>
-            <a:r>
-              <a:rPr lang="en-US" sz="2000" dirty="0" err="1">
-                <a:solidFill>
-                  <a:srgbClr val="1F2328"/>
-                </a:solidFill>
-                <a:latin typeface="Times New Roman" panose="02020603050405020304" pitchFamily="18" charset="0"/>
-                <a:cs typeface="Times New Roman" panose="02020603050405020304" pitchFamily="18" charset="0"/>
-              </a:rPr>
-              <a:t>gottcha_db.species.fna.mmi</a:t>
-            </a:r>
-            <a:r>
-              <a:rPr lang="en-US" sz="2000" dirty="0">
-                <a:solidFill>
-                  <a:srgbClr val="1F2328"/>
-                </a:solidFill>
-                <a:latin typeface="Times New Roman" panose="02020603050405020304" pitchFamily="18" charset="0"/>
-                <a:cs typeface="Times New Roman" panose="02020603050405020304" pitchFamily="18" charset="0"/>
-              </a:rPr>
-              <a:t> file of 100.35 Gb.</a:t>
-            </a:r>
-          </a:p>
-          <a:p>
-            <a:r>
-              <a:rPr lang="en-US" sz="2000" b="1" dirty="0">
-                <a:solidFill>
-                  <a:srgbClr val="1F2328"/>
-                </a:solidFill>
-                <a:latin typeface="Times New Roman" panose="02020603050405020304" pitchFamily="18" charset="0"/>
-                <a:cs typeface="Times New Roman" panose="02020603050405020304" pitchFamily="18" charset="0"/>
-              </a:rPr>
-              <a:t>Usage Recommendation</a:t>
-            </a:r>
-            <a:r>
-              <a:rPr lang="en-US" sz="2000" dirty="0">
-                <a:solidFill>
-                  <a:srgbClr val="1F2328"/>
-                </a:solidFill>
-                <a:latin typeface="Times New Roman" panose="02020603050405020304" pitchFamily="18" charset="0"/>
-                <a:cs typeface="Times New Roman" panose="02020603050405020304" pitchFamily="18" charset="0"/>
-              </a:rPr>
-              <a:t>: Use as "secondary confirmation" tool</a:t>
+              <a:t>" tool</a:t>
             </a:r>
             <a:endParaRPr lang="en-US" sz="2000" b="0" i="0" dirty="0">
               <a:solidFill>
